--- a/4 Semestre/Diagrama de Solução de Software - MOCA.pptx
+++ b/4 Semestre/Diagrama de Solução de Software - MOCA.pptx
@@ -5,11 +5,12 @@
     <p:sldMasterId id="2147483682" r:id="rId7"/>
   </p:sldMasterIdLst>
   <p:notesMasterIdLst>
-    <p:notesMasterId r:id="rId10"/>
+    <p:notesMasterId r:id="rId11"/>
   </p:notesMasterIdLst>
   <p:sldIdLst>
     <p:sldId id="1219" r:id="rId8"/>
     <p:sldId id="1220" r:id="rId9"/>
+    <p:sldId id="1221" r:id="rId10"/>
   </p:sldIdLst>
   <p:sldSz cx="12912725" cy="7937500"/>
   <p:notesSz cx="6858000" cy="9144000"/>
@@ -116,12 +117,1405 @@
 </p:presentation>
 </file>
 
-<file path=ppt/revisionInfo.xml><?xml version="1.0" encoding="utf-8"?>
-<p1510:revInfo xmlns:a="http://schemas.openxmlformats.org/drawingml/2006/main" xmlns:r="http://schemas.openxmlformats.org/officeDocument/2006/relationships" xmlns:p1510="http://schemas.microsoft.com/office/powerpoint/2015/10/main">
-  <p1510:revLst>
-    <p1510:client id="{3A0171FB-C35F-4156-92FF-98D1945B76AE}" v="29" dt="2023-10-21T00:20:28.710"/>
-  </p1510:revLst>
-</p1510:revInfo>
+<file path=ppt/changesInfos/changesInfo1.xml><?xml version="1.0" encoding="utf-8"?>
+<pc:chgInfo xmlns:a="http://schemas.openxmlformats.org/drawingml/2006/main" xmlns:r="http://schemas.openxmlformats.org/officeDocument/2006/relationships" xmlns:ac="http://schemas.microsoft.com/office/drawing/2013/main/command" xmlns:pc="http://schemas.microsoft.com/office/powerpoint/2013/main/command">
+  <pc:docChgLst>
+    <pc:chgData name="Raul Meira de Souza" userId="0b810766-76aa-4ac6-b01e-c80b8c896654" providerId="ADAL" clId="{3A0171FB-C35F-4156-92FF-98D1945B76AE}"/>
+    <pc:docChg chg="undo custSel addSld modSld">
+      <pc:chgData name="Raul Meira de Souza" userId="0b810766-76aa-4ac6-b01e-c80b8c896654" providerId="ADAL" clId="{3A0171FB-C35F-4156-92FF-98D1945B76AE}" dt="2023-10-21T01:09:09.389" v="521" actId="14100"/>
+      <pc:docMkLst>
+        <pc:docMk/>
+      </pc:docMkLst>
+      <pc:sldChg chg="addSp modSp mod modShow">
+        <pc:chgData name="Raul Meira de Souza" userId="0b810766-76aa-4ac6-b01e-c80b8c896654" providerId="ADAL" clId="{3A0171FB-C35F-4156-92FF-98D1945B76AE}" dt="2023-10-21T00:22:15.486" v="342" actId="729"/>
+        <pc:sldMkLst>
+          <pc:docMk/>
+          <pc:sldMk cId="476095678" sldId="1219"/>
+        </pc:sldMkLst>
+        <pc:spChg chg="add mod">
+          <ac:chgData name="Raul Meira de Souza" userId="0b810766-76aa-4ac6-b01e-c80b8c896654" providerId="ADAL" clId="{3A0171FB-C35F-4156-92FF-98D1945B76AE}" dt="2023-10-20T23:58:02.888" v="7" actId="20577"/>
+          <ac:spMkLst>
+            <pc:docMk/>
+            <pc:sldMk cId="476095678" sldId="1219"/>
+            <ac:spMk id="3" creationId="{8D5B8F9C-8B74-59DE-5637-FA8A3E59EA60}"/>
+          </ac:spMkLst>
+        </pc:spChg>
+      </pc:sldChg>
+      <pc:sldChg chg="addSp delSp modSp add mod setBg">
+        <pc:chgData name="Raul Meira de Souza" userId="0b810766-76aa-4ac6-b01e-c80b8c896654" providerId="ADAL" clId="{3A0171FB-C35F-4156-92FF-98D1945B76AE}" dt="2023-10-21T01:09:09.389" v="521" actId="14100"/>
+        <pc:sldMkLst>
+          <pc:docMk/>
+          <pc:sldMk cId="2587990470" sldId="1220"/>
+        </pc:sldMkLst>
+        <pc:spChg chg="add del mod">
+          <ac:chgData name="Raul Meira de Souza" userId="0b810766-76aa-4ac6-b01e-c80b8c896654" providerId="ADAL" clId="{3A0171FB-C35F-4156-92FF-98D1945B76AE}" dt="2023-10-21T00:58:26.525" v="443" actId="478"/>
+          <ac:spMkLst>
+            <pc:docMk/>
+            <pc:sldMk cId="2587990470" sldId="1220"/>
+            <ac:spMk id="2" creationId="{EBECD2E4-4D23-F22E-70BA-E477457F5B3D}"/>
+          </ac:spMkLst>
+        </pc:spChg>
+        <pc:spChg chg="del">
+          <ac:chgData name="Raul Meira de Souza" userId="0b810766-76aa-4ac6-b01e-c80b8c896654" providerId="ADAL" clId="{3A0171FB-C35F-4156-92FF-98D1945B76AE}" dt="2023-10-21T00:02:45.656" v="69" actId="478"/>
+          <ac:spMkLst>
+            <pc:docMk/>
+            <pc:sldMk cId="2587990470" sldId="1220"/>
+            <ac:spMk id="2" creationId="{F8682CBD-4CCC-DC5B-957F-134EBDA0D31C}"/>
+          </ac:spMkLst>
+        </pc:spChg>
+        <pc:spChg chg="mod">
+          <ac:chgData name="Raul Meira de Souza" userId="0b810766-76aa-4ac6-b01e-c80b8c896654" providerId="ADAL" clId="{3A0171FB-C35F-4156-92FF-98D1945B76AE}" dt="2023-10-21T01:04:22.611" v="514" actId="1076"/>
+          <ac:spMkLst>
+            <pc:docMk/>
+            <pc:sldMk cId="2587990470" sldId="1220"/>
+            <ac:spMk id="3" creationId="{8D5B8F9C-8B74-59DE-5637-FA8A3E59EA60}"/>
+          </ac:spMkLst>
+        </pc:spChg>
+        <pc:spChg chg="add mod">
+          <ac:chgData name="Raul Meira de Souza" userId="0b810766-76aa-4ac6-b01e-c80b8c896654" providerId="ADAL" clId="{3A0171FB-C35F-4156-92FF-98D1945B76AE}" dt="2023-10-21T01:08:27.457" v="515" actId="14100"/>
+          <ac:spMkLst>
+            <pc:docMk/>
+            <pc:sldMk cId="2587990470" sldId="1220"/>
+            <ac:spMk id="4" creationId="{33B3FC83-CB75-D3E3-3D3E-16CFBEC07A53}"/>
+          </ac:spMkLst>
+        </pc:spChg>
+        <pc:spChg chg="add del mod">
+          <ac:chgData name="Raul Meira de Souza" userId="0b810766-76aa-4ac6-b01e-c80b8c896654" providerId="ADAL" clId="{3A0171FB-C35F-4156-92FF-98D1945B76AE}" dt="2023-10-21T00:04:17.571" v="101" actId="478"/>
+          <ac:spMkLst>
+            <pc:docMk/>
+            <pc:sldMk cId="2587990470" sldId="1220"/>
+            <ac:spMk id="5" creationId="{4DFCF754-9FF5-24B8-D14A-3AB82DC0C30F}"/>
+          </ac:spMkLst>
+        </pc:spChg>
+        <pc:spChg chg="mod">
+          <ac:chgData name="Raul Meira de Souza" userId="0b810766-76aa-4ac6-b01e-c80b8c896654" providerId="ADAL" clId="{3A0171FB-C35F-4156-92FF-98D1945B76AE}" dt="2023-10-21T00:18:20.572" v="306" actId="1038"/>
+          <ac:spMkLst>
+            <pc:docMk/>
+            <pc:sldMk cId="2587990470" sldId="1220"/>
+            <ac:spMk id="6" creationId="{B216BEB5-A765-3586-8811-A2D89930A952}"/>
+          </ac:spMkLst>
+        </pc:spChg>
+        <pc:spChg chg="add del mod">
+          <ac:chgData name="Raul Meira de Souza" userId="0b810766-76aa-4ac6-b01e-c80b8c896654" providerId="ADAL" clId="{3A0171FB-C35F-4156-92FF-98D1945B76AE}" dt="2023-10-21T00:03:28.984" v="82" actId="478"/>
+          <ac:spMkLst>
+            <pc:docMk/>
+            <pc:sldMk cId="2587990470" sldId="1220"/>
+            <ac:spMk id="8" creationId="{FFB99106-620E-2B4A-48EC-1055016A94FA}"/>
+          </ac:spMkLst>
+        </pc:spChg>
+        <pc:spChg chg="mod">
+          <ac:chgData name="Raul Meira de Souza" userId="0b810766-76aa-4ac6-b01e-c80b8c896654" providerId="ADAL" clId="{3A0171FB-C35F-4156-92FF-98D1945B76AE}" dt="2023-10-21T00:18:20.572" v="306" actId="1038"/>
+          <ac:spMkLst>
+            <pc:docMk/>
+            <pc:sldMk cId="2587990470" sldId="1220"/>
+            <ac:spMk id="9" creationId="{50622477-592E-A040-F88F-74FD057E0C3D}"/>
+          </ac:spMkLst>
+        </pc:spChg>
+        <pc:spChg chg="add mod">
+          <ac:chgData name="Raul Meira de Souza" userId="0b810766-76aa-4ac6-b01e-c80b8c896654" providerId="ADAL" clId="{3A0171FB-C35F-4156-92FF-98D1945B76AE}" dt="2023-10-21T00:18:20.572" v="306" actId="1038"/>
+          <ac:spMkLst>
+            <pc:docMk/>
+            <pc:sldMk cId="2587990470" sldId="1220"/>
+            <ac:spMk id="10" creationId="{7A6ABF81-F2D6-0767-012E-EE2D0827C7B0}"/>
+          </ac:spMkLst>
+        </pc:spChg>
+        <pc:spChg chg="add mod">
+          <ac:chgData name="Raul Meira de Souza" userId="0b810766-76aa-4ac6-b01e-c80b8c896654" providerId="ADAL" clId="{3A0171FB-C35F-4156-92FF-98D1945B76AE}" dt="2023-10-21T01:01:03.942" v="491" actId="1036"/>
+          <ac:spMkLst>
+            <pc:docMk/>
+            <pc:sldMk cId="2587990470" sldId="1220"/>
+            <ac:spMk id="11" creationId="{58B27EA6-13AA-2671-96A2-9688C1520D38}"/>
+          </ac:spMkLst>
+        </pc:spChg>
+        <pc:spChg chg="add del mod">
+          <ac:chgData name="Raul Meira de Souza" userId="0b810766-76aa-4ac6-b01e-c80b8c896654" providerId="ADAL" clId="{3A0171FB-C35F-4156-92FF-98D1945B76AE}" dt="2023-10-21T00:05:45.488" v="126" actId="478"/>
+          <ac:spMkLst>
+            <pc:docMk/>
+            <pc:sldMk cId="2587990470" sldId="1220"/>
+            <ac:spMk id="12" creationId="{00516EA1-81C7-635B-A540-7F8F68966211}"/>
+          </ac:spMkLst>
+        </pc:spChg>
+        <pc:spChg chg="add mod">
+          <ac:chgData name="Raul Meira de Souza" userId="0b810766-76aa-4ac6-b01e-c80b8c896654" providerId="ADAL" clId="{3A0171FB-C35F-4156-92FF-98D1945B76AE}" dt="2023-10-21T00:18:20.572" v="306" actId="1038"/>
+          <ac:spMkLst>
+            <pc:docMk/>
+            <pc:sldMk cId="2587990470" sldId="1220"/>
+            <ac:spMk id="13" creationId="{5EAEE73F-2453-2949-D615-58D2DC23B5A8}"/>
+          </ac:spMkLst>
+        </pc:spChg>
+        <pc:spChg chg="mod">
+          <ac:chgData name="Raul Meira de Souza" userId="0b810766-76aa-4ac6-b01e-c80b8c896654" providerId="ADAL" clId="{3A0171FB-C35F-4156-92FF-98D1945B76AE}" dt="2023-10-21T00:04:48.457" v="107"/>
+          <ac:spMkLst>
+            <pc:docMk/>
+            <pc:sldMk cId="2587990470" sldId="1220"/>
+            <ac:spMk id="16" creationId="{76507AD0-2426-49B5-13B5-ECD3A2DA3229}"/>
+          </ac:spMkLst>
+        </pc:spChg>
+        <pc:spChg chg="mod">
+          <ac:chgData name="Raul Meira de Souza" userId="0b810766-76aa-4ac6-b01e-c80b8c896654" providerId="ADAL" clId="{3A0171FB-C35F-4156-92FF-98D1945B76AE}" dt="2023-10-21T00:04:48.457" v="107"/>
+          <ac:spMkLst>
+            <pc:docMk/>
+            <pc:sldMk cId="2587990470" sldId="1220"/>
+            <ac:spMk id="18" creationId="{B70B4ED9-70B0-9828-A753-76364BBBD241}"/>
+          </ac:spMkLst>
+        </pc:spChg>
+        <pc:spChg chg="mod">
+          <ac:chgData name="Raul Meira de Souza" userId="0b810766-76aa-4ac6-b01e-c80b8c896654" providerId="ADAL" clId="{3A0171FB-C35F-4156-92FF-98D1945B76AE}" dt="2023-10-21T00:04:48.457" v="107"/>
+          <ac:spMkLst>
+            <pc:docMk/>
+            <pc:sldMk cId="2587990470" sldId="1220"/>
+            <ac:spMk id="20" creationId="{01FF6A1A-BD27-D41E-24C4-EA39A97A6CB0}"/>
+          </ac:spMkLst>
+        </pc:spChg>
+        <pc:spChg chg="add mod">
+          <ac:chgData name="Raul Meira de Souza" userId="0b810766-76aa-4ac6-b01e-c80b8c896654" providerId="ADAL" clId="{3A0171FB-C35F-4156-92FF-98D1945B76AE}" dt="2023-10-21T01:01:18.739" v="494" actId="1076"/>
+          <ac:spMkLst>
+            <pc:docMk/>
+            <pc:sldMk cId="2587990470" sldId="1220"/>
+            <ac:spMk id="20" creationId="{ADB988B4-5F0F-8C57-6998-77806471B540}"/>
+          </ac:spMkLst>
+        </pc:spChg>
+        <pc:spChg chg="mod">
+          <ac:chgData name="Raul Meira de Souza" userId="0b810766-76aa-4ac6-b01e-c80b8c896654" providerId="ADAL" clId="{3A0171FB-C35F-4156-92FF-98D1945B76AE}" dt="2023-10-21T00:04:48.457" v="107"/>
+          <ac:spMkLst>
+            <pc:docMk/>
+            <pc:sldMk cId="2587990470" sldId="1220"/>
+            <ac:spMk id="21" creationId="{646423F5-11FE-75C5-86D6-F009329B538E}"/>
+          </ac:spMkLst>
+        </pc:spChg>
+        <pc:spChg chg="mod">
+          <ac:chgData name="Raul Meira de Souza" userId="0b810766-76aa-4ac6-b01e-c80b8c896654" providerId="ADAL" clId="{3A0171FB-C35F-4156-92FF-98D1945B76AE}" dt="2023-10-21T00:04:48.457" v="107"/>
+          <ac:spMkLst>
+            <pc:docMk/>
+            <pc:sldMk cId="2587990470" sldId="1220"/>
+            <ac:spMk id="22" creationId="{6C8A9D4C-CDE1-5ED9-8C05-BCA9FDB1B975}"/>
+          </ac:spMkLst>
+        </pc:spChg>
+        <pc:spChg chg="add mod">
+          <ac:chgData name="Raul Meira de Souza" userId="0b810766-76aa-4ac6-b01e-c80b8c896654" providerId="ADAL" clId="{3A0171FB-C35F-4156-92FF-98D1945B76AE}" dt="2023-10-21T01:02:30.707" v="506" actId="1076"/>
+          <ac:spMkLst>
+            <pc:docMk/>
+            <pc:sldMk cId="2587990470" sldId="1220"/>
+            <ac:spMk id="24" creationId="{F999939F-6680-E91A-69DE-99C183D817F6}"/>
+          </ac:spMkLst>
+        </pc:spChg>
+        <pc:spChg chg="mod">
+          <ac:chgData name="Raul Meira de Souza" userId="0b810766-76aa-4ac6-b01e-c80b8c896654" providerId="ADAL" clId="{3A0171FB-C35F-4156-92FF-98D1945B76AE}" dt="2023-10-21T00:04:48.457" v="107"/>
+          <ac:spMkLst>
+            <pc:docMk/>
+            <pc:sldMk cId="2587990470" sldId="1220"/>
+            <ac:spMk id="25" creationId="{048D2E20-7811-F54D-0F4B-ECBBFCD1B1FD}"/>
+          </ac:spMkLst>
+        </pc:spChg>
+        <pc:spChg chg="mod">
+          <ac:chgData name="Raul Meira de Souza" userId="0b810766-76aa-4ac6-b01e-c80b8c896654" providerId="ADAL" clId="{3A0171FB-C35F-4156-92FF-98D1945B76AE}" dt="2023-10-21T00:04:48.457" v="107"/>
+          <ac:spMkLst>
+            <pc:docMk/>
+            <pc:sldMk cId="2587990470" sldId="1220"/>
+            <ac:spMk id="27" creationId="{F2E7948A-58E5-B82E-7360-566A198372A4}"/>
+          </ac:spMkLst>
+        </pc:spChg>
+        <pc:spChg chg="mod">
+          <ac:chgData name="Raul Meira de Souza" userId="0b810766-76aa-4ac6-b01e-c80b8c896654" providerId="ADAL" clId="{3A0171FB-C35F-4156-92FF-98D1945B76AE}" dt="2023-10-21T00:04:48.457" v="107"/>
+          <ac:spMkLst>
+            <pc:docMk/>
+            <pc:sldMk cId="2587990470" sldId="1220"/>
+            <ac:spMk id="29" creationId="{526BCC29-D508-AD1F-957E-9D4F1F7A0CD6}"/>
+          </ac:spMkLst>
+        </pc:spChg>
+        <pc:spChg chg="mod">
+          <ac:chgData name="Raul Meira de Souza" userId="0b810766-76aa-4ac6-b01e-c80b8c896654" providerId="ADAL" clId="{3A0171FB-C35F-4156-92FF-98D1945B76AE}" dt="2023-10-21T00:04:48.457" v="107"/>
+          <ac:spMkLst>
+            <pc:docMk/>
+            <pc:sldMk cId="2587990470" sldId="1220"/>
+            <ac:spMk id="30" creationId="{1465F7FC-1448-494B-DB65-93D08737592D}"/>
+          </ac:spMkLst>
+        </pc:spChg>
+        <pc:spChg chg="mod">
+          <ac:chgData name="Raul Meira de Souza" userId="0b810766-76aa-4ac6-b01e-c80b8c896654" providerId="ADAL" clId="{3A0171FB-C35F-4156-92FF-98D1945B76AE}" dt="2023-10-21T00:04:48.457" v="107"/>
+          <ac:spMkLst>
+            <pc:docMk/>
+            <pc:sldMk cId="2587990470" sldId="1220"/>
+            <ac:spMk id="31" creationId="{4F8D6C31-C2AB-374F-916B-E3DE38DC97C4}"/>
+          </ac:spMkLst>
+        </pc:spChg>
+        <pc:spChg chg="add mod">
+          <ac:chgData name="Raul Meira de Souza" userId="0b810766-76aa-4ac6-b01e-c80b8c896654" providerId="ADAL" clId="{3A0171FB-C35F-4156-92FF-98D1945B76AE}" dt="2023-10-21T00:56:01.334" v="384" actId="1035"/>
+          <ac:spMkLst>
+            <pc:docMk/>
+            <pc:sldMk cId="2587990470" sldId="1220"/>
+            <ac:spMk id="34" creationId="{BC087E8F-F47A-D5BA-A6E2-8C6F75CA6C44}"/>
+          </ac:spMkLst>
+        </pc:spChg>
+        <pc:spChg chg="add mod">
+          <ac:chgData name="Raul Meira de Souza" userId="0b810766-76aa-4ac6-b01e-c80b8c896654" providerId="ADAL" clId="{3A0171FB-C35F-4156-92FF-98D1945B76AE}" dt="2023-10-21T01:01:29.591" v="498" actId="1076"/>
+          <ac:spMkLst>
+            <pc:docMk/>
+            <pc:sldMk cId="2587990470" sldId="1220"/>
+            <ac:spMk id="35" creationId="{38BD678C-6592-42F8-120A-CCB14FC94803}"/>
+          </ac:spMkLst>
+        </pc:spChg>
+        <pc:spChg chg="add mod">
+          <ac:chgData name="Raul Meira de Souza" userId="0b810766-76aa-4ac6-b01e-c80b8c896654" providerId="ADAL" clId="{3A0171FB-C35F-4156-92FF-98D1945B76AE}" dt="2023-10-21T01:01:36.038" v="499" actId="1076"/>
+          <ac:spMkLst>
+            <pc:docMk/>
+            <pc:sldMk cId="2587990470" sldId="1220"/>
+            <ac:spMk id="36" creationId="{2E738995-EF28-8B69-99D7-876990570D22}"/>
+          </ac:spMkLst>
+        </pc:spChg>
+        <pc:spChg chg="mod">
+          <ac:chgData name="Raul Meira de Souza" userId="0b810766-76aa-4ac6-b01e-c80b8c896654" providerId="ADAL" clId="{3A0171FB-C35F-4156-92FF-98D1945B76AE}" dt="2023-10-21T00:07:20.846" v="147" actId="255"/>
+          <ac:spMkLst>
+            <pc:docMk/>
+            <pc:sldMk cId="2587990470" sldId="1220"/>
+            <ac:spMk id="39" creationId="{4FB28EDE-62BD-59F5-A280-B66F151ECCAA}"/>
+          </ac:spMkLst>
+        </pc:spChg>
+        <pc:spChg chg="mod">
+          <ac:chgData name="Raul Meira de Souza" userId="0b810766-76aa-4ac6-b01e-c80b8c896654" providerId="ADAL" clId="{3A0171FB-C35F-4156-92FF-98D1945B76AE}" dt="2023-10-21T00:07:29.220" v="149" actId="255"/>
+          <ac:spMkLst>
+            <pc:docMk/>
+            <pc:sldMk cId="2587990470" sldId="1220"/>
+            <ac:spMk id="41" creationId="{DA50C5CD-5A23-B214-3D2E-E57AAD2B5554}"/>
+          </ac:spMkLst>
+        </pc:spChg>
+        <pc:spChg chg="mod">
+          <ac:chgData name="Raul Meira de Souza" userId="0b810766-76aa-4ac6-b01e-c80b8c896654" providerId="ADAL" clId="{3A0171FB-C35F-4156-92FF-98D1945B76AE}" dt="2023-10-21T00:07:16.239" v="146" actId="255"/>
+          <ac:spMkLst>
+            <pc:docMk/>
+            <pc:sldMk cId="2587990470" sldId="1220"/>
+            <ac:spMk id="43" creationId="{E02F795E-D07F-80A6-52F9-22F775F87DE5}"/>
+          </ac:spMkLst>
+        </pc:spChg>
+        <pc:spChg chg="mod">
+          <ac:chgData name="Raul Meira de Souza" userId="0b810766-76aa-4ac6-b01e-c80b8c896654" providerId="ADAL" clId="{3A0171FB-C35F-4156-92FF-98D1945B76AE}" dt="2023-10-21T00:06:42.527" v="141"/>
+          <ac:spMkLst>
+            <pc:docMk/>
+            <pc:sldMk cId="2587990470" sldId="1220"/>
+            <ac:spMk id="44" creationId="{0E9EF162-F17E-111A-B736-BC12F10E40D2}"/>
+          </ac:spMkLst>
+        </pc:spChg>
+        <pc:spChg chg="mod">
+          <ac:chgData name="Raul Meira de Souza" userId="0b810766-76aa-4ac6-b01e-c80b8c896654" providerId="ADAL" clId="{3A0171FB-C35F-4156-92FF-98D1945B76AE}" dt="2023-10-21T00:06:42.527" v="141"/>
+          <ac:spMkLst>
+            <pc:docMk/>
+            <pc:sldMk cId="2587990470" sldId="1220"/>
+            <ac:spMk id="45" creationId="{6F4ABF32-017E-C6EA-1F17-13DA8D6677FE}"/>
+          </ac:spMkLst>
+        </pc:spChg>
+        <pc:spChg chg="mod">
+          <ac:chgData name="Raul Meira de Souza" userId="0b810766-76aa-4ac6-b01e-c80b8c896654" providerId="ADAL" clId="{3A0171FB-C35F-4156-92FF-98D1945B76AE}" dt="2023-10-21T00:09:00.890" v="210" actId="20577"/>
+          <ac:spMkLst>
+            <pc:docMk/>
+            <pc:sldMk cId="2587990470" sldId="1220"/>
+            <ac:spMk id="54" creationId="{734CFE51-5E12-D336-BD32-0E7775F2F666}"/>
+          </ac:spMkLst>
+        </pc:spChg>
+        <pc:spChg chg="mod">
+          <ac:chgData name="Raul Meira de Souza" userId="0b810766-76aa-4ac6-b01e-c80b8c896654" providerId="ADAL" clId="{3A0171FB-C35F-4156-92FF-98D1945B76AE}" dt="2023-10-21T00:06:57.843" v="143" actId="255"/>
+          <ac:spMkLst>
+            <pc:docMk/>
+            <pc:sldMk cId="2587990470" sldId="1220"/>
+            <ac:spMk id="55" creationId="{C7D7F515-5549-A1D0-F417-0E2EAD2EAC8B}"/>
+          </ac:spMkLst>
+        </pc:spChg>
+        <pc:spChg chg="mod">
+          <ac:chgData name="Raul Meira de Souza" userId="0b810766-76aa-4ac6-b01e-c80b8c896654" providerId="ADAL" clId="{3A0171FB-C35F-4156-92FF-98D1945B76AE}" dt="2023-10-21T00:15:54.346" v="255" actId="1076"/>
+          <ac:spMkLst>
+            <pc:docMk/>
+            <pc:sldMk cId="2587990470" sldId="1220"/>
+            <ac:spMk id="58" creationId="{353F29EB-2DF2-4C1F-A2B8-367BBF87014D}"/>
+          </ac:spMkLst>
+        </pc:spChg>
+        <pc:spChg chg="mod">
+          <ac:chgData name="Raul Meira de Souza" userId="0b810766-76aa-4ac6-b01e-c80b8c896654" providerId="ADAL" clId="{3A0171FB-C35F-4156-92FF-98D1945B76AE}" dt="2023-10-21T00:07:09.674" v="145" actId="255"/>
+          <ac:spMkLst>
+            <pc:docMk/>
+            <pc:sldMk cId="2587990470" sldId="1220"/>
+            <ac:spMk id="63" creationId="{477A1E4D-9C96-1A3F-5100-FAA60319DE09}"/>
+          </ac:spMkLst>
+        </pc:spChg>
+        <pc:spChg chg="mod">
+          <ac:chgData name="Raul Meira de Souza" userId="0b810766-76aa-4ac6-b01e-c80b8c896654" providerId="ADAL" clId="{3A0171FB-C35F-4156-92FF-98D1945B76AE}" dt="2023-10-21T00:06:42.527" v="141"/>
+          <ac:spMkLst>
+            <pc:docMk/>
+            <pc:sldMk cId="2587990470" sldId="1220"/>
+            <ac:spMk id="64" creationId="{250893AA-63A3-D4ED-2558-F3AE329D11AB}"/>
+          </ac:spMkLst>
+        </pc:spChg>
+        <pc:spChg chg="mod">
+          <ac:chgData name="Raul Meira de Souza" userId="0b810766-76aa-4ac6-b01e-c80b8c896654" providerId="ADAL" clId="{3A0171FB-C35F-4156-92FF-98D1945B76AE}" dt="2023-10-21T00:06:42.527" v="141"/>
+          <ac:spMkLst>
+            <pc:docMk/>
+            <pc:sldMk cId="2587990470" sldId="1220"/>
+            <ac:spMk id="65" creationId="{0E16CB2E-073F-D940-C66D-E21F2D527B26}"/>
+          </ac:spMkLst>
+        </pc:spChg>
+        <pc:spChg chg="add mod">
+          <ac:chgData name="Raul Meira de Souza" userId="0b810766-76aa-4ac6-b01e-c80b8c896654" providerId="ADAL" clId="{3A0171FB-C35F-4156-92FF-98D1945B76AE}" dt="2023-10-21T01:08:30.017" v="517" actId="1036"/>
+          <ac:spMkLst>
+            <pc:docMk/>
+            <pc:sldMk cId="2587990470" sldId="1220"/>
+            <ac:spMk id="71" creationId="{C7900629-8FDF-6A92-C7CC-09C8C3802930}"/>
+          </ac:spMkLst>
+        </pc:spChg>
+        <pc:spChg chg="mod">
+          <ac:chgData name="Raul Meira de Souza" userId="0b810766-76aa-4ac6-b01e-c80b8c896654" providerId="ADAL" clId="{3A0171FB-C35F-4156-92FF-98D1945B76AE}" dt="2023-10-21T00:08:42.574" v="199"/>
+          <ac:spMkLst>
+            <pc:docMk/>
+            <pc:sldMk cId="2587990470" sldId="1220"/>
+            <ac:spMk id="74" creationId="{CFC0B16E-8253-E109-17CD-A249A0CC19DD}"/>
+          </ac:spMkLst>
+        </pc:spChg>
+        <pc:spChg chg="mod">
+          <ac:chgData name="Raul Meira de Souza" userId="0b810766-76aa-4ac6-b01e-c80b8c896654" providerId="ADAL" clId="{3A0171FB-C35F-4156-92FF-98D1945B76AE}" dt="2023-10-21T00:08:42.574" v="199"/>
+          <ac:spMkLst>
+            <pc:docMk/>
+            <pc:sldMk cId="2587990470" sldId="1220"/>
+            <ac:spMk id="82" creationId="{226BD8F1-E91B-7FA6-12EA-AE9DC65D8C40}"/>
+          </ac:spMkLst>
+        </pc:spChg>
+        <pc:spChg chg="mod">
+          <ac:chgData name="Raul Meira de Souza" userId="0b810766-76aa-4ac6-b01e-c80b8c896654" providerId="ADAL" clId="{3A0171FB-C35F-4156-92FF-98D1945B76AE}" dt="2023-10-21T00:08:42.574" v="199"/>
+          <ac:spMkLst>
+            <pc:docMk/>
+            <pc:sldMk cId="2587990470" sldId="1220"/>
+            <ac:spMk id="86" creationId="{5E0606E6-391C-6FA5-D1DD-CAA5D874A850}"/>
+          </ac:spMkLst>
+        </pc:spChg>
+        <pc:spChg chg="mod">
+          <ac:chgData name="Raul Meira de Souza" userId="0b810766-76aa-4ac6-b01e-c80b8c896654" providerId="ADAL" clId="{3A0171FB-C35F-4156-92FF-98D1945B76AE}" dt="2023-10-21T00:08:42.574" v="199"/>
+          <ac:spMkLst>
+            <pc:docMk/>
+            <pc:sldMk cId="2587990470" sldId="1220"/>
+            <ac:spMk id="87" creationId="{FFB865A6-ABC8-7DA6-41DC-70A3350E97C7}"/>
+          </ac:spMkLst>
+        </pc:spChg>
+        <pc:spChg chg="mod">
+          <ac:chgData name="Raul Meira de Souza" userId="0b810766-76aa-4ac6-b01e-c80b8c896654" providerId="ADAL" clId="{3A0171FB-C35F-4156-92FF-98D1945B76AE}" dt="2023-10-21T00:08:42.574" v="199"/>
+          <ac:spMkLst>
+            <pc:docMk/>
+            <pc:sldMk cId="2587990470" sldId="1220"/>
+            <ac:spMk id="88" creationId="{9E6D2087-36FB-5DE9-7AB2-BB56BB99FC55}"/>
+          </ac:spMkLst>
+        </pc:spChg>
+        <pc:spChg chg="mod">
+          <ac:chgData name="Raul Meira de Souza" userId="0b810766-76aa-4ac6-b01e-c80b8c896654" providerId="ADAL" clId="{3A0171FB-C35F-4156-92FF-98D1945B76AE}" dt="2023-10-21T01:02:19.781" v="505" actId="1076"/>
+          <ac:spMkLst>
+            <pc:docMk/>
+            <pc:sldMk cId="2587990470" sldId="1220"/>
+            <ac:spMk id="91" creationId="{044B9773-47AB-C713-9223-15118C55249E}"/>
+          </ac:spMkLst>
+        </pc:spChg>
+        <pc:spChg chg="mod">
+          <ac:chgData name="Raul Meira de Souza" userId="0b810766-76aa-4ac6-b01e-c80b8c896654" providerId="ADAL" clId="{3A0171FB-C35F-4156-92FF-98D1945B76AE}" dt="2023-10-21T01:01:15.162" v="493" actId="14100"/>
+          <ac:spMkLst>
+            <pc:docMk/>
+            <pc:sldMk cId="2587990470" sldId="1220"/>
+            <ac:spMk id="92" creationId="{71108321-2283-5A32-8960-85E47A2270DF}"/>
+          </ac:spMkLst>
+        </pc:spChg>
+        <pc:spChg chg="mod">
+          <ac:chgData name="Raul Meira de Souza" userId="0b810766-76aa-4ac6-b01e-c80b8c896654" providerId="ADAL" clId="{3A0171FB-C35F-4156-92FF-98D1945B76AE}" dt="2023-10-21T00:08:42.574" v="199"/>
+          <ac:spMkLst>
+            <pc:docMk/>
+            <pc:sldMk cId="2587990470" sldId="1220"/>
+            <ac:spMk id="94" creationId="{C0AB6FE8-4CCA-6EFE-4511-068302B5BCCC}"/>
+          </ac:spMkLst>
+        </pc:spChg>
+        <pc:spChg chg="mod">
+          <ac:chgData name="Raul Meira de Souza" userId="0b810766-76aa-4ac6-b01e-c80b8c896654" providerId="ADAL" clId="{3A0171FB-C35F-4156-92FF-98D1945B76AE}" dt="2023-10-21T00:08:42.574" v="199"/>
+          <ac:spMkLst>
+            <pc:docMk/>
+            <pc:sldMk cId="2587990470" sldId="1220"/>
+            <ac:spMk id="101" creationId="{5CD6BE4C-14E4-5145-B86F-50157EDBA24C}"/>
+          </ac:spMkLst>
+        </pc:spChg>
+        <pc:spChg chg="mod">
+          <ac:chgData name="Raul Meira de Souza" userId="0b810766-76aa-4ac6-b01e-c80b8c896654" providerId="ADAL" clId="{3A0171FB-C35F-4156-92FF-98D1945B76AE}" dt="2023-10-21T00:08:42.574" v="199"/>
+          <ac:spMkLst>
+            <pc:docMk/>
+            <pc:sldMk cId="2587990470" sldId="1220"/>
+            <ac:spMk id="106" creationId="{11AB4085-77FA-CD90-96FD-A7E82F00BE07}"/>
+          </ac:spMkLst>
+        </pc:spChg>
+        <pc:spChg chg="mod">
+          <ac:chgData name="Raul Meira de Souza" userId="0b810766-76aa-4ac6-b01e-c80b8c896654" providerId="ADAL" clId="{3A0171FB-C35F-4156-92FF-98D1945B76AE}" dt="2023-10-21T00:08:42.574" v="199"/>
+          <ac:spMkLst>
+            <pc:docMk/>
+            <pc:sldMk cId="2587990470" sldId="1220"/>
+            <ac:spMk id="107" creationId="{AADE6EE0-94A8-B67C-7028-0A414AFBDC5F}"/>
+          </ac:spMkLst>
+        </pc:spChg>
+        <pc:spChg chg="mod">
+          <ac:chgData name="Raul Meira de Souza" userId="0b810766-76aa-4ac6-b01e-c80b8c896654" providerId="ADAL" clId="{3A0171FB-C35F-4156-92FF-98D1945B76AE}" dt="2023-10-21T00:08:42.574" v="199"/>
+          <ac:spMkLst>
+            <pc:docMk/>
+            <pc:sldMk cId="2587990470" sldId="1220"/>
+            <ac:spMk id="114" creationId="{B2C7B73C-0952-33A2-C3AC-3D8847C00212}"/>
+          </ac:spMkLst>
+        </pc:spChg>
+        <pc:spChg chg="mod">
+          <ac:chgData name="Raul Meira de Souza" userId="0b810766-76aa-4ac6-b01e-c80b8c896654" providerId="ADAL" clId="{3A0171FB-C35F-4156-92FF-98D1945B76AE}" dt="2023-10-21T00:09:31.678" v="215"/>
+          <ac:spMkLst>
+            <pc:docMk/>
+            <pc:sldMk cId="2587990470" sldId="1220"/>
+            <ac:spMk id="119" creationId="{F9A86F89-7EEF-D8FF-6C8E-73329A73D0F6}"/>
+          </ac:spMkLst>
+        </pc:spChg>
+        <pc:spChg chg="mod">
+          <ac:chgData name="Raul Meira de Souza" userId="0b810766-76aa-4ac6-b01e-c80b8c896654" providerId="ADAL" clId="{3A0171FB-C35F-4156-92FF-98D1945B76AE}" dt="2023-10-21T00:09:31.678" v="215"/>
+          <ac:spMkLst>
+            <pc:docMk/>
+            <pc:sldMk cId="2587990470" sldId="1220"/>
+            <ac:spMk id="121" creationId="{E6784CBB-BAC7-1D19-BB12-1AE274FB9FE9}"/>
+          </ac:spMkLst>
+        </pc:spChg>
+        <pc:spChg chg="mod">
+          <ac:chgData name="Raul Meira de Souza" userId="0b810766-76aa-4ac6-b01e-c80b8c896654" providerId="ADAL" clId="{3A0171FB-C35F-4156-92FF-98D1945B76AE}" dt="2023-10-21T00:11:45.373" v="232" actId="255"/>
+          <ac:spMkLst>
+            <pc:docMk/>
+            <pc:sldMk cId="2587990470" sldId="1220"/>
+            <ac:spMk id="122" creationId="{F6AF5E3F-0C6F-6F8D-7BC9-93C8250841F5}"/>
+          </ac:spMkLst>
+        </pc:spChg>
+        <pc:spChg chg="mod">
+          <ac:chgData name="Raul Meira de Souza" userId="0b810766-76aa-4ac6-b01e-c80b8c896654" providerId="ADAL" clId="{3A0171FB-C35F-4156-92FF-98D1945B76AE}" dt="2023-10-21T00:11:51.416" v="233" actId="255"/>
+          <ac:spMkLst>
+            <pc:docMk/>
+            <pc:sldMk cId="2587990470" sldId="1220"/>
+            <ac:spMk id="123" creationId="{5729FB17-635F-D00F-33B2-7B9981A7AF14}"/>
+          </ac:spMkLst>
+        </pc:spChg>
+        <pc:spChg chg="mod">
+          <ac:chgData name="Raul Meira de Souza" userId="0b810766-76aa-4ac6-b01e-c80b8c896654" providerId="ADAL" clId="{3A0171FB-C35F-4156-92FF-98D1945B76AE}" dt="2023-10-21T00:09:31.678" v="215"/>
+          <ac:spMkLst>
+            <pc:docMk/>
+            <pc:sldMk cId="2587990470" sldId="1220"/>
+            <ac:spMk id="126" creationId="{4537C7D4-EFA5-2860-1611-6D07DB90EC26}"/>
+          </ac:spMkLst>
+        </pc:spChg>
+        <pc:spChg chg="mod">
+          <ac:chgData name="Raul Meira de Souza" userId="0b810766-76aa-4ac6-b01e-c80b8c896654" providerId="ADAL" clId="{3A0171FB-C35F-4156-92FF-98D1945B76AE}" dt="2023-10-21T00:09:31.678" v="215"/>
+          <ac:spMkLst>
+            <pc:docMk/>
+            <pc:sldMk cId="2587990470" sldId="1220"/>
+            <ac:spMk id="127" creationId="{4B641D0E-04F3-302F-8747-9514C2F06DD3}"/>
+          </ac:spMkLst>
+        </pc:spChg>
+        <pc:spChg chg="mod">
+          <ac:chgData name="Raul Meira de Souza" userId="0b810766-76aa-4ac6-b01e-c80b8c896654" providerId="ADAL" clId="{3A0171FB-C35F-4156-92FF-98D1945B76AE}" dt="2023-10-21T00:09:31.678" v="215"/>
+          <ac:spMkLst>
+            <pc:docMk/>
+            <pc:sldMk cId="2587990470" sldId="1220"/>
+            <ac:spMk id="128" creationId="{A97F9528-A307-BBF9-0293-BF19CED02E01}"/>
+          </ac:spMkLst>
+        </pc:spChg>
+        <pc:spChg chg="mod">
+          <ac:chgData name="Raul Meira de Souza" userId="0b810766-76aa-4ac6-b01e-c80b8c896654" providerId="ADAL" clId="{3A0171FB-C35F-4156-92FF-98D1945B76AE}" dt="2023-10-21T00:09:31.678" v="215"/>
+          <ac:spMkLst>
+            <pc:docMk/>
+            <pc:sldMk cId="2587990470" sldId="1220"/>
+            <ac:spMk id="131" creationId="{304C2155-65FE-E80C-105C-98B2445C32AA}"/>
+          </ac:spMkLst>
+        </pc:spChg>
+        <pc:spChg chg="mod">
+          <ac:chgData name="Raul Meira de Souza" userId="0b810766-76aa-4ac6-b01e-c80b8c896654" providerId="ADAL" clId="{3A0171FB-C35F-4156-92FF-98D1945B76AE}" dt="2023-10-21T00:09:31.678" v="215"/>
+          <ac:spMkLst>
+            <pc:docMk/>
+            <pc:sldMk cId="2587990470" sldId="1220"/>
+            <ac:spMk id="132" creationId="{317D2246-58BA-B0AC-F47E-CF190501678B}"/>
+          </ac:spMkLst>
+        </pc:spChg>
+        <pc:spChg chg="mod">
+          <ac:chgData name="Raul Meira de Souza" userId="0b810766-76aa-4ac6-b01e-c80b8c896654" providerId="ADAL" clId="{3A0171FB-C35F-4156-92FF-98D1945B76AE}" dt="2023-10-21T00:09:31.678" v="215"/>
+          <ac:spMkLst>
+            <pc:docMk/>
+            <pc:sldMk cId="2587990470" sldId="1220"/>
+            <ac:spMk id="134" creationId="{01A90FF7-6CF2-2010-261D-109EB01253ED}"/>
+          </ac:spMkLst>
+        </pc:spChg>
+        <pc:spChg chg="mod">
+          <ac:chgData name="Raul Meira de Souza" userId="0b810766-76aa-4ac6-b01e-c80b8c896654" providerId="ADAL" clId="{3A0171FB-C35F-4156-92FF-98D1945B76AE}" dt="2023-10-21T00:09:35.648" v="217" actId="1076"/>
+          <ac:spMkLst>
+            <pc:docMk/>
+            <pc:sldMk cId="2587990470" sldId="1220"/>
+            <ac:spMk id="136" creationId="{99AB94CA-5605-539D-FE1D-BE5E63D2D0A8}"/>
+          </ac:spMkLst>
+        </pc:spChg>
+        <pc:spChg chg="mod">
+          <ac:chgData name="Raul Meira de Souza" userId="0b810766-76aa-4ac6-b01e-c80b8c896654" providerId="ADAL" clId="{3A0171FB-C35F-4156-92FF-98D1945B76AE}" dt="2023-10-21T00:09:31.678" v="215"/>
+          <ac:spMkLst>
+            <pc:docMk/>
+            <pc:sldMk cId="2587990470" sldId="1220"/>
+            <ac:spMk id="137" creationId="{1D2AFB33-A852-9482-7430-1A1161B0E9F7}"/>
+          </ac:spMkLst>
+        </pc:spChg>
+        <pc:spChg chg="mod">
+          <ac:chgData name="Raul Meira de Souza" userId="0b810766-76aa-4ac6-b01e-c80b8c896654" providerId="ADAL" clId="{3A0171FB-C35F-4156-92FF-98D1945B76AE}" dt="2023-10-21T00:10:39.984" v="224"/>
+          <ac:spMkLst>
+            <pc:docMk/>
+            <pc:sldMk cId="2587990470" sldId="1220"/>
+            <ac:spMk id="142" creationId="{F89CAAA2-CB51-C2FF-A2B6-AFDB6E614DD9}"/>
+          </ac:spMkLst>
+        </pc:spChg>
+        <pc:spChg chg="mod">
+          <ac:chgData name="Raul Meira de Souza" userId="0b810766-76aa-4ac6-b01e-c80b8c896654" providerId="ADAL" clId="{3A0171FB-C35F-4156-92FF-98D1945B76AE}" dt="2023-10-21T00:10:39.984" v="224"/>
+          <ac:spMkLst>
+            <pc:docMk/>
+            <pc:sldMk cId="2587990470" sldId="1220"/>
+            <ac:spMk id="143" creationId="{EC356AF6-C1FC-8616-C1FB-FA60A0BCF737}"/>
+          </ac:spMkLst>
+        </pc:spChg>
+        <pc:spChg chg="mod">
+          <ac:chgData name="Raul Meira de Souza" userId="0b810766-76aa-4ac6-b01e-c80b8c896654" providerId="ADAL" clId="{3A0171FB-C35F-4156-92FF-98D1945B76AE}" dt="2023-10-21T00:10:39.984" v="224"/>
+          <ac:spMkLst>
+            <pc:docMk/>
+            <pc:sldMk cId="2587990470" sldId="1220"/>
+            <ac:spMk id="144" creationId="{A94725B6-7B98-0A63-5B64-58CC52AA19A2}"/>
+          </ac:spMkLst>
+        </pc:spChg>
+        <pc:spChg chg="mod">
+          <ac:chgData name="Raul Meira de Souza" userId="0b810766-76aa-4ac6-b01e-c80b8c896654" providerId="ADAL" clId="{3A0171FB-C35F-4156-92FF-98D1945B76AE}" dt="2023-10-21T00:10:39.984" v="224"/>
+          <ac:spMkLst>
+            <pc:docMk/>
+            <pc:sldMk cId="2587990470" sldId="1220"/>
+            <ac:spMk id="146" creationId="{51640F9E-0129-3312-CE82-C0097AE0B3C5}"/>
+          </ac:spMkLst>
+        </pc:spChg>
+        <pc:spChg chg="mod">
+          <ac:chgData name="Raul Meira de Souza" userId="0b810766-76aa-4ac6-b01e-c80b8c896654" providerId="ADAL" clId="{3A0171FB-C35F-4156-92FF-98D1945B76AE}" dt="2023-10-21T00:11:56.791" v="234"/>
+          <ac:spMkLst>
+            <pc:docMk/>
+            <pc:sldMk cId="2587990470" sldId="1220"/>
+            <ac:spMk id="148" creationId="{E5124614-EE9E-E5BA-E80A-BAF81F324E62}"/>
+          </ac:spMkLst>
+        </pc:spChg>
+        <pc:spChg chg="mod">
+          <ac:chgData name="Raul Meira de Souza" userId="0b810766-76aa-4ac6-b01e-c80b8c896654" providerId="ADAL" clId="{3A0171FB-C35F-4156-92FF-98D1945B76AE}" dt="2023-10-21T00:11:56.791" v="234"/>
+          <ac:spMkLst>
+            <pc:docMk/>
+            <pc:sldMk cId="2587990470" sldId="1220"/>
+            <ac:spMk id="149" creationId="{7C526B18-B382-F45F-E870-6A9F3B08A020}"/>
+          </ac:spMkLst>
+        </pc:spChg>
+        <pc:spChg chg="mod">
+          <ac:chgData name="Raul Meira de Souza" userId="0b810766-76aa-4ac6-b01e-c80b8c896654" providerId="ADAL" clId="{3A0171FB-C35F-4156-92FF-98D1945B76AE}" dt="2023-10-21T00:11:56.791" v="234"/>
+          <ac:spMkLst>
+            <pc:docMk/>
+            <pc:sldMk cId="2587990470" sldId="1220"/>
+            <ac:spMk id="151" creationId="{ED8A96DA-E96E-1C63-5F7D-54E5FE37917C}"/>
+          </ac:spMkLst>
+        </pc:spChg>
+        <pc:spChg chg="mod">
+          <ac:chgData name="Raul Meira de Souza" userId="0b810766-76aa-4ac6-b01e-c80b8c896654" providerId="ADAL" clId="{3A0171FB-C35F-4156-92FF-98D1945B76AE}" dt="2023-10-21T00:11:56.791" v="234"/>
+          <ac:spMkLst>
+            <pc:docMk/>
+            <pc:sldMk cId="2587990470" sldId="1220"/>
+            <ac:spMk id="152" creationId="{563017F5-FA99-983B-ADCE-69E4EF044D32}"/>
+          </ac:spMkLst>
+        </pc:spChg>
+        <pc:grpChg chg="add del mod">
+          <ac:chgData name="Raul Meira de Souza" userId="0b810766-76aa-4ac6-b01e-c80b8c896654" providerId="ADAL" clId="{3A0171FB-C35F-4156-92FF-98D1945B76AE}" dt="2023-10-21T00:05:30.087" v="122" actId="478"/>
+          <ac:grpSpMkLst>
+            <pc:docMk/>
+            <pc:sldMk cId="2587990470" sldId="1220"/>
+            <ac:grpSpMk id="14" creationId="{3584D581-EC1B-4504-57C6-100A2A6024AF}"/>
+          </ac:grpSpMkLst>
+        </pc:grpChg>
+        <pc:grpChg chg="mod">
+          <ac:chgData name="Raul Meira de Souza" userId="0b810766-76aa-4ac6-b01e-c80b8c896654" providerId="ADAL" clId="{3A0171FB-C35F-4156-92FF-98D1945B76AE}" dt="2023-10-21T00:04:48.457" v="107"/>
+          <ac:grpSpMkLst>
+            <pc:docMk/>
+            <pc:sldMk cId="2587990470" sldId="1220"/>
+            <ac:grpSpMk id="15" creationId="{B867120E-AC1B-CB39-4D50-F40E62B02CEF}"/>
+          </ac:grpSpMkLst>
+        </pc:grpChg>
+        <pc:grpChg chg="mod">
+          <ac:chgData name="Raul Meira de Souza" userId="0b810766-76aa-4ac6-b01e-c80b8c896654" providerId="ADAL" clId="{3A0171FB-C35F-4156-92FF-98D1945B76AE}" dt="2023-10-21T00:04:48.457" v="107"/>
+          <ac:grpSpMkLst>
+            <pc:docMk/>
+            <pc:sldMk cId="2587990470" sldId="1220"/>
+            <ac:grpSpMk id="17" creationId="{E4A99135-2ADA-85FF-DBEC-989F7660FC51}"/>
+          </ac:grpSpMkLst>
+        </pc:grpChg>
+        <pc:grpChg chg="mod">
+          <ac:chgData name="Raul Meira de Souza" userId="0b810766-76aa-4ac6-b01e-c80b8c896654" providerId="ADAL" clId="{3A0171FB-C35F-4156-92FF-98D1945B76AE}" dt="2023-10-21T00:04:48.457" v="107"/>
+          <ac:grpSpMkLst>
+            <pc:docMk/>
+            <pc:sldMk cId="2587990470" sldId="1220"/>
+            <ac:grpSpMk id="19" creationId="{1D12A6D6-0BF9-249A-EA3C-3A50A392CC5A}"/>
+          </ac:grpSpMkLst>
+        </pc:grpChg>
+        <pc:grpChg chg="add del mod">
+          <ac:chgData name="Raul Meira de Souza" userId="0b810766-76aa-4ac6-b01e-c80b8c896654" providerId="ADAL" clId="{3A0171FB-C35F-4156-92FF-98D1945B76AE}" dt="2023-10-21T00:05:30.087" v="122" actId="478"/>
+          <ac:grpSpMkLst>
+            <pc:docMk/>
+            <pc:sldMk cId="2587990470" sldId="1220"/>
+            <ac:grpSpMk id="23" creationId="{C7EB897D-59D2-5C50-1D6D-AE844CB328EA}"/>
+          </ac:grpSpMkLst>
+        </pc:grpChg>
+        <pc:grpChg chg="mod">
+          <ac:chgData name="Raul Meira de Souza" userId="0b810766-76aa-4ac6-b01e-c80b8c896654" providerId="ADAL" clId="{3A0171FB-C35F-4156-92FF-98D1945B76AE}" dt="2023-10-21T00:04:48.457" v="107"/>
+          <ac:grpSpMkLst>
+            <pc:docMk/>
+            <pc:sldMk cId="2587990470" sldId="1220"/>
+            <ac:grpSpMk id="24" creationId="{205C3C37-F00D-7143-31D6-8A1EAE26A536}"/>
+          </ac:grpSpMkLst>
+        </pc:grpChg>
+        <pc:grpChg chg="mod">
+          <ac:chgData name="Raul Meira de Souza" userId="0b810766-76aa-4ac6-b01e-c80b8c896654" providerId="ADAL" clId="{3A0171FB-C35F-4156-92FF-98D1945B76AE}" dt="2023-10-21T00:04:48.457" v="107"/>
+          <ac:grpSpMkLst>
+            <pc:docMk/>
+            <pc:sldMk cId="2587990470" sldId="1220"/>
+            <ac:grpSpMk id="28" creationId="{1DCE32EE-54D2-F51C-6849-8F3BF06FCEE2}"/>
+          </ac:grpSpMkLst>
+        </pc:grpChg>
+        <pc:grpChg chg="add mod">
+          <ac:chgData name="Raul Meira de Souza" userId="0b810766-76aa-4ac6-b01e-c80b8c896654" providerId="ADAL" clId="{3A0171FB-C35F-4156-92FF-98D1945B76AE}" dt="2023-10-21T01:01:03.942" v="491" actId="1036"/>
+          <ac:grpSpMkLst>
+            <pc:docMk/>
+            <pc:sldMk cId="2587990470" sldId="1220"/>
+            <ac:grpSpMk id="37" creationId="{F9227D26-50F2-9C0D-628A-B8C68A46944D}"/>
+          </ac:grpSpMkLst>
+        </pc:grpChg>
+        <pc:grpChg chg="mod">
+          <ac:chgData name="Raul Meira de Souza" userId="0b810766-76aa-4ac6-b01e-c80b8c896654" providerId="ADAL" clId="{3A0171FB-C35F-4156-92FF-98D1945B76AE}" dt="2023-10-21T00:06:42.527" v="141"/>
+          <ac:grpSpMkLst>
+            <pc:docMk/>
+            <pc:sldMk cId="2587990470" sldId="1220"/>
+            <ac:grpSpMk id="38" creationId="{B91404A4-9308-CBA0-E849-E5520BB00CB5}"/>
+          </ac:grpSpMkLst>
+        </pc:grpChg>
+        <pc:grpChg chg="mod">
+          <ac:chgData name="Raul Meira de Souza" userId="0b810766-76aa-4ac6-b01e-c80b8c896654" providerId="ADAL" clId="{3A0171FB-C35F-4156-92FF-98D1945B76AE}" dt="2023-10-21T00:06:42.527" v="141"/>
+          <ac:grpSpMkLst>
+            <pc:docMk/>
+            <pc:sldMk cId="2587990470" sldId="1220"/>
+            <ac:grpSpMk id="40" creationId="{ADAF7ECE-D73A-1F5D-DD5F-9C7B29037630}"/>
+          </ac:grpSpMkLst>
+        </pc:grpChg>
+        <pc:grpChg chg="mod">
+          <ac:chgData name="Raul Meira de Souza" userId="0b810766-76aa-4ac6-b01e-c80b8c896654" providerId="ADAL" clId="{3A0171FB-C35F-4156-92FF-98D1945B76AE}" dt="2023-10-21T00:06:42.527" v="141"/>
+          <ac:grpSpMkLst>
+            <pc:docMk/>
+            <pc:sldMk cId="2587990470" sldId="1220"/>
+            <ac:grpSpMk id="42" creationId="{43CB8E73-8C42-156F-4280-CBAC1CA41934}"/>
+          </ac:grpSpMkLst>
+        </pc:grpChg>
+        <pc:grpChg chg="add mod">
+          <ac:chgData name="Raul Meira de Souza" userId="0b810766-76aa-4ac6-b01e-c80b8c896654" providerId="ADAL" clId="{3A0171FB-C35F-4156-92FF-98D1945B76AE}" dt="2023-10-21T01:01:03.942" v="491" actId="1036"/>
+          <ac:grpSpMkLst>
+            <pc:docMk/>
+            <pc:sldMk cId="2587990470" sldId="1220"/>
+            <ac:grpSpMk id="46" creationId="{58709E68-F0FE-97CF-3F92-7EB4ED9F0504}"/>
+          </ac:grpSpMkLst>
+        </pc:grpChg>
+        <pc:grpChg chg="mod">
+          <ac:chgData name="Raul Meira de Souza" userId="0b810766-76aa-4ac6-b01e-c80b8c896654" providerId="ADAL" clId="{3A0171FB-C35F-4156-92FF-98D1945B76AE}" dt="2023-10-21T00:06:42.527" v="141"/>
+          <ac:grpSpMkLst>
+            <pc:docMk/>
+            <pc:sldMk cId="2587990470" sldId="1220"/>
+            <ac:grpSpMk id="52" creationId="{02E1E596-E0F1-9BDC-7E99-C6D59A9AF03F}"/>
+          </ac:grpSpMkLst>
+        </pc:grpChg>
+        <pc:grpChg chg="mod">
+          <ac:chgData name="Raul Meira de Souza" userId="0b810766-76aa-4ac6-b01e-c80b8c896654" providerId="ADAL" clId="{3A0171FB-C35F-4156-92FF-98D1945B76AE}" dt="2023-10-21T00:06:42.527" v="141"/>
+          <ac:grpSpMkLst>
+            <pc:docMk/>
+            <pc:sldMk cId="2587990470" sldId="1220"/>
+            <ac:grpSpMk id="62" creationId="{BBB9CA08-50B6-98E8-8FAA-D3DE6126A60F}"/>
+          </ac:grpSpMkLst>
+        </pc:grpChg>
+        <pc:grpChg chg="add del mod">
+          <ac:chgData name="Raul Meira de Souza" userId="0b810766-76aa-4ac6-b01e-c80b8c896654" providerId="ADAL" clId="{3A0171FB-C35F-4156-92FF-98D1945B76AE}" dt="2023-10-21T00:08:50.702" v="206" actId="478"/>
+          <ac:grpSpMkLst>
+            <pc:docMk/>
+            <pc:sldMk cId="2587990470" sldId="1220"/>
+            <ac:grpSpMk id="72" creationId="{207FFBA1-64F9-E596-DE49-80E046A31A2F}"/>
+          </ac:grpSpMkLst>
+        </pc:grpChg>
+        <pc:grpChg chg="mod">
+          <ac:chgData name="Raul Meira de Souza" userId="0b810766-76aa-4ac6-b01e-c80b8c896654" providerId="ADAL" clId="{3A0171FB-C35F-4156-92FF-98D1945B76AE}" dt="2023-10-21T00:08:42.574" v="199"/>
+          <ac:grpSpMkLst>
+            <pc:docMk/>
+            <pc:sldMk cId="2587990470" sldId="1220"/>
+            <ac:grpSpMk id="73" creationId="{039035C0-59D5-5238-61C9-18052C442058}"/>
+          </ac:grpSpMkLst>
+        </pc:grpChg>
+        <pc:grpChg chg="mod">
+          <ac:chgData name="Raul Meira de Souza" userId="0b810766-76aa-4ac6-b01e-c80b8c896654" providerId="ADAL" clId="{3A0171FB-C35F-4156-92FF-98D1945B76AE}" dt="2023-10-21T00:08:42.574" v="199"/>
+          <ac:grpSpMkLst>
+            <pc:docMk/>
+            <pc:sldMk cId="2587990470" sldId="1220"/>
+            <ac:grpSpMk id="81" creationId="{14629CCE-832A-9CB9-1C5F-6857ED0A3CDB}"/>
+          </ac:grpSpMkLst>
+        </pc:grpChg>
+        <pc:grpChg chg="mod">
+          <ac:chgData name="Raul Meira de Souza" userId="0b810766-76aa-4ac6-b01e-c80b8c896654" providerId="ADAL" clId="{3A0171FB-C35F-4156-92FF-98D1945B76AE}" dt="2023-10-21T00:08:42.574" v="199"/>
+          <ac:grpSpMkLst>
+            <pc:docMk/>
+            <pc:sldMk cId="2587990470" sldId="1220"/>
+            <ac:grpSpMk id="83" creationId="{C91DCF2F-8348-FC95-0737-F7E8B91CCF26}"/>
+          </ac:grpSpMkLst>
+        </pc:grpChg>
+        <pc:grpChg chg="mod">
+          <ac:chgData name="Raul Meira de Souza" userId="0b810766-76aa-4ac6-b01e-c80b8c896654" providerId="ADAL" clId="{3A0171FB-C35F-4156-92FF-98D1945B76AE}" dt="2023-10-21T00:56:50.083" v="404" actId="1035"/>
+          <ac:grpSpMkLst>
+            <pc:docMk/>
+            <pc:sldMk cId="2587990470" sldId="1220"/>
+            <ac:grpSpMk id="84" creationId="{AB4B65BF-B50E-ED22-3F23-16932B975EDE}"/>
+          </ac:grpSpMkLst>
+        </pc:grpChg>
+        <pc:grpChg chg="mod">
+          <ac:chgData name="Raul Meira de Souza" userId="0b810766-76aa-4ac6-b01e-c80b8c896654" providerId="ADAL" clId="{3A0171FB-C35F-4156-92FF-98D1945B76AE}" dt="2023-10-21T00:56:50.083" v="404" actId="1035"/>
+          <ac:grpSpMkLst>
+            <pc:docMk/>
+            <pc:sldMk cId="2587990470" sldId="1220"/>
+            <ac:grpSpMk id="85" creationId="{B676CF4A-72BD-1D31-BD0D-E0417932399A}"/>
+          </ac:grpSpMkLst>
+        </pc:grpChg>
+        <pc:grpChg chg="add del mod">
+          <ac:chgData name="Raul Meira de Souza" userId="0b810766-76aa-4ac6-b01e-c80b8c896654" providerId="ADAL" clId="{3A0171FB-C35F-4156-92FF-98D1945B76AE}" dt="2023-10-21T00:08:49.991" v="205" actId="478"/>
+          <ac:grpSpMkLst>
+            <pc:docMk/>
+            <pc:sldMk cId="2587990470" sldId="1220"/>
+            <ac:grpSpMk id="89" creationId="{1FD30645-ACB1-0099-058F-71E930C47AB4}"/>
+          </ac:grpSpMkLst>
+        </pc:grpChg>
+        <pc:grpChg chg="mod">
+          <ac:chgData name="Raul Meira de Souza" userId="0b810766-76aa-4ac6-b01e-c80b8c896654" providerId="ADAL" clId="{3A0171FB-C35F-4156-92FF-98D1945B76AE}" dt="2023-10-21T00:08:42.574" v="199"/>
+          <ac:grpSpMkLst>
+            <pc:docMk/>
+            <pc:sldMk cId="2587990470" sldId="1220"/>
+            <ac:grpSpMk id="90" creationId="{DBE40C5E-D77A-917D-A1F5-A1DD89163C6E}"/>
+          </ac:grpSpMkLst>
+        </pc:grpChg>
+        <pc:grpChg chg="del mod">
+          <ac:chgData name="Raul Meira de Souza" userId="0b810766-76aa-4ac6-b01e-c80b8c896654" providerId="ADAL" clId="{3A0171FB-C35F-4156-92FF-98D1945B76AE}" dt="2023-10-21T00:02:33.021" v="66" actId="478"/>
+          <ac:grpSpMkLst>
+            <pc:docMk/>
+            <pc:sldMk cId="2587990470" sldId="1220"/>
+            <ac:grpSpMk id="102" creationId="{D911D72E-D909-5C2F-DE19-518BC59C73CB}"/>
+          </ac:grpSpMkLst>
+        </pc:grpChg>
+        <pc:grpChg chg="del mod">
+          <ac:chgData name="Raul Meira de Souza" userId="0b810766-76aa-4ac6-b01e-c80b8c896654" providerId="ADAL" clId="{3A0171FB-C35F-4156-92FF-98D1945B76AE}" dt="2023-10-21T00:02:33.021" v="66" actId="478"/>
+          <ac:grpSpMkLst>
+            <pc:docMk/>
+            <pc:sldMk cId="2587990470" sldId="1220"/>
+            <ac:grpSpMk id="103" creationId="{30A58D90-193F-5209-4E92-1064F965B6EA}"/>
+          </ac:grpSpMkLst>
+        </pc:grpChg>
+        <pc:grpChg chg="del">
+          <ac:chgData name="Raul Meira de Souza" userId="0b810766-76aa-4ac6-b01e-c80b8c896654" providerId="ADAL" clId="{3A0171FB-C35F-4156-92FF-98D1945B76AE}" dt="2023-10-21T00:02:45.656" v="69" actId="478"/>
+          <ac:grpSpMkLst>
+            <pc:docMk/>
+            <pc:sldMk cId="2587990470" sldId="1220"/>
+            <ac:grpSpMk id="104" creationId="{9DEAB5AB-DB02-2350-3E6C-F64458A9BDF4}"/>
+          </ac:grpSpMkLst>
+        </pc:grpChg>
+        <pc:grpChg chg="mod">
+          <ac:chgData name="Raul Meira de Souza" userId="0b810766-76aa-4ac6-b01e-c80b8c896654" providerId="ADAL" clId="{3A0171FB-C35F-4156-92FF-98D1945B76AE}" dt="2023-10-21T00:08:42.574" v="199"/>
+          <ac:grpSpMkLst>
+            <pc:docMk/>
+            <pc:sldMk cId="2587990470" sldId="1220"/>
+            <ac:grpSpMk id="105" creationId="{7E58C278-7497-AD71-689D-45DCB8A42337}"/>
+          </ac:grpSpMkLst>
+        </pc:grpChg>
+        <pc:grpChg chg="del">
+          <ac:chgData name="Raul Meira de Souza" userId="0b810766-76aa-4ac6-b01e-c80b8c896654" providerId="ADAL" clId="{3A0171FB-C35F-4156-92FF-98D1945B76AE}" dt="2023-10-21T00:02:45.656" v="69" actId="478"/>
+          <ac:grpSpMkLst>
+            <pc:docMk/>
+            <pc:sldMk cId="2587990470" sldId="1220"/>
+            <ac:grpSpMk id="108" creationId="{34A96BA8-4EDC-AB2C-1B4B-5F180D412AF9}"/>
+          </ac:grpSpMkLst>
+        </pc:grpChg>
+        <pc:grpChg chg="add mod">
+          <ac:chgData name="Raul Meira de Souza" userId="0b810766-76aa-4ac6-b01e-c80b8c896654" providerId="ADAL" clId="{3A0171FB-C35F-4156-92FF-98D1945B76AE}" dt="2023-10-21T00:56:01.334" v="384" actId="1035"/>
+          <ac:grpSpMkLst>
+            <pc:docMk/>
+            <pc:sldMk cId="2587990470" sldId="1220"/>
+            <ac:grpSpMk id="117" creationId="{525F1752-664B-8E30-44C4-72E36A3DBD6E}"/>
+          </ac:grpSpMkLst>
+        </pc:grpChg>
+        <pc:grpChg chg="mod">
+          <ac:chgData name="Raul Meira de Souza" userId="0b810766-76aa-4ac6-b01e-c80b8c896654" providerId="ADAL" clId="{3A0171FB-C35F-4156-92FF-98D1945B76AE}" dt="2023-10-21T00:09:31.678" v="215"/>
+          <ac:grpSpMkLst>
+            <pc:docMk/>
+            <pc:sldMk cId="2587990470" sldId="1220"/>
+            <ac:grpSpMk id="118" creationId="{45234C26-B859-B31D-CEB1-60571E01D5CC}"/>
+          </ac:grpSpMkLst>
+        </pc:grpChg>
+        <pc:grpChg chg="mod">
+          <ac:chgData name="Raul Meira de Souza" userId="0b810766-76aa-4ac6-b01e-c80b8c896654" providerId="ADAL" clId="{3A0171FB-C35F-4156-92FF-98D1945B76AE}" dt="2023-10-21T00:09:31.678" v="215"/>
+          <ac:grpSpMkLst>
+            <pc:docMk/>
+            <pc:sldMk cId="2587990470" sldId="1220"/>
+            <ac:grpSpMk id="120" creationId="{BF4CA6C3-51E1-EFD2-E2E8-FF0C9C0D3B68}"/>
+          </ac:grpSpMkLst>
+        </pc:grpChg>
+        <pc:grpChg chg="mod">
+          <ac:chgData name="Raul Meira de Souza" userId="0b810766-76aa-4ac6-b01e-c80b8c896654" providerId="ADAL" clId="{3A0171FB-C35F-4156-92FF-98D1945B76AE}" dt="2023-10-21T00:16:37.632" v="274" actId="1076"/>
+          <ac:grpSpMkLst>
+            <pc:docMk/>
+            <pc:sldMk cId="2587990470" sldId="1220"/>
+            <ac:grpSpMk id="124" creationId="{DC56731D-D86C-A0C7-038C-7C8DB52099D7}"/>
+          </ac:grpSpMkLst>
+        </pc:grpChg>
+        <pc:grpChg chg="mod">
+          <ac:chgData name="Raul Meira de Souza" userId="0b810766-76aa-4ac6-b01e-c80b8c896654" providerId="ADAL" clId="{3A0171FB-C35F-4156-92FF-98D1945B76AE}" dt="2023-10-21T00:09:31.678" v="215"/>
+          <ac:grpSpMkLst>
+            <pc:docMk/>
+            <pc:sldMk cId="2587990470" sldId="1220"/>
+            <ac:grpSpMk id="125" creationId="{3DC3780C-411D-B42A-393D-81A4D9DFB5E3}"/>
+          </ac:grpSpMkLst>
+        </pc:grpChg>
+        <pc:grpChg chg="add mod">
+          <ac:chgData name="Raul Meira de Souza" userId="0b810766-76aa-4ac6-b01e-c80b8c896654" providerId="ADAL" clId="{3A0171FB-C35F-4156-92FF-98D1945B76AE}" dt="2023-10-21T00:56:01.334" v="384" actId="1035"/>
+          <ac:grpSpMkLst>
+            <pc:docMk/>
+            <pc:sldMk cId="2587990470" sldId="1220"/>
+            <ac:grpSpMk id="129" creationId="{2C8D2D4E-65F4-A3FA-F8F5-FFDFC4DBB27A}"/>
+          </ac:grpSpMkLst>
+        </pc:grpChg>
+        <pc:grpChg chg="mod">
+          <ac:chgData name="Raul Meira de Souza" userId="0b810766-76aa-4ac6-b01e-c80b8c896654" providerId="ADAL" clId="{3A0171FB-C35F-4156-92FF-98D1945B76AE}" dt="2023-10-21T00:09:31.678" v="215"/>
+          <ac:grpSpMkLst>
+            <pc:docMk/>
+            <pc:sldMk cId="2587990470" sldId="1220"/>
+            <ac:grpSpMk id="130" creationId="{37320AFC-5D3F-6D98-D666-780AED7C75DB}"/>
+          </ac:grpSpMkLst>
+        </pc:grpChg>
+        <pc:grpChg chg="mod">
+          <ac:chgData name="Raul Meira de Souza" userId="0b810766-76aa-4ac6-b01e-c80b8c896654" providerId="ADAL" clId="{3A0171FB-C35F-4156-92FF-98D1945B76AE}" dt="2023-10-21T00:09:31.678" v="215"/>
+          <ac:grpSpMkLst>
+            <pc:docMk/>
+            <pc:sldMk cId="2587990470" sldId="1220"/>
+            <ac:grpSpMk id="133" creationId="{9E81E602-37B1-A560-AD4D-E0F6433A0382}"/>
+          </ac:grpSpMkLst>
+        </pc:grpChg>
+        <pc:grpChg chg="add mod">
+          <ac:chgData name="Raul Meira de Souza" userId="0b810766-76aa-4ac6-b01e-c80b8c896654" providerId="ADAL" clId="{3A0171FB-C35F-4156-92FF-98D1945B76AE}" dt="2023-10-21T00:18:20.572" v="306" actId="1038"/>
+          <ac:grpSpMkLst>
+            <pc:docMk/>
+            <pc:sldMk cId="2587990470" sldId="1220"/>
+            <ac:grpSpMk id="141" creationId="{F53E684D-2CF0-1C94-FDCF-C236E494A4CA}"/>
+          </ac:grpSpMkLst>
+        </pc:grpChg>
+        <pc:grpChg chg="add mod">
+          <ac:chgData name="Raul Meira de Souza" userId="0b810766-76aa-4ac6-b01e-c80b8c896654" providerId="ADAL" clId="{3A0171FB-C35F-4156-92FF-98D1945B76AE}" dt="2023-10-21T00:18:20.572" v="306" actId="1038"/>
+          <ac:grpSpMkLst>
+            <pc:docMk/>
+            <pc:sldMk cId="2587990470" sldId="1220"/>
+            <ac:grpSpMk id="147" creationId="{DB9756B3-C19E-3124-1A3A-9200E93C005E}"/>
+          </ac:grpSpMkLst>
+        </pc:grpChg>
+        <pc:picChg chg="mod">
+          <ac:chgData name="Raul Meira de Souza" userId="0b810766-76aa-4ac6-b01e-c80b8c896654" providerId="ADAL" clId="{3A0171FB-C35F-4156-92FF-98D1945B76AE}" dt="2023-10-21T00:04:48.457" v="107"/>
+          <ac:picMkLst>
+            <pc:docMk/>
+            <pc:sldMk cId="2587990470" sldId="1220"/>
+            <ac:picMk id="32" creationId="{FB69942B-AFA3-3E6E-30A5-5321E3D04EE6}"/>
+          </ac:picMkLst>
+        </pc:picChg>
+        <pc:picChg chg="mod">
+          <ac:chgData name="Raul Meira de Souza" userId="0b810766-76aa-4ac6-b01e-c80b8c896654" providerId="ADAL" clId="{3A0171FB-C35F-4156-92FF-98D1945B76AE}" dt="2023-10-21T00:04:48.457" v="107"/>
+          <ac:picMkLst>
+            <pc:docMk/>
+            <pc:sldMk cId="2587990470" sldId="1220"/>
+            <ac:picMk id="33" creationId="{158ADE73-DA64-552C-420E-A5E4AC2FD355}"/>
+          </ac:picMkLst>
+        </pc:picChg>
+        <pc:picChg chg="mod">
+          <ac:chgData name="Raul Meira de Souza" userId="0b810766-76aa-4ac6-b01e-c80b8c896654" providerId="ADAL" clId="{3A0171FB-C35F-4156-92FF-98D1945B76AE}" dt="2023-10-21T00:06:42.527" v="141"/>
+          <ac:picMkLst>
+            <pc:docMk/>
+            <pc:sldMk cId="2587990470" sldId="1220"/>
+            <ac:picMk id="68" creationId="{B4910705-3C34-C35A-8EE0-1905149C5D22}"/>
+          </ac:picMkLst>
+        </pc:picChg>
+        <pc:picChg chg="mod">
+          <ac:chgData name="Raul Meira de Souza" userId="0b810766-76aa-4ac6-b01e-c80b8c896654" providerId="ADAL" clId="{3A0171FB-C35F-4156-92FF-98D1945B76AE}" dt="2023-10-21T00:06:42.527" v="141"/>
+          <ac:picMkLst>
+            <pc:docMk/>
+            <pc:sldMk cId="2587990470" sldId="1220"/>
+            <ac:picMk id="69" creationId="{A94BA479-FC3D-5765-055E-BD038C0BE20A}"/>
+          </ac:picMkLst>
+        </pc:picChg>
+        <pc:picChg chg="mod">
+          <ac:chgData name="Raul Meira de Souza" userId="0b810766-76aa-4ac6-b01e-c80b8c896654" providerId="ADAL" clId="{3A0171FB-C35F-4156-92FF-98D1945B76AE}" dt="2023-10-21T00:08:42.574" v="199"/>
+          <ac:picMkLst>
+            <pc:docMk/>
+            <pc:sldMk cId="2587990470" sldId="1220"/>
+            <ac:picMk id="115" creationId="{55CF9054-9B68-6550-6884-CCA5E1AF0B70}"/>
+          </ac:picMkLst>
+        </pc:picChg>
+        <pc:picChg chg="mod">
+          <ac:chgData name="Raul Meira de Souza" userId="0b810766-76aa-4ac6-b01e-c80b8c896654" providerId="ADAL" clId="{3A0171FB-C35F-4156-92FF-98D1945B76AE}" dt="2023-10-21T00:08:42.574" v="199"/>
+          <ac:picMkLst>
+            <pc:docMk/>
+            <pc:sldMk cId="2587990470" sldId="1220"/>
+            <ac:picMk id="116" creationId="{4F640B36-8458-0275-C065-4C46AF8B1740}"/>
+          </ac:picMkLst>
+        </pc:picChg>
+        <pc:picChg chg="mod">
+          <ac:chgData name="Raul Meira de Souza" userId="0b810766-76aa-4ac6-b01e-c80b8c896654" providerId="ADAL" clId="{3A0171FB-C35F-4156-92FF-98D1945B76AE}" dt="2023-10-21T00:09:31.678" v="215"/>
+          <ac:picMkLst>
+            <pc:docMk/>
+            <pc:sldMk cId="2587990470" sldId="1220"/>
+            <ac:picMk id="138" creationId="{9BFBA736-8155-1037-20BB-F09BED1FC9D7}"/>
+          </ac:picMkLst>
+        </pc:picChg>
+        <pc:picChg chg="mod">
+          <ac:chgData name="Raul Meira de Souza" userId="0b810766-76aa-4ac6-b01e-c80b8c896654" providerId="ADAL" clId="{3A0171FB-C35F-4156-92FF-98D1945B76AE}" dt="2023-10-21T00:09:31.678" v="215"/>
+          <ac:picMkLst>
+            <pc:docMk/>
+            <pc:sldMk cId="2587990470" sldId="1220"/>
+            <ac:picMk id="140" creationId="{3B3FD3A1-18A0-0250-59FE-A7B28BE01276}"/>
+          </ac:picMkLst>
+        </pc:picChg>
+        <pc:cxnChg chg="del mod">
+          <ac:chgData name="Raul Meira de Souza" userId="0b810766-76aa-4ac6-b01e-c80b8c896654" providerId="ADAL" clId="{3A0171FB-C35F-4156-92FF-98D1945B76AE}" dt="2023-10-21T00:01:28.006" v="62" actId="478"/>
+          <ac:cxnSpMkLst>
+            <pc:docMk/>
+            <pc:sldMk cId="2587990470" sldId="1220"/>
+            <ac:cxnSpMk id="7" creationId="{5B36BD1E-6E4E-7502-7932-8E32EA8F6A7D}"/>
+          </ac:cxnSpMkLst>
+        </pc:cxnChg>
+        <pc:cxnChg chg="del mod">
+          <ac:chgData name="Raul Meira de Souza" userId="0b810766-76aa-4ac6-b01e-c80b8c896654" providerId="ADAL" clId="{3A0171FB-C35F-4156-92FF-98D1945B76AE}" dt="2023-10-21T00:01:21.949" v="61" actId="478"/>
+          <ac:cxnSpMkLst>
+            <pc:docMk/>
+            <pc:sldMk cId="2587990470" sldId="1220"/>
+            <ac:cxnSpMk id="93" creationId="{6FC6EF5D-471E-A9BB-0119-D4EAEA4175BA}"/>
+          </ac:cxnSpMkLst>
+        </pc:cxnChg>
+        <pc:cxnChg chg="del mod">
+          <ac:chgData name="Raul Meira de Souza" userId="0b810766-76aa-4ac6-b01e-c80b8c896654" providerId="ADAL" clId="{3A0171FB-C35F-4156-92FF-98D1945B76AE}" dt="2023-10-21T00:01:21.949" v="61" actId="478"/>
+          <ac:cxnSpMkLst>
+            <pc:docMk/>
+            <pc:sldMk cId="2587990470" sldId="1220"/>
+            <ac:cxnSpMk id="113" creationId="{69CF8548-5320-3FFA-F7D3-C9BE00F1DD09}"/>
+          </ac:cxnSpMkLst>
+        </pc:cxnChg>
+        <pc:cxnChg chg="del">
+          <ac:chgData name="Raul Meira de Souza" userId="0b810766-76aa-4ac6-b01e-c80b8c896654" providerId="ADAL" clId="{3A0171FB-C35F-4156-92FF-98D1945B76AE}" dt="2023-10-21T00:01:21.949" v="61" actId="478"/>
+          <ac:cxnSpMkLst>
+            <pc:docMk/>
+            <pc:sldMk cId="2587990470" sldId="1220"/>
+            <ac:cxnSpMk id="135" creationId="{5832199C-F582-DA7F-4D34-BA492ECFC157}"/>
+          </ac:cxnSpMkLst>
+        </pc:cxnChg>
+        <pc:cxnChg chg="del">
+          <ac:chgData name="Raul Meira de Souza" userId="0b810766-76aa-4ac6-b01e-c80b8c896654" providerId="ADAL" clId="{3A0171FB-C35F-4156-92FF-98D1945B76AE}" dt="2023-10-21T00:01:21.949" v="61" actId="478"/>
+          <ac:cxnSpMkLst>
+            <pc:docMk/>
+            <pc:sldMk cId="2587990470" sldId="1220"/>
+            <ac:cxnSpMk id="139" creationId="{E4242CED-B7B5-D389-F116-4895F9CC4AD2}"/>
+          </ac:cxnSpMkLst>
+        </pc:cxnChg>
+        <pc:cxnChg chg="del mod">
+          <ac:chgData name="Raul Meira de Souza" userId="0b810766-76aa-4ac6-b01e-c80b8c896654" providerId="ADAL" clId="{3A0171FB-C35F-4156-92FF-98D1945B76AE}" dt="2023-10-21T00:01:28.006" v="62" actId="478"/>
+          <ac:cxnSpMkLst>
+            <pc:docMk/>
+            <pc:sldMk cId="2587990470" sldId="1220"/>
+            <ac:cxnSpMk id="145" creationId="{94C01907-C736-CA35-ABA3-5172A60F59F8}"/>
+          </ac:cxnSpMkLst>
+        </pc:cxnChg>
+        <pc:cxnChg chg="del mod">
+          <ac:chgData name="Raul Meira de Souza" userId="0b810766-76aa-4ac6-b01e-c80b8c896654" providerId="ADAL" clId="{3A0171FB-C35F-4156-92FF-98D1945B76AE}" dt="2023-10-21T00:01:28.006" v="62" actId="478"/>
+          <ac:cxnSpMkLst>
+            <pc:docMk/>
+            <pc:sldMk cId="2587990470" sldId="1220"/>
+            <ac:cxnSpMk id="150" creationId="{37E0171A-9AD3-10C6-B46F-B18F756D48AE}"/>
+          </ac:cxnSpMkLst>
+        </pc:cxnChg>
+        <pc:cxnChg chg="add mod">
+          <ac:chgData name="Raul Meira de Souza" userId="0b810766-76aa-4ac6-b01e-c80b8c896654" providerId="ADAL" clId="{3A0171FB-C35F-4156-92FF-98D1945B76AE}" dt="2023-10-21T00:56:50.083" v="404" actId="1035"/>
+          <ac:cxnSpMkLst>
+            <pc:docMk/>
+            <pc:sldMk cId="2587990470" sldId="1220"/>
+            <ac:cxnSpMk id="153" creationId="{969863B2-B082-4DE8-36DC-91763D1194E6}"/>
+          </ac:cxnSpMkLst>
+        </pc:cxnChg>
+        <pc:cxnChg chg="add mod">
+          <ac:chgData name="Raul Meira de Souza" userId="0b810766-76aa-4ac6-b01e-c80b8c896654" providerId="ADAL" clId="{3A0171FB-C35F-4156-92FF-98D1945B76AE}" dt="2023-10-21T00:58:52.027" v="445" actId="14100"/>
+          <ac:cxnSpMkLst>
+            <pc:docMk/>
+            <pc:sldMk cId="2587990470" sldId="1220"/>
+            <ac:cxnSpMk id="156" creationId="{DB32F54E-F103-F239-09D3-CB670E574E31}"/>
+          </ac:cxnSpMkLst>
+        </pc:cxnChg>
+        <pc:cxnChg chg="del mod">
+          <ac:chgData name="Raul Meira de Souza" userId="0b810766-76aa-4ac6-b01e-c80b8c896654" providerId="ADAL" clId="{3A0171FB-C35F-4156-92FF-98D1945B76AE}" dt="2023-10-21T00:01:28.006" v="62" actId="478"/>
+          <ac:cxnSpMkLst>
+            <pc:docMk/>
+            <pc:sldMk cId="2587990470" sldId="1220"/>
+            <ac:cxnSpMk id="157" creationId="{3F667D5B-302C-B0C6-09A7-739CFBDE3BD8}"/>
+          </ac:cxnSpMkLst>
+        </pc:cxnChg>
+        <pc:cxnChg chg="add mod">
+          <ac:chgData name="Raul Meira de Souza" userId="0b810766-76aa-4ac6-b01e-c80b8c896654" providerId="ADAL" clId="{3A0171FB-C35F-4156-92FF-98D1945B76AE}" dt="2023-10-21T00:57:40.461" v="423" actId="14100"/>
+          <ac:cxnSpMkLst>
+            <pc:docMk/>
+            <pc:sldMk cId="2587990470" sldId="1220"/>
+            <ac:cxnSpMk id="158" creationId="{93AD1638-A8AD-9698-BFB5-F8A8CB0F0E5B}"/>
+          </ac:cxnSpMkLst>
+        </pc:cxnChg>
+        <pc:cxnChg chg="add mod">
+          <ac:chgData name="Raul Meira de Souza" userId="0b810766-76aa-4ac6-b01e-c80b8c896654" providerId="ADAL" clId="{3A0171FB-C35F-4156-92FF-98D1945B76AE}" dt="2023-10-21T00:57:20.547" v="412" actId="14100"/>
+          <ac:cxnSpMkLst>
+            <pc:docMk/>
+            <pc:sldMk cId="2587990470" sldId="1220"/>
+            <ac:cxnSpMk id="159" creationId="{1E4D2CBC-8101-6CD3-6A20-EBAB82A547CD}"/>
+          </ac:cxnSpMkLst>
+        </pc:cxnChg>
+        <pc:cxnChg chg="del mod">
+          <ac:chgData name="Raul Meira de Souza" userId="0b810766-76aa-4ac6-b01e-c80b8c896654" providerId="ADAL" clId="{3A0171FB-C35F-4156-92FF-98D1945B76AE}" dt="2023-10-21T00:01:28.006" v="62" actId="478"/>
+          <ac:cxnSpMkLst>
+            <pc:docMk/>
+            <pc:sldMk cId="2587990470" sldId="1220"/>
+            <ac:cxnSpMk id="161" creationId="{D709569E-FD90-38D4-DCD7-BF819D42F880}"/>
+          </ac:cxnSpMkLst>
+        </pc:cxnChg>
+        <pc:cxnChg chg="add mod">
+          <ac:chgData name="Raul Meira de Souza" userId="0b810766-76aa-4ac6-b01e-c80b8c896654" providerId="ADAL" clId="{3A0171FB-C35F-4156-92FF-98D1945B76AE}" dt="2023-10-21T00:18:20.572" v="306" actId="1038"/>
+          <ac:cxnSpMkLst>
+            <pc:docMk/>
+            <pc:sldMk cId="2587990470" sldId="1220"/>
+            <ac:cxnSpMk id="166" creationId="{81D40959-316A-EF82-FE62-3EA8B36A7B0E}"/>
+          </ac:cxnSpMkLst>
+        </pc:cxnChg>
+        <pc:cxnChg chg="add mod">
+          <ac:chgData name="Raul Meira de Souza" userId="0b810766-76aa-4ac6-b01e-c80b8c896654" providerId="ADAL" clId="{3A0171FB-C35F-4156-92FF-98D1945B76AE}" dt="2023-10-21T00:18:20.572" v="306" actId="1038"/>
+          <ac:cxnSpMkLst>
+            <pc:docMk/>
+            <pc:sldMk cId="2587990470" sldId="1220"/>
+            <ac:cxnSpMk id="170" creationId="{B6AC61A8-DB06-4CDC-72A2-1863B7BF23EE}"/>
+          </ac:cxnSpMkLst>
+        </pc:cxnChg>
+        <pc:cxnChg chg="add del mod">
+          <ac:chgData name="Raul Meira de Souza" userId="0b810766-76aa-4ac6-b01e-c80b8c896654" providerId="ADAL" clId="{3A0171FB-C35F-4156-92FF-98D1945B76AE}" dt="2023-10-21T00:18:03.252" v="286" actId="478"/>
+          <ac:cxnSpMkLst>
+            <pc:docMk/>
+            <pc:sldMk cId="2587990470" sldId="1220"/>
+            <ac:cxnSpMk id="173" creationId="{574E7C17-4CE7-A3DA-1D9F-B4D450742094}"/>
+          </ac:cxnSpMkLst>
+        </pc:cxnChg>
+        <pc:cxnChg chg="add del mod">
+          <ac:chgData name="Raul Meira de Souza" userId="0b810766-76aa-4ac6-b01e-c80b8c896654" providerId="ADAL" clId="{3A0171FB-C35F-4156-92FF-98D1945B76AE}" dt="2023-10-21T00:19:19.492" v="324" actId="478"/>
+          <ac:cxnSpMkLst>
+            <pc:docMk/>
+            <pc:sldMk cId="2587990470" sldId="1220"/>
+            <ac:cxnSpMk id="176" creationId="{A9874217-9C8F-B88E-2157-FBD08C6A5624}"/>
+          </ac:cxnSpMkLst>
+        </pc:cxnChg>
+        <pc:cxnChg chg="add mod">
+          <ac:chgData name="Raul Meira de Souza" userId="0b810766-76aa-4ac6-b01e-c80b8c896654" providerId="ADAL" clId="{3A0171FB-C35F-4156-92FF-98D1945B76AE}" dt="2023-10-21T01:09:09.389" v="521" actId="14100"/>
+          <ac:cxnSpMkLst>
+            <pc:docMk/>
+            <pc:sldMk cId="2587990470" sldId="1220"/>
+            <ac:cxnSpMk id="179" creationId="{70614E3D-6478-5651-C952-B7E66CCEB04B}"/>
+          </ac:cxnSpMkLst>
+        </pc:cxnChg>
+        <pc:cxnChg chg="add del mod">
+          <ac:chgData name="Raul Meira de Souza" userId="0b810766-76aa-4ac6-b01e-c80b8c896654" providerId="ADAL" clId="{3A0171FB-C35F-4156-92FF-98D1945B76AE}" dt="2023-10-21T00:19:24.374" v="327" actId="478"/>
+          <ac:cxnSpMkLst>
+            <pc:docMk/>
+            <pc:sldMk cId="2587990470" sldId="1220"/>
+            <ac:cxnSpMk id="182" creationId="{610E5827-8CB2-8168-E385-B15099316856}"/>
+          </ac:cxnSpMkLst>
+        </pc:cxnChg>
+        <pc:cxnChg chg="add mod">
+          <ac:chgData name="Raul Meira de Souza" userId="0b810766-76aa-4ac6-b01e-c80b8c896654" providerId="ADAL" clId="{3A0171FB-C35F-4156-92FF-98D1945B76AE}" dt="2023-10-21T01:09:06.325" v="520" actId="14100"/>
+          <ac:cxnSpMkLst>
+            <pc:docMk/>
+            <pc:sldMk cId="2587990470" sldId="1220"/>
+            <ac:cxnSpMk id="183" creationId="{83C72927-FBB2-BEE5-AA14-23B0F51784B5}"/>
+          </ac:cxnSpMkLst>
+        </pc:cxnChg>
+        <pc:cxnChg chg="add mod">
+          <ac:chgData name="Raul Meira de Souza" userId="0b810766-76aa-4ac6-b01e-c80b8c896654" providerId="ADAL" clId="{3A0171FB-C35F-4156-92FF-98D1945B76AE}" dt="2023-10-21T00:58:04.446" v="426" actId="14100"/>
+          <ac:cxnSpMkLst>
+            <pc:docMk/>
+            <pc:sldMk cId="2587990470" sldId="1220"/>
+            <ac:cxnSpMk id="186" creationId="{CAAD2B99-1E7F-52CA-5854-C5EE2BAA40F7}"/>
+          </ac:cxnSpMkLst>
+        </pc:cxnChg>
+      </pc:sldChg>
+    </pc:docChg>
+  </pc:docChgLst>
+  <pc:docChgLst>
+    <pc:chgData name="Raul Meira de Souza" userId="0b810766-76aa-4ac6-b01e-c80b8c896654" providerId="ADAL" clId="{E9F6CAA2-7005-41BE-AECC-5F8546C2C9D7}"/>
+    <pc:docChg chg="undo custSel addSld modSld">
+      <pc:chgData name="Raul Meira de Souza" userId="0b810766-76aa-4ac6-b01e-c80b8c896654" providerId="ADAL" clId="{E9F6CAA2-7005-41BE-AECC-5F8546C2C9D7}" dt="2023-11-27T00:00:18.135" v="359" actId="403"/>
+      <pc:docMkLst>
+        <pc:docMk/>
+      </pc:docMkLst>
+      <pc:sldChg chg="mod modShow">
+        <pc:chgData name="Raul Meira de Souza" userId="0b810766-76aa-4ac6-b01e-c80b8c896654" providerId="ADAL" clId="{E9F6CAA2-7005-41BE-AECC-5F8546C2C9D7}" dt="2023-11-26T22:20:30.378" v="1" actId="729"/>
+        <pc:sldMkLst>
+          <pc:docMk/>
+          <pc:sldMk cId="2587990470" sldId="1220"/>
+        </pc:sldMkLst>
+      </pc:sldChg>
+      <pc:sldChg chg="addSp delSp modSp add mod">
+        <pc:chgData name="Raul Meira de Souza" userId="0b810766-76aa-4ac6-b01e-c80b8c896654" providerId="ADAL" clId="{E9F6CAA2-7005-41BE-AECC-5F8546C2C9D7}" dt="2023-11-27T00:00:18.135" v="359" actId="403"/>
+        <pc:sldMkLst>
+          <pc:docMk/>
+          <pc:sldMk cId="964672477" sldId="1221"/>
+        </pc:sldMkLst>
+        <pc:spChg chg="mod">
+          <ac:chgData name="Raul Meira de Souza" userId="0b810766-76aa-4ac6-b01e-c80b8c896654" providerId="ADAL" clId="{E9F6CAA2-7005-41BE-AECC-5F8546C2C9D7}" dt="2023-11-26T23:53:03.774" v="282" actId="1036"/>
+          <ac:spMkLst>
+            <pc:docMk/>
+            <pc:sldMk cId="964672477" sldId="1221"/>
+            <ac:spMk id="3" creationId="{8D5B8F9C-8B74-59DE-5637-FA8A3E59EA60}"/>
+          </ac:spMkLst>
+        </pc:spChg>
+        <pc:spChg chg="add mod">
+          <ac:chgData name="Raul Meira de Souza" userId="0b810766-76aa-4ac6-b01e-c80b8c896654" providerId="ADAL" clId="{E9F6CAA2-7005-41BE-AECC-5F8546C2C9D7}" dt="2023-11-26T22:45:05.619" v="175"/>
+          <ac:spMkLst>
+            <pc:docMk/>
+            <pc:sldMk cId="964672477" sldId="1221"/>
+            <ac:spMk id="8" creationId="{0E99F2E4-D488-BF1A-E765-F287461BF652}"/>
+          </ac:spMkLst>
+        </pc:spChg>
+        <pc:spChg chg="mod">
+          <ac:chgData name="Raul Meira de Souza" userId="0b810766-76aa-4ac6-b01e-c80b8c896654" providerId="ADAL" clId="{E9F6CAA2-7005-41BE-AECC-5F8546C2C9D7}" dt="2023-11-26T22:46:15.818" v="210" actId="1076"/>
+          <ac:spMkLst>
+            <pc:docMk/>
+            <pc:sldMk cId="964672477" sldId="1221"/>
+            <ac:spMk id="9" creationId="{50622477-592E-A040-F88F-74FD057E0C3D}"/>
+          </ac:spMkLst>
+        </pc:spChg>
+        <pc:spChg chg="mod">
+          <ac:chgData name="Raul Meira de Souza" userId="0b810766-76aa-4ac6-b01e-c80b8c896654" providerId="ADAL" clId="{E9F6CAA2-7005-41BE-AECC-5F8546C2C9D7}" dt="2023-11-26T22:46:39.945" v="211" actId="14100"/>
+          <ac:spMkLst>
+            <pc:docMk/>
+            <pc:sldMk cId="964672477" sldId="1221"/>
+            <ac:spMk id="10" creationId="{7A6ABF81-F2D6-0767-012E-EE2D0827C7B0}"/>
+          </ac:spMkLst>
+        </pc:spChg>
+        <pc:spChg chg="mod">
+          <ac:chgData name="Raul Meira de Souza" userId="0b810766-76aa-4ac6-b01e-c80b8c896654" providerId="ADAL" clId="{E9F6CAA2-7005-41BE-AECC-5F8546C2C9D7}" dt="2023-11-26T22:43:27.580" v="21" actId="14100"/>
+          <ac:spMkLst>
+            <pc:docMk/>
+            <pc:sldMk cId="964672477" sldId="1221"/>
+            <ac:spMk id="13" creationId="{5EAEE73F-2453-2949-D615-58D2DC23B5A8}"/>
+          </ac:spMkLst>
+        </pc:spChg>
+        <pc:spChg chg="mod">
+          <ac:chgData name="Raul Meira de Souza" userId="0b810766-76aa-4ac6-b01e-c80b8c896654" providerId="ADAL" clId="{E9F6CAA2-7005-41BE-AECC-5F8546C2C9D7}" dt="2023-11-26T23:52:52.500" v="255" actId="1076"/>
+          <ac:spMkLst>
+            <pc:docMk/>
+            <pc:sldMk cId="964672477" sldId="1221"/>
+            <ac:spMk id="24" creationId="{F999939F-6680-E91A-69DE-99C183D817F6}"/>
+          </ac:spMkLst>
+        </pc:spChg>
+        <pc:spChg chg="mod">
+          <ac:chgData name="Raul Meira de Souza" userId="0b810766-76aa-4ac6-b01e-c80b8c896654" providerId="ADAL" clId="{E9F6CAA2-7005-41BE-AECC-5F8546C2C9D7}" dt="2023-11-26T23:53:34.683" v="288"/>
+          <ac:spMkLst>
+            <pc:docMk/>
+            <pc:sldMk cId="964672477" sldId="1221"/>
+            <ac:spMk id="28" creationId="{9E7B05F1-8030-D101-366D-B30F87F30D25}"/>
+          </ac:spMkLst>
+        </pc:spChg>
+        <pc:spChg chg="del mod">
+          <ac:chgData name="Raul Meira de Souza" userId="0b810766-76aa-4ac6-b01e-c80b8c896654" providerId="ADAL" clId="{E9F6CAA2-7005-41BE-AECC-5F8546C2C9D7}" dt="2023-11-26T23:55:13.134" v="297" actId="478"/>
+          <ac:spMkLst>
+            <pc:docMk/>
+            <pc:sldMk cId="964672477" sldId="1221"/>
+            <ac:spMk id="29" creationId="{3552A90A-4E55-431E-B660-EA6D4618620F}"/>
+          </ac:spMkLst>
+        </pc:spChg>
+        <pc:spChg chg="del mod">
+          <ac:chgData name="Raul Meira de Souza" userId="0b810766-76aa-4ac6-b01e-c80b8c896654" providerId="ADAL" clId="{E9F6CAA2-7005-41BE-AECC-5F8546C2C9D7}" dt="2023-11-26T23:53:48.419" v="295" actId="478"/>
+          <ac:spMkLst>
+            <pc:docMk/>
+            <pc:sldMk cId="964672477" sldId="1221"/>
+            <ac:spMk id="30" creationId="{618AA9E8-0AD7-1F0A-F612-5809B832C17E}"/>
+          </ac:spMkLst>
+        </pc:spChg>
+        <pc:spChg chg="mod">
+          <ac:chgData name="Raul Meira de Souza" userId="0b810766-76aa-4ac6-b01e-c80b8c896654" providerId="ADAL" clId="{E9F6CAA2-7005-41BE-AECC-5F8546C2C9D7}" dt="2023-11-26T23:55:39.121" v="318" actId="403"/>
+          <ac:spMkLst>
+            <pc:docMk/>
+            <pc:sldMk cId="964672477" sldId="1221"/>
+            <ac:spMk id="31" creationId="{02D774C2-F15F-3373-59CA-0C435E3D7080}"/>
+          </ac:spMkLst>
+        </pc:spChg>
+        <pc:spChg chg="add mod">
+          <ac:chgData name="Raul Meira de Souza" userId="0b810766-76aa-4ac6-b01e-c80b8c896654" providerId="ADAL" clId="{E9F6CAA2-7005-41BE-AECC-5F8546C2C9D7}" dt="2023-11-27T00:00:18.135" v="359" actId="403"/>
+          <ac:spMkLst>
+            <pc:docMk/>
+            <pc:sldMk cId="964672477" sldId="1221"/>
+            <ac:spMk id="32" creationId="{8ED19FCE-6F07-0201-83AE-AD02D10FD0FC}"/>
+          </ac:spMkLst>
+        </pc:spChg>
+        <pc:spChg chg="mod">
+          <ac:chgData name="Raul Meira de Souza" userId="0b810766-76aa-4ac6-b01e-c80b8c896654" providerId="ADAL" clId="{E9F6CAA2-7005-41BE-AECC-5F8546C2C9D7}" dt="2023-11-26T23:53:41.901" v="292" actId="1076"/>
+          <ac:spMkLst>
+            <pc:docMk/>
+            <pc:sldMk cId="964672477" sldId="1221"/>
+            <ac:spMk id="91" creationId="{044B9773-47AB-C713-9223-15118C55249E}"/>
+          </ac:spMkLst>
+        </pc:spChg>
+        <pc:grpChg chg="add mod">
+          <ac:chgData name="Raul Meira de Souza" userId="0b810766-76aa-4ac6-b01e-c80b8c896654" providerId="ADAL" clId="{E9F6CAA2-7005-41BE-AECC-5F8546C2C9D7}" dt="2023-11-26T23:53:44.887" v="293" actId="1076"/>
+          <ac:grpSpMkLst>
+            <pc:docMk/>
+            <pc:sldMk cId="964672477" sldId="1221"/>
+            <ac:grpSpMk id="27" creationId="{E0D5AEE9-7F68-503E-4B6E-DAA978A89797}"/>
+          </ac:grpSpMkLst>
+        </pc:grpChg>
+        <pc:grpChg chg="mod">
+          <ac:chgData name="Raul Meira de Souza" userId="0b810766-76aa-4ac6-b01e-c80b8c896654" providerId="ADAL" clId="{E9F6CAA2-7005-41BE-AECC-5F8546C2C9D7}" dt="2023-11-26T23:53:03.774" v="282" actId="1036"/>
+          <ac:grpSpMkLst>
+            <pc:docMk/>
+            <pc:sldMk cId="964672477" sldId="1221"/>
+            <ac:grpSpMk id="124" creationId="{DC56731D-D86C-A0C7-038C-7C8DB52099D7}"/>
+          </ac:grpSpMkLst>
+        </pc:grpChg>
+        <pc:grpChg chg="mod">
+          <ac:chgData name="Raul Meira de Souza" userId="0b810766-76aa-4ac6-b01e-c80b8c896654" providerId="ADAL" clId="{E9F6CAA2-7005-41BE-AECC-5F8546C2C9D7}" dt="2023-11-26T22:43:21.640" v="20" actId="1036"/>
+          <ac:grpSpMkLst>
+            <pc:docMk/>
+            <pc:sldMk cId="964672477" sldId="1221"/>
+            <ac:grpSpMk id="141" creationId="{F53E684D-2CF0-1C94-FDCF-C236E494A4CA}"/>
+          </ac:grpSpMkLst>
+        </pc:grpChg>
+        <pc:grpChg chg="mod">
+          <ac:chgData name="Raul Meira de Souza" userId="0b810766-76aa-4ac6-b01e-c80b8c896654" providerId="ADAL" clId="{E9F6CAA2-7005-41BE-AECC-5F8546C2C9D7}" dt="2023-11-26T23:52:46.438" v="254" actId="1035"/>
+          <ac:grpSpMkLst>
+            <pc:docMk/>
+            <pc:sldMk cId="964672477" sldId="1221"/>
+            <ac:grpSpMk id="147" creationId="{DB9756B3-C19E-3124-1A3A-9200E93C005E}"/>
+          </ac:grpSpMkLst>
+        </pc:grpChg>
+        <pc:cxnChg chg="add mod">
+          <ac:chgData name="Raul Meira de Souza" userId="0b810766-76aa-4ac6-b01e-c80b8c896654" providerId="ADAL" clId="{E9F6CAA2-7005-41BE-AECC-5F8546C2C9D7}" dt="2023-11-26T23:56:41.254" v="346" actId="14100"/>
+          <ac:cxnSpMkLst>
+            <pc:docMk/>
+            <pc:sldMk cId="964672477" sldId="1221"/>
+            <ac:cxnSpMk id="49" creationId="{8D390D23-4CD8-67A0-7842-B9A72E38183A}"/>
+          </ac:cxnSpMkLst>
+        </pc:cxnChg>
+        <pc:cxnChg chg="mod">
+          <ac:chgData name="Raul Meira de Souza" userId="0b810766-76aa-4ac6-b01e-c80b8c896654" providerId="ADAL" clId="{E9F6CAA2-7005-41BE-AECC-5F8546C2C9D7}" dt="2023-11-26T23:57:00.631" v="348" actId="14100"/>
+          <ac:cxnSpMkLst>
+            <pc:docMk/>
+            <pc:sldMk cId="964672477" sldId="1221"/>
+            <ac:cxnSpMk id="153" creationId="{969863B2-B082-4DE8-36DC-91763D1194E6}"/>
+          </ac:cxnSpMkLst>
+        </pc:cxnChg>
+        <pc:cxnChg chg="mod">
+          <ac:chgData name="Raul Meira de Souza" userId="0b810766-76aa-4ac6-b01e-c80b8c896654" providerId="ADAL" clId="{E9F6CAA2-7005-41BE-AECC-5F8546C2C9D7}" dt="2023-11-26T23:57:40.934" v="356" actId="14100"/>
+          <ac:cxnSpMkLst>
+            <pc:docMk/>
+            <pc:sldMk cId="964672477" sldId="1221"/>
+            <ac:cxnSpMk id="156" creationId="{DB32F54E-F103-F239-09D3-CB670E574E31}"/>
+          </ac:cxnSpMkLst>
+        </pc:cxnChg>
+        <pc:cxnChg chg="mod">
+          <ac:chgData name="Raul Meira de Souza" userId="0b810766-76aa-4ac6-b01e-c80b8c896654" providerId="ADAL" clId="{E9F6CAA2-7005-41BE-AECC-5F8546C2C9D7}" dt="2023-11-26T23:57:29.766" v="354" actId="14100"/>
+          <ac:cxnSpMkLst>
+            <pc:docMk/>
+            <pc:sldMk cId="964672477" sldId="1221"/>
+            <ac:cxnSpMk id="158" creationId="{93AD1638-A8AD-9698-BFB5-F8A8CB0F0E5B}"/>
+          </ac:cxnSpMkLst>
+        </pc:cxnChg>
+        <pc:cxnChg chg="mod">
+          <ac:chgData name="Raul Meira de Souza" userId="0b810766-76aa-4ac6-b01e-c80b8c896654" providerId="ADAL" clId="{E9F6CAA2-7005-41BE-AECC-5F8546C2C9D7}" dt="2023-11-26T23:53:03.774" v="282" actId="1036"/>
+          <ac:cxnSpMkLst>
+            <pc:docMk/>
+            <pc:sldMk cId="964672477" sldId="1221"/>
+            <ac:cxnSpMk id="166" creationId="{81D40959-316A-EF82-FE62-3EA8B36A7B0E}"/>
+          </ac:cxnSpMkLst>
+        </pc:cxnChg>
+        <pc:cxnChg chg="mod">
+          <ac:chgData name="Raul Meira de Souza" userId="0b810766-76aa-4ac6-b01e-c80b8c896654" providerId="ADAL" clId="{E9F6CAA2-7005-41BE-AECC-5F8546C2C9D7}" dt="2023-11-26T23:52:57.236" v="256" actId="14100"/>
+          <ac:cxnSpMkLst>
+            <pc:docMk/>
+            <pc:sldMk cId="964672477" sldId="1221"/>
+            <ac:cxnSpMk id="170" creationId="{B6AC61A8-DB06-4CDC-72A2-1863B7BF23EE}"/>
+          </ac:cxnSpMkLst>
+        </pc:cxnChg>
+        <pc:cxnChg chg="mod">
+          <ac:chgData name="Raul Meira de Souza" userId="0b810766-76aa-4ac6-b01e-c80b8c896654" providerId="ADAL" clId="{E9F6CAA2-7005-41BE-AECC-5F8546C2C9D7}" dt="2023-11-26T23:53:21.973" v="286" actId="14100"/>
+          <ac:cxnSpMkLst>
+            <pc:docMk/>
+            <pc:sldMk cId="964672477" sldId="1221"/>
+            <ac:cxnSpMk id="179" creationId="{70614E3D-6478-5651-C952-B7E66CCEB04B}"/>
+          </ac:cxnSpMkLst>
+        </pc:cxnChg>
+        <pc:cxnChg chg="mod">
+          <ac:chgData name="Raul Meira de Souza" userId="0b810766-76aa-4ac6-b01e-c80b8c896654" providerId="ADAL" clId="{E9F6CAA2-7005-41BE-AECC-5F8546C2C9D7}" dt="2023-11-26T23:53:17.307" v="285" actId="14100"/>
+          <ac:cxnSpMkLst>
+            <pc:docMk/>
+            <pc:sldMk cId="964672477" sldId="1221"/>
+            <ac:cxnSpMk id="183" creationId="{83C72927-FBB2-BEE5-AA14-23B0F51784B5}"/>
+          </ac:cxnSpMkLst>
+        </pc:cxnChg>
+        <pc:cxnChg chg="mod">
+          <ac:chgData name="Raul Meira de Souza" userId="0b810766-76aa-4ac6-b01e-c80b8c896654" providerId="ADAL" clId="{E9F6CAA2-7005-41BE-AECC-5F8546C2C9D7}" dt="2023-11-26T23:52:46.438" v="254" actId="1035"/>
+          <ac:cxnSpMkLst>
+            <pc:docMk/>
+            <pc:sldMk cId="964672477" sldId="1221"/>
+            <ac:cxnSpMk id="186" creationId="{CAAD2B99-1E7F-52CA-5854-C5EE2BAA40F7}"/>
+          </ac:cxnSpMkLst>
+        </pc:cxnChg>
+      </pc:sldChg>
+    </pc:docChg>
+  </pc:docChgLst>
+  <pc:docChgLst>
+    <pc:chgData name="Raul Meira de Souza" userId="0b810766-76aa-4ac6-b01e-c80b8c896654" providerId="ADAL" clId="{C442C754-78EB-4C55-9D03-614646924C5A}"/>
+    <pc:docChg chg="delSld modSld">
+      <pc:chgData name="Raul Meira de Souza" userId="0b810766-76aa-4ac6-b01e-c80b8c896654" providerId="ADAL" clId="{C442C754-78EB-4C55-9D03-614646924C5A}" dt="2023-09-09T19:48:08.685" v="39" actId="20577"/>
+      <pc:docMkLst>
+        <pc:docMk/>
+      </pc:docMkLst>
+      <pc:sldChg chg="del">
+        <pc:chgData name="Raul Meira de Souza" userId="0b810766-76aa-4ac6-b01e-c80b8c896654" providerId="ADAL" clId="{C442C754-78EB-4C55-9D03-614646924C5A}" dt="2023-09-02T00:32:56.986" v="0" actId="47"/>
+        <pc:sldMkLst>
+          <pc:docMk/>
+          <pc:sldMk cId="4268742440" sldId="1214"/>
+        </pc:sldMkLst>
+      </pc:sldChg>
+      <pc:sldChg chg="modSp mod setBg">
+        <pc:chgData name="Raul Meira de Souza" userId="0b810766-76aa-4ac6-b01e-c80b8c896654" providerId="ADAL" clId="{C442C754-78EB-4C55-9D03-614646924C5A}" dt="2023-09-09T19:48:08.685" v="39" actId="20577"/>
+        <pc:sldMkLst>
+          <pc:docMk/>
+          <pc:sldMk cId="476095678" sldId="1219"/>
+        </pc:sldMkLst>
+        <pc:spChg chg="mod">
+          <ac:chgData name="Raul Meira de Souza" userId="0b810766-76aa-4ac6-b01e-c80b8c896654" providerId="ADAL" clId="{C442C754-78EB-4C55-9D03-614646924C5A}" dt="2023-09-09T19:48:08.685" v="39" actId="20577"/>
+          <ac:spMkLst>
+            <pc:docMk/>
+            <pc:sldMk cId="476095678" sldId="1219"/>
+            <ac:spMk id="111" creationId="{F43AF2A7-E438-FF98-1D6A-011272086448}"/>
+          </ac:spMkLst>
+        </pc:spChg>
+      </pc:sldChg>
+      <pc:sldMasterChg chg="delSldLayout">
+        <pc:chgData name="Raul Meira de Souza" userId="0b810766-76aa-4ac6-b01e-c80b8c896654" providerId="ADAL" clId="{C442C754-78EB-4C55-9D03-614646924C5A}" dt="2023-09-02T00:32:56.986" v="0" actId="47"/>
+        <pc:sldMasterMkLst>
+          <pc:docMk/>
+          <pc:sldMasterMk cId="3698401490" sldId="2147483682"/>
+        </pc:sldMasterMkLst>
+        <pc:sldLayoutChg chg="del">
+          <pc:chgData name="Raul Meira de Souza" userId="0b810766-76aa-4ac6-b01e-c80b8c896654" providerId="ADAL" clId="{C442C754-78EB-4C55-9D03-614646924C5A}" dt="2023-09-02T00:32:56.986" v="0" actId="47"/>
+          <pc:sldLayoutMkLst>
+            <pc:docMk/>
+            <pc:sldMasterMk cId="3698401490" sldId="2147483682"/>
+            <pc:sldLayoutMk cId="1445331732" sldId="2147483696"/>
+          </pc:sldLayoutMkLst>
+        </pc:sldLayoutChg>
+      </pc:sldMasterChg>
+    </pc:docChg>
+  </pc:docChgLst>
+</pc:chgInfo>
 </file>
 
 <file path=ppt/notesMasters/notesMaster1.xml><?xml version="1.0" encoding="utf-8"?>
@@ -206,7 +1600,7 @@
           <a:p>
             <a:fld id="{8AC79F10-E06E-4CE2-A9B4-B99BB230B28A}" type="datetimeFigureOut">
               <a:rPr lang="pt-BR" smtClean="0"/>
-              <a:t>20/10/2023</a:t>
+              <a:t>26/11/2023</a:t>
             </a:fld>
             <a:endParaRPr lang="pt-BR"/>
           </a:p>
@@ -604,7 +1998,7 @@
           <a:p>
             <a:fld id="{C764DE79-268F-4C1A-8933-263129D2AF90}" type="datetimeFigureOut">
               <a:rPr lang="en-US" dirty="0"/>
-              <a:t>10/20/2023</a:t>
+              <a:t>11/26/2023</a:t>
             </a:fld>
             <a:endParaRPr lang="en-US" dirty="0"/>
           </a:p>
@@ -774,7 +2168,7 @@
           <a:p>
             <a:fld id="{C764DE79-268F-4C1A-8933-263129D2AF90}" type="datetimeFigureOut">
               <a:rPr lang="en-US" dirty="0"/>
-              <a:t>10/20/2023</a:t>
+              <a:t>11/26/2023</a:t>
             </a:fld>
             <a:endParaRPr lang="en-US" dirty="0"/>
           </a:p>
@@ -954,7 +2348,7 @@
           <a:p>
             <a:fld id="{C764DE79-268F-4C1A-8933-263129D2AF90}" type="datetimeFigureOut">
               <a:rPr lang="en-US" dirty="0"/>
-              <a:t>10/20/2023</a:t>
+              <a:t>11/26/2023</a:t>
             </a:fld>
             <a:endParaRPr lang="en-US" dirty="0"/>
           </a:p>
@@ -1843,7 +3237,7 @@
           <a:p>
             <a:fld id="{C764DE79-268F-4C1A-8933-263129D2AF90}" type="datetimeFigureOut">
               <a:rPr lang="en-US" dirty="0"/>
-              <a:t>10/20/2023</a:t>
+              <a:t>11/26/2023</a:t>
             </a:fld>
             <a:endParaRPr lang="en-US" dirty="0"/>
           </a:p>
@@ -5839,7 +7233,7 @@
           <a:p>
             <a:fld id="{C764DE79-268F-4C1A-8933-263129D2AF90}" type="datetimeFigureOut">
               <a:rPr lang="en-US" dirty="0"/>
-              <a:t>10/20/2023</a:t>
+              <a:t>11/26/2023</a:t>
             </a:fld>
             <a:endParaRPr lang="en-US" dirty="0"/>
           </a:p>
@@ -9566,7 +10960,7 @@
           <a:p>
             <a:fld id="{C764DE79-268F-4C1A-8933-263129D2AF90}" type="datetimeFigureOut">
               <a:rPr lang="en-US" dirty="0"/>
-              <a:t>10/20/2023</a:t>
+              <a:t>11/26/2023</a:t>
             </a:fld>
             <a:endParaRPr lang="en-US" dirty="0"/>
           </a:p>
@@ -9933,7 +11327,7 @@
           <a:p>
             <a:fld id="{C764DE79-268F-4C1A-8933-263129D2AF90}" type="datetimeFigureOut">
               <a:rPr lang="en-US" dirty="0"/>
-              <a:t>10/20/2023</a:t>
+              <a:t>11/26/2023</a:t>
             </a:fld>
             <a:endParaRPr lang="en-US" dirty="0"/>
           </a:p>
@@ -10051,7 +11445,7 @@
           <a:p>
             <a:fld id="{C764DE79-268F-4C1A-8933-263129D2AF90}" type="datetimeFigureOut">
               <a:rPr lang="en-US" dirty="0"/>
-              <a:t>10/20/2023</a:t>
+              <a:t>11/26/2023</a:t>
             </a:fld>
             <a:endParaRPr lang="en-US" dirty="0"/>
           </a:p>
@@ -10146,7 +11540,7 @@
           <a:p>
             <a:fld id="{C764DE79-268F-4C1A-8933-263129D2AF90}" type="datetimeFigureOut">
               <a:rPr lang="en-US" dirty="0"/>
-              <a:t>10/20/2023</a:t>
+              <a:t>11/26/2023</a:t>
             </a:fld>
             <a:endParaRPr lang="en-US" dirty="0"/>
           </a:p>
@@ -10423,7 +11817,7 @@
           <a:p>
             <a:fld id="{C764DE79-268F-4C1A-8933-263129D2AF90}" type="datetimeFigureOut">
               <a:rPr lang="en-US" dirty="0"/>
-              <a:t>10/20/2023</a:t>
+              <a:t>11/26/2023</a:t>
             </a:fld>
             <a:endParaRPr lang="en-US" dirty="0"/>
           </a:p>
@@ -10680,7 +12074,7 @@
           <a:p>
             <a:fld id="{C764DE79-268F-4C1A-8933-263129D2AF90}" type="datetimeFigureOut">
               <a:rPr lang="en-US" dirty="0"/>
-              <a:t>10/20/2023</a:t>
+              <a:t>11/26/2023</a:t>
             </a:fld>
             <a:endParaRPr lang="en-US" dirty="0"/>
           </a:p>
@@ -10893,7 +12287,7 @@
           <a:p>
             <a:fld id="{C764DE79-268F-4C1A-8933-263129D2AF90}" type="datetimeFigureOut">
               <a:rPr lang="en-US" dirty="0"/>
-              <a:t>10/20/2023</a:t>
+              <a:t>11/26/2023</a:t>
             </a:fld>
             <a:endParaRPr lang="en-US" dirty="0"/>
           </a:p>
@@ -14464,7 +15858,7 @@
 </file>
 
 <file path=ppt/slides/slide2.xml><?xml version="1.0" encoding="utf-8"?>
-<p:sld xmlns:a="http://schemas.openxmlformats.org/drawingml/2006/main" xmlns:r="http://schemas.openxmlformats.org/officeDocument/2006/relationships" xmlns:p="http://schemas.openxmlformats.org/presentationml/2006/main">
+<p:sld xmlns:a="http://schemas.openxmlformats.org/drawingml/2006/main" xmlns:r="http://schemas.openxmlformats.org/officeDocument/2006/relationships" xmlns:p="http://schemas.openxmlformats.org/presentationml/2006/main" show="0">
   <p:cSld>
     <p:spTree>
       <p:nvGrpSpPr>
@@ -19153,6 +20547,4916 @@
 </p:sld>
 </file>
 
+<file path=ppt/slides/slide3.xml><?xml version="1.0" encoding="utf-8"?>
+<p:sld xmlns:a="http://schemas.openxmlformats.org/drawingml/2006/main" xmlns:r="http://schemas.openxmlformats.org/officeDocument/2006/relationships" xmlns:p="http://schemas.openxmlformats.org/presentationml/2006/main">
+  <p:cSld>
+    <p:spTree>
+      <p:nvGrpSpPr>
+        <p:cNvPr id="1" name=""/>
+        <p:cNvGrpSpPr/>
+        <p:nvPr/>
+      </p:nvGrpSpPr>
+      <p:grpSpPr>
+        <a:xfrm>
+          <a:off x="0" y="0"/>
+          <a:ext cx="0" cy="0"/>
+          <a:chOff x="0" y="0"/>
+          <a:chExt cx="0" cy="0"/>
+        </a:xfrm>
+      </p:grpSpPr>
+      <p:grpSp>
+        <p:nvGrpSpPr>
+          <p:cNvPr id="85" name="Agrupar 84">
+            <a:extLst>
+              <a:ext uri="{FF2B5EF4-FFF2-40B4-BE49-F238E27FC236}">
+                <a16:creationId xmlns:a16="http://schemas.microsoft.com/office/drawing/2014/main" id="{B676CF4A-72BD-1D31-BD0D-E0417932399A}"/>
+              </a:ext>
+            </a:extLst>
+          </p:cNvPr>
+          <p:cNvGrpSpPr/>
+          <p:nvPr/>
+        </p:nvGrpSpPr>
+        <p:grpSpPr>
+          <a:xfrm>
+            <a:off x="6679161" y="94090"/>
+            <a:ext cx="2657028" cy="1231106"/>
+            <a:chOff x="8757408" y="498042"/>
+            <a:chExt cx="2657028" cy="1231106"/>
+          </a:xfrm>
+        </p:grpSpPr>
+        <p:sp>
+          <p:nvSpPr>
+            <p:cNvPr id="58" name="Retângulo 29">
+              <a:extLst>
+                <a:ext uri="{FF2B5EF4-FFF2-40B4-BE49-F238E27FC236}">
+                  <a16:creationId xmlns:a16="http://schemas.microsoft.com/office/drawing/2014/main" id="{353F29EB-2DF2-4C1F-A2B8-367BBF87014D}"/>
+                </a:ext>
+              </a:extLst>
+            </p:cNvPr>
+            <p:cNvSpPr/>
+            <p:nvPr/>
+          </p:nvSpPr>
+          <p:spPr>
+            <a:xfrm>
+              <a:off x="8797292" y="498042"/>
+              <a:ext cx="2617144" cy="1231106"/>
+            </a:xfrm>
+            <a:prstGeom prst="rect">
+              <a:avLst/>
+            </a:prstGeom>
+            <a:solidFill>
+              <a:schemeClr val="bg1">
+                <a:lumMod val="85000"/>
+              </a:schemeClr>
+            </a:solidFill>
+            <a:ln>
+              <a:solidFill>
+                <a:srgbClr val="253746"/>
+              </a:solidFill>
+              <a:prstDash val="dash"/>
+            </a:ln>
+          </p:spPr>
+          <p:style>
+            <a:lnRef idx="2">
+              <a:schemeClr val="accent1">
+                <a:shade val="50000"/>
+              </a:schemeClr>
+            </a:lnRef>
+            <a:fillRef idx="1">
+              <a:schemeClr val="accent1"/>
+            </a:fillRef>
+            <a:effectRef idx="0">
+              <a:schemeClr val="accent1"/>
+            </a:effectRef>
+            <a:fontRef idx="minor">
+              <a:schemeClr val="lt1"/>
+            </a:fontRef>
+          </p:style>
+          <p:txBody>
+            <a:bodyPr rtlCol="0" anchor="ctr"/>
+            <a:lstStyle/>
+            <a:p>
+              <a:pPr algn="ctr"/>
+              <a:endParaRPr lang="pt-BR" sz="1632" dirty="0">
+                <a:solidFill>
+                  <a:prstClr val="white"/>
+                </a:solidFill>
+                <a:latin typeface="Calibri"/>
+              </a:endParaRPr>
+            </a:p>
+          </p:txBody>
+        </p:sp>
+        <p:sp>
+          <p:nvSpPr>
+            <p:cNvPr id="59" name="CaixaDeTexto 58">
+              <a:extLst>
+                <a:ext uri="{FF2B5EF4-FFF2-40B4-BE49-F238E27FC236}">
+                  <a16:creationId xmlns:a16="http://schemas.microsoft.com/office/drawing/2014/main" id="{F41EFA52-897F-F028-5F31-1FB94AFBF546}"/>
+                </a:ext>
+              </a:extLst>
+            </p:cNvPr>
+            <p:cNvSpPr txBox="1"/>
+            <p:nvPr/>
+          </p:nvSpPr>
+          <p:spPr>
+            <a:xfrm>
+              <a:off x="8757408" y="613694"/>
+              <a:ext cx="2644997" cy="1062470"/>
+            </a:xfrm>
+            <a:prstGeom prst="rect">
+              <a:avLst/>
+            </a:prstGeom>
+            <a:noFill/>
+          </p:spPr>
+          <p:txBody>
+            <a:bodyPr wrap="square">
+              <a:spAutoFit/>
+            </a:bodyPr>
+            <a:lstStyle/>
+            <a:p>
+              <a:pPr algn="ctr"/>
+              <a:r>
+                <a:rPr lang="pt-BR" sz="1600" b="1" spc="-85" dirty="0" err="1">
+                  <a:solidFill>
+                    <a:srgbClr val="000000"/>
+                  </a:solidFill>
+                  <a:latin typeface="Calibri" panose="020F0502020204030204" pitchFamily="34" charset="0"/>
+                  <a:cs typeface="Calibri" panose="020F0502020204030204" pitchFamily="34" charset="0"/>
+                </a:rPr>
+                <a:t>Twilio</a:t>
+              </a:r>
+              <a:r>
+                <a:rPr lang="pt-BR" sz="1600" b="1" spc="-85" dirty="0">
+                  <a:solidFill>
+                    <a:srgbClr val="000000"/>
+                  </a:solidFill>
+                  <a:latin typeface="Calibri" panose="020F0502020204030204" pitchFamily="34" charset="0"/>
+                  <a:cs typeface="Calibri" panose="020F0502020204030204" pitchFamily="34" charset="0"/>
+                </a:rPr>
+                <a:t> </a:t>
+              </a:r>
+              <a:r>
+                <a:rPr lang="pt-BR" sz="1600" b="1" spc="-85" dirty="0" err="1">
+                  <a:solidFill>
+                    <a:srgbClr val="000000"/>
+                  </a:solidFill>
+                  <a:latin typeface="Calibri" panose="020F0502020204030204" pitchFamily="34" charset="0"/>
+                  <a:cs typeface="Calibri" panose="020F0502020204030204" pitchFamily="34" charset="0"/>
+                </a:rPr>
+                <a:t>Application</a:t>
+              </a:r>
+              <a:endParaRPr lang="pt-BR" sz="1600" b="1" spc="-85" dirty="0">
+                <a:solidFill>
+                  <a:srgbClr val="000000"/>
+                </a:solidFill>
+                <a:latin typeface="Calibri" panose="020F0502020204030204" pitchFamily="34" charset="0"/>
+                <a:cs typeface="Calibri" panose="020F0502020204030204" pitchFamily="34" charset="0"/>
+              </a:endParaRPr>
+            </a:p>
+            <a:p>
+              <a:pPr algn="ctr"/>
+              <a:r>
+                <a:rPr lang="pt-BR" sz="1500" dirty="0">
+                  <a:solidFill>
+                    <a:srgbClr val="000000"/>
+                  </a:solidFill>
+                  <a:latin typeface="Calibri" panose="020F0502020204030204" pitchFamily="34" charset="0"/>
+                  <a:cs typeface="Calibri" panose="020F0502020204030204" pitchFamily="34" charset="0"/>
+                </a:rPr>
+                <a:t>[Container: API </a:t>
+              </a:r>
+              <a:r>
+                <a:rPr lang="pt-BR" sz="1500" dirty="0" err="1">
+                  <a:solidFill>
+                    <a:srgbClr val="000000"/>
+                  </a:solidFill>
+                  <a:latin typeface="Calibri" panose="020F0502020204030204" pitchFamily="34" charset="0"/>
+                  <a:cs typeface="Calibri" panose="020F0502020204030204" pitchFamily="34" charset="0"/>
+                </a:rPr>
+                <a:t>Twilio</a:t>
+              </a:r>
+              <a:r>
+                <a:rPr lang="pt-BR" sz="1500" dirty="0">
+                  <a:solidFill>
+                    <a:srgbClr val="000000"/>
+                  </a:solidFill>
+                  <a:latin typeface="Calibri" panose="020F0502020204030204" pitchFamily="34" charset="0"/>
+                  <a:cs typeface="Calibri" panose="020F0502020204030204" pitchFamily="34" charset="0"/>
+                </a:rPr>
+                <a:t>]</a:t>
+              </a:r>
+            </a:p>
+            <a:p>
+              <a:pPr algn="ctr"/>
+              <a:endParaRPr lang="pt-BR" sz="1500" dirty="0">
+                <a:solidFill>
+                  <a:srgbClr val="000000"/>
+                </a:solidFill>
+                <a:latin typeface="Calibri" panose="020F0502020204030204" pitchFamily="34" charset="0"/>
+                <a:cs typeface="Calibri" panose="020F0502020204030204" pitchFamily="34" charset="0"/>
+              </a:endParaRPr>
+            </a:p>
+            <a:p>
+              <a:pPr algn="ctr"/>
+              <a:r>
+                <a:rPr lang="pt-BR" sz="1500" dirty="0">
+                  <a:solidFill>
+                    <a:srgbClr val="000000"/>
+                  </a:solidFill>
+                  <a:latin typeface="Calibri" panose="020F0502020204030204" pitchFamily="34" charset="0"/>
+                  <a:cs typeface="Calibri" panose="020F0502020204030204" pitchFamily="34" charset="0"/>
+                </a:rPr>
+                <a:t>Serviço de envio de SMS</a:t>
+              </a:r>
+            </a:p>
+          </p:txBody>
+        </p:sp>
+      </p:grpSp>
+      <p:grpSp>
+        <p:nvGrpSpPr>
+          <p:cNvPr id="84" name="Agrupar 83">
+            <a:extLst>
+              <a:ext uri="{FF2B5EF4-FFF2-40B4-BE49-F238E27FC236}">
+                <a16:creationId xmlns:a16="http://schemas.microsoft.com/office/drawing/2014/main" id="{AB4B65BF-B50E-ED22-3F23-16932B975EDE}"/>
+              </a:ext>
+            </a:extLst>
+          </p:cNvPr>
+          <p:cNvGrpSpPr/>
+          <p:nvPr/>
+        </p:nvGrpSpPr>
+        <p:grpSpPr>
+          <a:xfrm>
+            <a:off x="718810" y="94090"/>
+            <a:ext cx="2628877" cy="1231106"/>
+            <a:chOff x="1911422" y="498042"/>
+            <a:chExt cx="2628877" cy="1231106"/>
+          </a:xfrm>
+        </p:grpSpPr>
+        <p:sp>
+          <p:nvSpPr>
+            <p:cNvPr id="60" name="Retângulo 29">
+              <a:extLst>
+                <a:ext uri="{FF2B5EF4-FFF2-40B4-BE49-F238E27FC236}">
+                  <a16:creationId xmlns:a16="http://schemas.microsoft.com/office/drawing/2014/main" id="{CD4345D9-D122-269D-D061-A5813CC2C7AC}"/>
+                </a:ext>
+              </a:extLst>
+            </p:cNvPr>
+            <p:cNvSpPr/>
+            <p:nvPr/>
+          </p:nvSpPr>
+          <p:spPr>
+            <a:xfrm>
+              <a:off x="1923453" y="498042"/>
+              <a:ext cx="2616846" cy="1231106"/>
+            </a:xfrm>
+            <a:prstGeom prst="rect">
+              <a:avLst/>
+            </a:prstGeom>
+            <a:solidFill>
+              <a:schemeClr val="bg1">
+                <a:lumMod val="85000"/>
+              </a:schemeClr>
+            </a:solidFill>
+            <a:ln>
+              <a:solidFill>
+                <a:srgbClr val="253746"/>
+              </a:solidFill>
+              <a:prstDash val="dash"/>
+            </a:ln>
+          </p:spPr>
+          <p:style>
+            <a:lnRef idx="2">
+              <a:schemeClr val="accent1">
+                <a:shade val="50000"/>
+              </a:schemeClr>
+            </a:lnRef>
+            <a:fillRef idx="1">
+              <a:schemeClr val="accent1"/>
+            </a:fillRef>
+            <a:effectRef idx="0">
+              <a:schemeClr val="accent1"/>
+            </a:effectRef>
+            <a:fontRef idx="minor">
+              <a:schemeClr val="lt1"/>
+            </a:fontRef>
+          </p:style>
+          <p:txBody>
+            <a:bodyPr rtlCol="0" anchor="ctr"/>
+            <a:lstStyle/>
+            <a:p>
+              <a:pPr algn="ctr"/>
+              <a:endParaRPr lang="pt-BR" sz="1632">
+                <a:solidFill>
+                  <a:prstClr val="white"/>
+                </a:solidFill>
+                <a:latin typeface="Calibri"/>
+              </a:endParaRPr>
+            </a:p>
+          </p:txBody>
+        </p:sp>
+        <p:sp>
+          <p:nvSpPr>
+            <p:cNvPr id="61" name="CaixaDeTexto 60">
+              <a:extLst>
+                <a:ext uri="{FF2B5EF4-FFF2-40B4-BE49-F238E27FC236}">
+                  <a16:creationId xmlns:a16="http://schemas.microsoft.com/office/drawing/2014/main" id="{E10CC7E6-8981-64C3-A248-CCE6221150D8}"/>
+                </a:ext>
+              </a:extLst>
+            </p:cNvPr>
+            <p:cNvSpPr txBox="1"/>
+            <p:nvPr/>
+          </p:nvSpPr>
+          <p:spPr>
+            <a:xfrm>
+              <a:off x="1911422" y="584781"/>
+              <a:ext cx="2616845" cy="1031051"/>
+            </a:xfrm>
+            <a:prstGeom prst="rect">
+              <a:avLst/>
+            </a:prstGeom>
+            <a:noFill/>
+          </p:spPr>
+          <p:txBody>
+            <a:bodyPr wrap="square">
+              <a:spAutoFit/>
+            </a:bodyPr>
+            <a:lstStyle/>
+            <a:p>
+              <a:pPr algn="ctr"/>
+              <a:r>
+                <a:rPr lang="pt-BR" sz="1600" b="1" spc="-85" dirty="0" err="1">
+                  <a:solidFill>
+                    <a:srgbClr val="000000"/>
+                  </a:solidFill>
+                  <a:latin typeface="Calibri" panose="020F0502020204030204" pitchFamily="34" charset="0"/>
+                  <a:cs typeface="Calibri" panose="020F0502020204030204" pitchFamily="34" charset="0"/>
+                </a:rPr>
+                <a:t>GoogleSMTP</a:t>
+              </a:r>
+              <a:r>
+                <a:rPr lang="pt-BR" sz="1600" b="1" spc="-85" dirty="0">
+                  <a:solidFill>
+                    <a:srgbClr val="000000"/>
+                  </a:solidFill>
+                  <a:latin typeface="Calibri" panose="020F0502020204030204" pitchFamily="34" charset="0"/>
+                  <a:cs typeface="Calibri" panose="020F0502020204030204" pitchFamily="34" charset="0"/>
+                </a:rPr>
+                <a:t> </a:t>
+              </a:r>
+              <a:r>
+                <a:rPr lang="pt-BR" sz="1600" b="1" spc="-85" dirty="0" err="1">
+                  <a:solidFill>
+                    <a:srgbClr val="000000"/>
+                  </a:solidFill>
+                  <a:latin typeface="Calibri" panose="020F0502020204030204" pitchFamily="34" charset="0"/>
+                  <a:cs typeface="Calibri" panose="020F0502020204030204" pitchFamily="34" charset="0"/>
+                </a:rPr>
+                <a:t>Application</a:t>
+              </a:r>
+              <a:endParaRPr lang="pt-BR" sz="1600" b="1" spc="-85" dirty="0">
+                <a:solidFill>
+                  <a:srgbClr val="000000"/>
+                </a:solidFill>
+                <a:latin typeface="Calibri" panose="020F0502020204030204" pitchFamily="34" charset="0"/>
+                <a:cs typeface="Calibri" panose="020F0502020204030204" pitchFamily="34" charset="0"/>
+              </a:endParaRPr>
+            </a:p>
+            <a:p>
+              <a:pPr algn="ctr"/>
+              <a:r>
+                <a:rPr lang="pt-BR" sz="1500" dirty="0">
+                  <a:latin typeface="Calibri" panose="020F0502020204030204" pitchFamily="34" charset="0"/>
+                  <a:cs typeface="Calibri" panose="020F0502020204030204" pitchFamily="34" charset="0"/>
+                </a:rPr>
+                <a:t>[Container - API </a:t>
+              </a:r>
+              <a:r>
+                <a:rPr lang="pt-BR" sz="1500" dirty="0" err="1">
+                  <a:latin typeface="Calibri" panose="020F0502020204030204" pitchFamily="34" charset="0"/>
+                  <a:cs typeface="Calibri" panose="020F0502020204030204" pitchFamily="34" charset="0"/>
+                </a:rPr>
+                <a:t>GoogleSMTP</a:t>
+              </a:r>
+              <a:r>
+                <a:rPr lang="pt-BR" sz="1500" dirty="0">
+                  <a:latin typeface="Calibri" panose="020F0502020204030204" pitchFamily="34" charset="0"/>
+                  <a:cs typeface="Calibri" panose="020F0502020204030204" pitchFamily="34" charset="0"/>
+                </a:rPr>
+                <a:t>]</a:t>
+              </a:r>
+            </a:p>
+            <a:p>
+              <a:pPr algn="ctr"/>
+              <a:endParaRPr lang="pt-BR" sz="1500" dirty="0">
+                <a:solidFill>
+                  <a:srgbClr val="000000"/>
+                </a:solidFill>
+                <a:latin typeface="Calibri" panose="020F0502020204030204" pitchFamily="34" charset="0"/>
+                <a:cs typeface="Calibri" panose="020F0502020204030204" pitchFamily="34" charset="0"/>
+              </a:endParaRPr>
+            </a:p>
+            <a:p>
+              <a:pPr algn="ctr"/>
+              <a:r>
+                <a:rPr lang="pt-BR" sz="1500" dirty="0">
+                  <a:solidFill>
+                    <a:srgbClr val="000000"/>
+                  </a:solidFill>
+                  <a:latin typeface="Calibri" panose="020F0502020204030204" pitchFamily="34" charset="0"/>
+                  <a:cs typeface="Calibri" panose="020F0502020204030204" pitchFamily="34" charset="0"/>
+                </a:rPr>
+                <a:t>Serviço de envio de E-mail</a:t>
+              </a:r>
+            </a:p>
+          </p:txBody>
+        </p:sp>
+      </p:grpSp>
+      <p:sp>
+        <p:nvSpPr>
+          <p:cNvPr id="6" name="CaixaDeTexto 5">
+            <a:extLst>
+              <a:ext uri="{FF2B5EF4-FFF2-40B4-BE49-F238E27FC236}">
+                <a16:creationId xmlns:a16="http://schemas.microsoft.com/office/drawing/2014/main" id="{B216BEB5-A765-3586-8811-A2D89930A952}"/>
+              </a:ext>
+            </a:extLst>
+          </p:cNvPr>
+          <p:cNvSpPr txBox="1"/>
+          <p:nvPr/>
+        </p:nvSpPr>
+        <p:spPr>
+          <a:xfrm>
+            <a:off x="7894121" y="5067250"/>
+            <a:ext cx="2616845" cy="338554"/>
+          </a:xfrm>
+          <a:prstGeom prst="rect">
+            <a:avLst/>
+          </a:prstGeom>
+          <a:noFill/>
+        </p:spPr>
+        <p:txBody>
+          <a:bodyPr wrap="square">
+            <a:spAutoFit/>
+          </a:bodyPr>
+          <a:lstStyle/>
+          <a:p>
+            <a:pPr algn="ctr"/>
+            <a:r>
+              <a:rPr lang="pt-BR" sz="1600" b="1" spc="-85" dirty="0" err="1">
+                <a:solidFill>
+                  <a:srgbClr val="000000"/>
+                </a:solidFill>
+                <a:latin typeface="Calibri" panose="020F0502020204030204" pitchFamily="34" charset="0"/>
+                <a:cs typeface="Calibri" panose="020F0502020204030204" pitchFamily="34" charset="0"/>
+              </a:rPr>
+              <a:t>Amazon</a:t>
+            </a:r>
+            <a:r>
+              <a:rPr lang="pt-BR" sz="1600" b="1" spc="-85" dirty="0">
+                <a:solidFill>
+                  <a:srgbClr val="000000"/>
+                </a:solidFill>
+                <a:latin typeface="Calibri" panose="020F0502020204030204" pitchFamily="34" charset="0"/>
+                <a:cs typeface="Calibri" panose="020F0502020204030204" pitchFamily="34" charset="0"/>
+              </a:rPr>
+              <a:t> EC2</a:t>
+            </a:r>
+            <a:endParaRPr lang="pt-BR" sz="1500" dirty="0">
+              <a:solidFill>
+                <a:srgbClr val="000000"/>
+              </a:solidFill>
+              <a:latin typeface="Calibri" panose="020F0502020204030204" pitchFamily="34" charset="0"/>
+              <a:cs typeface="Calibri" panose="020F0502020204030204" pitchFamily="34" charset="0"/>
+            </a:endParaRPr>
+          </a:p>
+        </p:txBody>
+      </p:sp>
+      <p:sp>
+        <p:nvSpPr>
+          <p:cNvPr id="91" name="Retângulo 29">
+            <a:extLst>
+              <a:ext uri="{FF2B5EF4-FFF2-40B4-BE49-F238E27FC236}">
+                <a16:creationId xmlns:a16="http://schemas.microsoft.com/office/drawing/2014/main" id="{044B9773-47AB-C713-9223-15118C55249E}"/>
+              </a:ext>
+            </a:extLst>
+          </p:cNvPr>
+          <p:cNvSpPr/>
+          <p:nvPr/>
+        </p:nvSpPr>
+        <p:spPr>
+          <a:xfrm>
+            <a:off x="396974" y="1808573"/>
+            <a:ext cx="10113986" cy="6026169"/>
+          </a:xfrm>
+          <a:prstGeom prst="rect">
+            <a:avLst/>
+          </a:prstGeom>
+          <a:ln/>
+        </p:spPr>
+        <p:style>
+          <a:lnRef idx="2">
+            <a:schemeClr val="dk1"/>
+          </a:lnRef>
+          <a:fillRef idx="1">
+            <a:schemeClr val="lt1"/>
+          </a:fillRef>
+          <a:effectRef idx="0">
+            <a:schemeClr val="dk1"/>
+          </a:effectRef>
+          <a:fontRef idx="minor">
+            <a:schemeClr val="dk1"/>
+          </a:fontRef>
+        </p:style>
+        <p:txBody>
+          <a:bodyPr rtlCol="0" anchor="ctr"/>
+          <a:lstStyle/>
+          <a:p>
+            <a:pPr algn="ctr"/>
+            <a:endParaRPr lang="pt-BR" sz="1632">
+              <a:solidFill>
+                <a:prstClr val="white"/>
+              </a:solidFill>
+              <a:latin typeface="Calibri"/>
+            </a:endParaRPr>
+          </a:p>
+        </p:txBody>
+      </p:sp>
+      <p:sp>
+        <p:nvSpPr>
+          <p:cNvPr id="92" name="Retângulo 29">
+            <a:extLst>
+              <a:ext uri="{FF2B5EF4-FFF2-40B4-BE49-F238E27FC236}">
+                <a16:creationId xmlns:a16="http://schemas.microsoft.com/office/drawing/2014/main" id="{71108321-2283-5A32-8960-85E47A2270DF}"/>
+              </a:ext>
+            </a:extLst>
+          </p:cNvPr>
+          <p:cNvSpPr/>
+          <p:nvPr/>
+        </p:nvSpPr>
+        <p:spPr>
+          <a:xfrm>
+            <a:off x="883578" y="2533893"/>
+            <a:ext cx="4575184" cy="4981137"/>
+          </a:xfrm>
+          <a:custGeom>
+            <a:avLst/>
+            <a:gdLst>
+              <a:gd name="connsiteX0" fmla="*/ 0 w 4911977"/>
+              <a:gd name="connsiteY0" fmla="*/ 0 h 5111415"/>
+              <a:gd name="connsiteX1" fmla="*/ 4911977 w 4911977"/>
+              <a:gd name="connsiteY1" fmla="*/ 0 h 5111415"/>
+              <a:gd name="connsiteX2" fmla="*/ 4911977 w 4911977"/>
+              <a:gd name="connsiteY2" fmla="*/ 5111415 h 5111415"/>
+              <a:gd name="connsiteX3" fmla="*/ 0 w 4911977"/>
+              <a:gd name="connsiteY3" fmla="*/ 5111415 h 5111415"/>
+              <a:gd name="connsiteX4" fmla="*/ 0 w 4911977"/>
+              <a:gd name="connsiteY4" fmla="*/ 0 h 5111415"/>
+              <a:gd name="connsiteX0" fmla="*/ 0 w 4911977"/>
+              <a:gd name="connsiteY0" fmla="*/ 0 h 5111415"/>
+              <a:gd name="connsiteX1" fmla="*/ 4911977 w 4911977"/>
+              <a:gd name="connsiteY1" fmla="*/ 0 h 5111415"/>
+              <a:gd name="connsiteX2" fmla="*/ 4908884 w 4911977"/>
+              <a:gd name="connsiteY2" fmla="*/ 1034716 h 5111415"/>
+              <a:gd name="connsiteX3" fmla="*/ 4911977 w 4911977"/>
+              <a:gd name="connsiteY3" fmla="*/ 5111415 h 5111415"/>
+              <a:gd name="connsiteX4" fmla="*/ 0 w 4911977"/>
+              <a:gd name="connsiteY4" fmla="*/ 5111415 h 5111415"/>
+              <a:gd name="connsiteX5" fmla="*/ 0 w 4911977"/>
+              <a:gd name="connsiteY5" fmla="*/ 0 h 5111415"/>
+            </a:gdLst>
+            <a:ahLst/>
+            <a:cxnLst>
+              <a:cxn ang="0">
+                <a:pos x="connsiteX0" y="connsiteY0"/>
+              </a:cxn>
+              <a:cxn ang="0">
+                <a:pos x="connsiteX1" y="connsiteY1"/>
+              </a:cxn>
+              <a:cxn ang="0">
+                <a:pos x="connsiteX2" y="connsiteY2"/>
+              </a:cxn>
+              <a:cxn ang="0">
+                <a:pos x="connsiteX3" y="connsiteY3"/>
+              </a:cxn>
+              <a:cxn ang="0">
+                <a:pos x="connsiteX4" y="connsiteY4"/>
+              </a:cxn>
+              <a:cxn ang="0">
+                <a:pos x="connsiteX5" y="connsiteY5"/>
+              </a:cxn>
+            </a:cxnLst>
+            <a:rect l="l" t="t" r="r" b="b"/>
+            <a:pathLst>
+              <a:path w="4911977" h="5111415">
+                <a:moveTo>
+                  <a:pt x="0" y="0"/>
+                </a:moveTo>
+                <a:lnTo>
+                  <a:pt x="4911977" y="0"/>
+                </a:lnTo>
+                <a:lnTo>
+                  <a:pt x="4908884" y="1034716"/>
+                </a:lnTo>
+                <a:lnTo>
+                  <a:pt x="4911977" y="5111415"/>
+                </a:lnTo>
+                <a:lnTo>
+                  <a:pt x="0" y="5111415"/>
+                </a:lnTo>
+                <a:lnTo>
+                  <a:pt x="0" y="0"/>
+                </a:lnTo>
+                <a:close/>
+              </a:path>
+            </a:pathLst>
+          </a:custGeom>
+          <a:noFill/>
+          <a:ln>
+            <a:solidFill>
+              <a:srgbClr val="253746"/>
+            </a:solidFill>
+            <a:prstDash val="dash"/>
+          </a:ln>
+        </p:spPr>
+        <p:style>
+          <a:lnRef idx="2">
+            <a:schemeClr val="accent1">
+              <a:shade val="50000"/>
+            </a:schemeClr>
+          </a:lnRef>
+          <a:fillRef idx="1">
+            <a:schemeClr val="accent1"/>
+          </a:fillRef>
+          <a:effectRef idx="0">
+            <a:schemeClr val="accent1"/>
+          </a:effectRef>
+          <a:fontRef idx="minor">
+            <a:schemeClr val="lt1"/>
+          </a:fontRef>
+        </p:style>
+        <p:txBody>
+          <a:bodyPr rtlCol="0" anchor="ctr"/>
+          <a:lstStyle/>
+          <a:p>
+            <a:pPr algn="ctr"/>
+            <a:endParaRPr lang="pt-BR" sz="1632">
+              <a:solidFill>
+                <a:prstClr val="white"/>
+              </a:solidFill>
+              <a:latin typeface="Calibri"/>
+            </a:endParaRPr>
+          </a:p>
+        </p:txBody>
+      </p:sp>
+      <p:grpSp>
+        <p:nvGrpSpPr>
+          <p:cNvPr id="124" name="Agrupar 123">
+            <a:extLst>
+              <a:ext uri="{FF2B5EF4-FFF2-40B4-BE49-F238E27FC236}">
+                <a16:creationId xmlns:a16="http://schemas.microsoft.com/office/drawing/2014/main" id="{DC56731D-D86C-A0C7-038C-7C8DB52099D7}"/>
+              </a:ext>
+            </a:extLst>
+          </p:cNvPr>
+          <p:cNvGrpSpPr/>
+          <p:nvPr/>
+        </p:nvGrpSpPr>
+        <p:grpSpPr>
+          <a:xfrm>
+            <a:off x="11033127" y="2232160"/>
+            <a:ext cx="1750571" cy="2009274"/>
+            <a:chOff x="10389364" y="2973330"/>
+            <a:chExt cx="2126800" cy="2052704"/>
+          </a:xfrm>
+        </p:grpSpPr>
+        <p:grpSp>
+          <p:nvGrpSpPr>
+            <p:cNvPr id="80" name="Agrupar 79">
+              <a:extLst>
+                <a:ext uri="{FF2B5EF4-FFF2-40B4-BE49-F238E27FC236}">
+                  <a16:creationId xmlns:a16="http://schemas.microsoft.com/office/drawing/2014/main" id="{AA3A21A5-6579-21BF-8594-5C3B8A7500CC}"/>
+                </a:ext>
+              </a:extLst>
+            </p:cNvPr>
+            <p:cNvGrpSpPr/>
+            <p:nvPr/>
+          </p:nvGrpSpPr>
+          <p:grpSpPr>
+            <a:xfrm>
+              <a:off x="10389364" y="2973330"/>
+              <a:ext cx="2126800" cy="2052704"/>
+              <a:chOff x="9618858" y="354799"/>
+              <a:chExt cx="2134213" cy="1992900"/>
+            </a:xfrm>
+          </p:grpSpPr>
+          <p:sp>
+            <p:nvSpPr>
+              <p:cNvPr id="66" name="Fluxograma: Disco Magnético 65">
+                <a:extLst>
+                  <a:ext uri="{FF2B5EF4-FFF2-40B4-BE49-F238E27FC236}">
+                    <a16:creationId xmlns:a16="http://schemas.microsoft.com/office/drawing/2014/main" id="{2FAFF6BE-2724-FCA3-2668-EC1190494D80}"/>
+                  </a:ext>
+                </a:extLst>
+              </p:cNvPr>
+              <p:cNvSpPr/>
+              <p:nvPr/>
+            </p:nvSpPr>
+            <p:spPr>
+              <a:xfrm>
+                <a:off x="9623480" y="354799"/>
+                <a:ext cx="2129591" cy="1992900"/>
+              </a:xfrm>
+              <a:prstGeom prst="flowChartMagneticDisk">
+                <a:avLst/>
+              </a:prstGeom>
+              <a:solidFill>
+                <a:schemeClr val="bg1">
+                  <a:lumMod val="50000"/>
+                </a:schemeClr>
+              </a:solidFill>
+              <a:ln>
+                <a:solidFill>
+                  <a:srgbClr val="253746"/>
+                </a:solidFill>
+              </a:ln>
+            </p:spPr>
+            <p:style>
+              <a:lnRef idx="2">
+                <a:schemeClr val="accent1">
+                  <a:shade val="50000"/>
+                </a:schemeClr>
+              </a:lnRef>
+              <a:fillRef idx="1">
+                <a:schemeClr val="accent1"/>
+              </a:fillRef>
+              <a:effectRef idx="0">
+                <a:schemeClr val="accent1"/>
+              </a:effectRef>
+              <a:fontRef idx="minor">
+                <a:schemeClr val="lt1"/>
+              </a:fontRef>
+            </p:style>
+            <p:txBody>
+              <a:bodyPr rtlCol="0" anchor="ctr"/>
+              <a:lstStyle/>
+              <a:p>
+                <a:pPr algn="ctr"/>
+                <a:endParaRPr lang="pt-BR" sz="1632" dirty="0">
+                  <a:solidFill>
+                    <a:prstClr val="white"/>
+                  </a:solidFill>
+                  <a:latin typeface="Calibri"/>
+                </a:endParaRPr>
+              </a:p>
+            </p:txBody>
+          </p:sp>
+          <p:sp>
+            <p:nvSpPr>
+              <p:cNvPr id="67" name="CaixaDeTexto 66">
+                <a:extLst>
+                  <a:ext uri="{FF2B5EF4-FFF2-40B4-BE49-F238E27FC236}">
+                    <a16:creationId xmlns:a16="http://schemas.microsoft.com/office/drawing/2014/main" id="{6AD0C481-985D-96CE-B33E-2983465ACBBD}"/>
+                  </a:ext>
+                </a:extLst>
+              </p:cNvPr>
+              <p:cNvSpPr txBox="1"/>
+              <p:nvPr/>
+            </p:nvSpPr>
+            <p:spPr>
+              <a:xfrm>
+                <a:off x="9618858" y="1036223"/>
+                <a:ext cx="2133798" cy="328690"/>
+              </a:xfrm>
+              <a:prstGeom prst="rect">
+                <a:avLst/>
+              </a:prstGeom>
+              <a:noFill/>
+            </p:spPr>
+            <p:txBody>
+              <a:bodyPr wrap="square">
+                <a:spAutoFit/>
+              </a:bodyPr>
+              <a:lstStyle/>
+              <a:p>
+                <a:pPr algn="ctr"/>
+                <a:r>
+                  <a:rPr lang="pt-BR" sz="1600" b="1" spc="-85" dirty="0" err="1">
+                    <a:solidFill>
+                      <a:srgbClr val="FFFFFF"/>
+                    </a:solidFill>
+                    <a:latin typeface="Arial" panose="020B0604020202020204" pitchFamily="34" charset="0"/>
+                    <a:cs typeface="Arial" panose="020B0604020202020204" pitchFamily="34" charset="0"/>
+                  </a:rPr>
+                  <a:t>Database</a:t>
+                </a:r>
+                <a:endParaRPr lang="pt-BR" sz="1600" b="1" spc="-85" dirty="0">
+                  <a:solidFill>
+                    <a:srgbClr val="FFFFFF"/>
+                  </a:solidFill>
+                  <a:latin typeface="Arial" panose="020B0604020202020204" pitchFamily="34" charset="0"/>
+                  <a:cs typeface="Arial" panose="020B0604020202020204" pitchFamily="34" charset="0"/>
+                </a:endParaRPr>
+              </a:p>
+            </p:txBody>
+          </p:sp>
+        </p:grpSp>
+        <p:sp>
+          <p:nvSpPr>
+            <p:cNvPr id="122" name="object 34">
+              <a:extLst>
+                <a:ext uri="{FF2B5EF4-FFF2-40B4-BE49-F238E27FC236}">
+                  <a16:creationId xmlns:a16="http://schemas.microsoft.com/office/drawing/2014/main" id="{F6AF5E3F-0C6F-6F8D-7BC9-93C8250841F5}"/>
+                </a:ext>
+              </a:extLst>
+            </p:cNvPr>
+            <p:cNvSpPr txBox="1"/>
+            <p:nvPr/>
+          </p:nvSpPr>
+          <p:spPr>
+            <a:xfrm>
+              <a:off x="10489393" y="4080491"/>
+              <a:ext cx="2000174" cy="186037"/>
+            </a:xfrm>
+            <a:prstGeom prst="rect">
+              <a:avLst/>
+            </a:prstGeom>
+          </p:spPr>
+          <p:txBody>
+            <a:bodyPr vert="horz" wrap="square" lIns="0" tIns="12700" rIns="0" bIns="0" rtlCol="0">
+              <a:spAutoFit/>
+            </a:bodyPr>
+            <a:lstStyle/>
+            <a:p>
+              <a:pPr algn="ctr"/>
+              <a:r>
+                <a:rPr lang="pt-BR" sz="1100" dirty="0">
+                  <a:solidFill>
+                    <a:prstClr val="white"/>
+                  </a:solidFill>
+                  <a:latin typeface="Arial" panose="020B0604020202020204" pitchFamily="34" charset="0"/>
+                  <a:cs typeface="Arial" panose="020B0604020202020204" pitchFamily="34" charset="0"/>
+                </a:rPr>
+                <a:t>[Container: SQL Server]</a:t>
+              </a:r>
+            </a:p>
+          </p:txBody>
+        </p:sp>
+        <p:sp>
+          <p:nvSpPr>
+            <p:cNvPr id="123" name="object 34">
+              <a:extLst>
+                <a:ext uri="{FF2B5EF4-FFF2-40B4-BE49-F238E27FC236}">
+                  <a16:creationId xmlns:a16="http://schemas.microsoft.com/office/drawing/2014/main" id="{5729FB17-635F-D00F-33B2-7B9981A7AF14}"/>
+                </a:ext>
+              </a:extLst>
+            </p:cNvPr>
+            <p:cNvSpPr txBox="1"/>
+            <p:nvPr/>
+          </p:nvSpPr>
+          <p:spPr>
+            <a:xfrm>
+              <a:off x="10646350" y="4453279"/>
+              <a:ext cx="1612416" cy="358973"/>
+            </a:xfrm>
+            <a:prstGeom prst="rect">
+              <a:avLst/>
+            </a:prstGeom>
+          </p:spPr>
+          <p:txBody>
+            <a:bodyPr vert="horz" wrap="square" lIns="0" tIns="12700" rIns="0" bIns="0" rtlCol="0">
+              <a:spAutoFit/>
+            </a:bodyPr>
+            <a:lstStyle/>
+            <a:p>
+              <a:pPr algn="ctr"/>
+              <a:r>
+                <a:rPr lang="pt-BR" sz="1100" dirty="0">
+                  <a:solidFill>
+                    <a:prstClr val="white"/>
+                  </a:solidFill>
+                  <a:latin typeface="Arial" panose="020B0604020202020204" pitchFamily="34" charset="0"/>
+                  <a:cs typeface="Arial" panose="020B0604020202020204" pitchFamily="34" charset="0"/>
+                </a:rPr>
+                <a:t>Armazenar os dados da Aplicação</a:t>
+              </a:r>
+            </a:p>
+          </p:txBody>
+        </p:sp>
+      </p:grpSp>
+      <p:sp>
+        <p:nvSpPr>
+          <p:cNvPr id="9" name="CaixaDeTexto 8">
+            <a:extLst>
+              <a:ext uri="{FF2B5EF4-FFF2-40B4-BE49-F238E27FC236}">
+                <a16:creationId xmlns:a16="http://schemas.microsoft.com/office/drawing/2014/main" id="{50622477-592E-A040-F88F-74FD057E0C3D}"/>
+              </a:ext>
+            </a:extLst>
+          </p:cNvPr>
+          <p:cNvSpPr txBox="1"/>
+          <p:nvPr/>
+        </p:nvSpPr>
+        <p:spPr>
+          <a:xfrm>
+            <a:off x="7914030" y="1817529"/>
+            <a:ext cx="2616845" cy="338554"/>
+          </a:xfrm>
+          <a:prstGeom prst="rect">
+            <a:avLst/>
+          </a:prstGeom>
+          <a:noFill/>
+        </p:spPr>
+        <p:txBody>
+          <a:bodyPr wrap="square">
+            <a:spAutoFit/>
+          </a:bodyPr>
+          <a:lstStyle/>
+          <a:p>
+            <a:pPr algn="ctr"/>
+            <a:r>
+              <a:rPr lang="pt-BR" sz="1600" b="1" spc="-85" dirty="0" err="1">
+                <a:solidFill>
+                  <a:srgbClr val="000000"/>
+                </a:solidFill>
+                <a:latin typeface="Calibri" panose="020F0502020204030204" pitchFamily="34" charset="0"/>
+                <a:cs typeface="Calibri" panose="020F0502020204030204" pitchFamily="34" charset="0"/>
+              </a:rPr>
+              <a:t>Amazon</a:t>
+            </a:r>
+            <a:r>
+              <a:rPr lang="pt-BR" sz="1600" b="1" spc="-85" dirty="0">
+                <a:solidFill>
+                  <a:srgbClr val="000000"/>
+                </a:solidFill>
+                <a:latin typeface="Calibri" panose="020F0502020204030204" pitchFamily="34" charset="0"/>
+                <a:cs typeface="Calibri" panose="020F0502020204030204" pitchFamily="34" charset="0"/>
+              </a:rPr>
+              <a:t> EC2</a:t>
+            </a:r>
+            <a:endParaRPr lang="pt-BR" sz="1500" dirty="0">
+              <a:solidFill>
+                <a:srgbClr val="000000"/>
+              </a:solidFill>
+              <a:latin typeface="Calibri" panose="020F0502020204030204" pitchFamily="34" charset="0"/>
+              <a:cs typeface="Calibri" panose="020F0502020204030204" pitchFamily="34" charset="0"/>
+            </a:endParaRPr>
+          </a:p>
+        </p:txBody>
+      </p:sp>
+      <p:sp>
+        <p:nvSpPr>
+          <p:cNvPr id="3" name="CaixaDeTexto 2">
+            <a:extLst>
+              <a:ext uri="{FF2B5EF4-FFF2-40B4-BE49-F238E27FC236}">
+                <a16:creationId xmlns:a16="http://schemas.microsoft.com/office/drawing/2014/main" id="{8D5B8F9C-8B74-59DE-5637-FA8A3E59EA60}"/>
+              </a:ext>
+            </a:extLst>
+          </p:cNvPr>
+          <p:cNvSpPr txBox="1"/>
+          <p:nvPr/>
+        </p:nvSpPr>
+        <p:spPr>
+          <a:xfrm>
+            <a:off x="10568348" y="1871626"/>
+            <a:ext cx="2616845" cy="338554"/>
+          </a:xfrm>
+          <a:prstGeom prst="rect">
+            <a:avLst/>
+          </a:prstGeom>
+          <a:noFill/>
+        </p:spPr>
+        <p:txBody>
+          <a:bodyPr wrap="square">
+            <a:spAutoFit/>
+          </a:bodyPr>
+          <a:lstStyle/>
+          <a:p>
+            <a:pPr algn="ctr"/>
+            <a:r>
+              <a:rPr lang="pt-BR" sz="1600" b="1" spc="-85" dirty="0">
+                <a:solidFill>
+                  <a:srgbClr val="000000"/>
+                </a:solidFill>
+                <a:latin typeface="Calibri" panose="020F0502020204030204" pitchFamily="34" charset="0"/>
+                <a:cs typeface="Calibri" panose="020F0502020204030204" pitchFamily="34" charset="0"/>
+              </a:rPr>
+              <a:t>Azure</a:t>
+            </a:r>
+            <a:endParaRPr lang="pt-BR" sz="1500" dirty="0">
+              <a:solidFill>
+                <a:srgbClr val="000000"/>
+              </a:solidFill>
+              <a:latin typeface="Calibri" panose="020F0502020204030204" pitchFamily="34" charset="0"/>
+              <a:cs typeface="Calibri" panose="020F0502020204030204" pitchFamily="34" charset="0"/>
+            </a:endParaRPr>
+          </a:p>
+        </p:txBody>
+      </p:sp>
+      <p:sp>
+        <p:nvSpPr>
+          <p:cNvPr id="10" name="Retângulo 29">
+            <a:extLst>
+              <a:ext uri="{FF2B5EF4-FFF2-40B4-BE49-F238E27FC236}">
+                <a16:creationId xmlns:a16="http://schemas.microsoft.com/office/drawing/2014/main" id="{7A6ABF81-F2D6-0767-012E-EE2D0827C7B0}"/>
+              </a:ext>
+            </a:extLst>
+          </p:cNvPr>
+          <p:cNvSpPr/>
+          <p:nvPr/>
+        </p:nvSpPr>
+        <p:spPr>
+          <a:xfrm>
+            <a:off x="6253827" y="2188824"/>
+            <a:ext cx="3507696" cy="3078551"/>
+          </a:xfrm>
+          <a:prstGeom prst="rect">
+            <a:avLst/>
+          </a:prstGeom>
+          <a:noFill/>
+          <a:ln>
+            <a:solidFill>
+              <a:srgbClr val="253746"/>
+            </a:solidFill>
+            <a:prstDash val="dash"/>
+          </a:ln>
+        </p:spPr>
+        <p:style>
+          <a:lnRef idx="2">
+            <a:schemeClr val="accent1">
+              <a:shade val="50000"/>
+            </a:schemeClr>
+          </a:lnRef>
+          <a:fillRef idx="1">
+            <a:schemeClr val="accent1"/>
+          </a:fillRef>
+          <a:effectRef idx="0">
+            <a:schemeClr val="accent1"/>
+          </a:effectRef>
+          <a:fontRef idx="minor">
+            <a:schemeClr val="lt1"/>
+          </a:fontRef>
+        </p:style>
+        <p:txBody>
+          <a:bodyPr rtlCol="0" anchor="ctr"/>
+          <a:lstStyle/>
+          <a:p>
+            <a:pPr algn="ctr"/>
+            <a:endParaRPr lang="pt-BR" sz="1632">
+              <a:solidFill>
+                <a:prstClr val="white"/>
+              </a:solidFill>
+              <a:latin typeface="Calibri"/>
+            </a:endParaRPr>
+          </a:p>
+        </p:txBody>
+      </p:sp>
+      <p:sp>
+        <p:nvSpPr>
+          <p:cNvPr id="11" name="Retângulo 29">
+            <a:extLst>
+              <a:ext uri="{FF2B5EF4-FFF2-40B4-BE49-F238E27FC236}">
+                <a16:creationId xmlns:a16="http://schemas.microsoft.com/office/drawing/2014/main" id="{58B27EA6-13AA-2671-96A2-9688C1520D38}"/>
+              </a:ext>
+            </a:extLst>
+          </p:cNvPr>
+          <p:cNvSpPr/>
+          <p:nvPr/>
+        </p:nvSpPr>
+        <p:spPr>
+          <a:xfrm>
+            <a:off x="1186240" y="2883364"/>
+            <a:ext cx="3992031" cy="2052730"/>
+          </a:xfrm>
+          <a:prstGeom prst="rect">
+            <a:avLst/>
+          </a:prstGeom>
+          <a:noFill/>
+          <a:ln>
+            <a:solidFill>
+              <a:srgbClr val="253746"/>
+            </a:solidFill>
+            <a:prstDash val="dash"/>
+          </a:ln>
+        </p:spPr>
+        <p:style>
+          <a:lnRef idx="2">
+            <a:schemeClr val="accent1">
+              <a:shade val="50000"/>
+            </a:schemeClr>
+          </a:lnRef>
+          <a:fillRef idx="1">
+            <a:schemeClr val="accent1"/>
+          </a:fillRef>
+          <a:effectRef idx="0">
+            <a:schemeClr val="accent1"/>
+          </a:effectRef>
+          <a:fontRef idx="minor">
+            <a:schemeClr val="lt1"/>
+          </a:fontRef>
+        </p:style>
+        <p:txBody>
+          <a:bodyPr rtlCol="0" anchor="ctr"/>
+          <a:lstStyle/>
+          <a:p>
+            <a:pPr algn="ctr"/>
+            <a:endParaRPr lang="pt-BR" sz="1632">
+              <a:solidFill>
+                <a:prstClr val="white"/>
+              </a:solidFill>
+              <a:latin typeface="Calibri"/>
+            </a:endParaRPr>
+          </a:p>
+        </p:txBody>
+      </p:sp>
+      <p:sp>
+        <p:nvSpPr>
+          <p:cNvPr id="13" name="Retângulo 29">
+            <a:extLst>
+              <a:ext uri="{FF2B5EF4-FFF2-40B4-BE49-F238E27FC236}">
+                <a16:creationId xmlns:a16="http://schemas.microsoft.com/office/drawing/2014/main" id="{5EAEE73F-2453-2949-D615-58D2DC23B5A8}"/>
+              </a:ext>
+            </a:extLst>
+          </p:cNvPr>
+          <p:cNvSpPr/>
+          <p:nvPr/>
+        </p:nvSpPr>
+        <p:spPr>
+          <a:xfrm>
+            <a:off x="6263639" y="5748676"/>
+            <a:ext cx="3507696" cy="1961560"/>
+          </a:xfrm>
+          <a:prstGeom prst="rect">
+            <a:avLst/>
+          </a:prstGeom>
+          <a:noFill/>
+          <a:ln>
+            <a:solidFill>
+              <a:srgbClr val="253746"/>
+            </a:solidFill>
+            <a:prstDash val="dash"/>
+          </a:ln>
+        </p:spPr>
+        <p:style>
+          <a:lnRef idx="2">
+            <a:schemeClr val="accent1">
+              <a:shade val="50000"/>
+            </a:schemeClr>
+          </a:lnRef>
+          <a:fillRef idx="1">
+            <a:schemeClr val="accent1"/>
+          </a:fillRef>
+          <a:effectRef idx="0">
+            <a:schemeClr val="accent1"/>
+          </a:effectRef>
+          <a:fontRef idx="minor">
+            <a:schemeClr val="lt1"/>
+          </a:fontRef>
+        </p:style>
+        <p:txBody>
+          <a:bodyPr rtlCol="0" anchor="ctr"/>
+          <a:lstStyle/>
+          <a:p>
+            <a:pPr algn="ctr"/>
+            <a:endParaRPr lang="pt-BR" sz="1632">
+              <a:solidFill>
+                <a:prstClr val="white"/>
+              </a:solidFill>
+              <a:latin typeface="Calibri"/>
+            </a:endParaRPr>
+          </a:p>
+        </p:txBody>
+      </p:sp>
+      <p:sp>
+        <p:nvSpPr>
+          <p:cNvPr id="34" name="Retângulo 29">
+            <a:extLst>
+              <a:ext uri="{FF2B5EF4-FFF2-40B4-BE49-F238E27FC236}">
+                <a16:creationId xmlns:a16="http://schemas.microsoft.com/office/drawing/2014/main" id="{BC087E8F-F47A-D5BA-A6E2-8C6F75CA6C44}"/>
+              </a:ext>
+            </a:extLst>
+          </p:cNvPr>
+          <p:cNvSpPr/>
+          <p:nvPr/>
+        </p:nvSpPr>
+        <p:spPr>
+          <a:xfrm>
+            <a:off x="1195112" y="5317189"/>
+            <a:ext cx="3992031" cy="2052730"/>
+          </a:xfrm>
+          <a:prstGeom prst="rect">
+            <a:avLst/>
+          </a:prstGeom>
+          <a:noFill/>
+          <a:ln>
+            <a:solidFill>
+              <a:srgbClr val="253746"/>
+            </a:solidFill>
+            <a:prstDash val="dash"/>
+          </a:ln>
+        </p:spPr>
+        <p:style>
+          <a:lnRef idx="2">
+            <a:schemeClr val="accent1">
+              <a:shade val="50000"/>
+            </a:schemeClr>
+          </a:lnRef>
+          <a:fillRef idx="1">
+            <a:schemeClr val="accent1"/>
+          </a:fillRef>
+          <a:effectRef idx="0">
+            <a:schemeClr val="accent1"/>
+          </a:effectRef>
+          <a:fontRef idx="minor">
+            <a:schemeClr val="lt1"/>
+          </a:fontRef>
+        </p:style>
+        <p:txBody>
+          <a:bodyPr rtlCol="0" anchor="ctr"/>
+          <a:lstStyle/>
+          <a:p>
+            <a:pPr algn="ctr"/>
+            <a:endParaRPr lang="pt-BR" sz="1632">
+              <a:solidFill>
+                <a:prstClr val="white"/>
+              </a:solidFill>
+              <a:latin typeface="Calibri"/>
+            </a:endParaRPr>
+          </a:p>
+        </p:txBody>
+      </p:sp>
+      <p:sp>
+        <p:nvSpPr>
+          <p:cNvPr id="35" name="CaixaDeTexto 34">
+            <a:extLst>
+              <a:ext uri="{FF2B5EF4-FFF2-40B4-BE49-F238E27FC236}">
+                <a16:creationId xmlns:a16="http://schemas.microsoft.com/office/drawing/2014/main" id="{38BD678C-6592-42F8-120A-CCB14FC94803}"/>
+              </a:ext>
+            </a:extLst>
+          </p:cNvPr>
+          <p:cNvSpPr txBox="1"/>
+          <p:nvPr/>
+        </p:nvSpPr>
+        <p:spPr>
+          <a:xfrm>
+            <a:off x="1867480" y="2615822"/>
+            <a:ext cx="2616845" cy="307777"/>
+          </a:xfrm>
+          <a:prstGeom prst="rect">
+            <a:avLst/>
+          </a:prstGeom>
+          <a:noFill/>
+        </p:spPr>
+        <p:txBody>
+          <a:bodyPr wrap="square">
+            <a:spAutoFit/>
+          </a:bodyPr>
+          <a:lstStyle/>
+          <a:p>
+            <a:pPr algn="ctr"/>
+            <a:r>
+              <a:rPr lang="pt-BR" sz="1400" b="1" spc="-85" dirty="0" err="1">
+                <a:solidFill>
+                  <a:srgbClr val="000000"/>
+                </a:solidFill>
+                <a:latin typeface="Calibri" panose="020F0502020204030204" pitchFamily="34" charset="0"/>
+                <a:cs typeface="Calibri" panose="020F0502020204030204" pitchFamily="34" charset="0"/>
+              </a:rPr>
+              <a:t>Amazon</a:t>
+            </a:r>
+            <a:r>
+              <a:rPr lang="pt-BR" sz="1400" b="1" spc="-85" dirty="0">
+                <a:solidFill>
+                  <a:srgbClr val="000000"/>
+                </a:solidFill>
+                <a:latin typeface="Calibri" panose="020F0502020204030204" pitchFamily="34" charset="0"/>
+                <a:cs typeface="Calibri" panose="020F0502020204030204" pitchFamily="34" charset="0"/>
+              </a:rPr>
+              <a:t> EC2</a:t>
+            </a:r>
+            <a:endParaRPr lang="pt-BR" sz="1400" dirty="0">
+              <a:solidFill>
+                <a:srgbClr val="000000"/>
+              </a:solidFill>
+              <a:latin typeface="Calibri" panose="020F0502020204030204" pitchFamily="34" charset="0"/>
+              <a:cs typeface="Calibri" panose="020F0502020204030204" pitchFamily="34" charset="0"/>
+            </a:endParaRPr>
+          </a:p>
+        </p:txBody>
+      </p:sp>
+      <p:sp>
+        <p:nvSpPr>
+          <p:cNvPr id="36" name="CaixaDeTexto 35">
+            <a:extLst>
+              <a:ext uri="{FF2B5EF4-FFF2-40B4-BE49-F238E27FC236}">
+                <a16:creationId xmlns:a16="http://schemas.microsoft.com/office/drawing/2014/main" id="{2E738995-EF28-8B69-99D7-876990570D22}"/>
+              </a:ext>
+            </a:extLst>
+          </p:cNvPr>
+          <p:cNvSpPr txBox="1"/>
+          <p:nvPr/>
+        </p:nvSpPr>
+        <p:spPr>
+          <a:xfrm>
+            <a:off x="1858150" y="5018266"/>
+            <a:ext cx="2616845" cy="307777"/>
+          </a:xfrm>
+          <a:prstGeom prst="rect">
+            <a:avLst/>
+          </a:prstGeom>
+          <a:noFill/>
+        </p:spPr>
+        <p:txBody>
+          <a:bodyPr wrap="square">
+            <a:spAutoFit/>
+          </a:bodyPr>
+          <a:lstStyle/>
+          <a:p>
+            <a:pPr algn="ctr"/>
+            <a:r>
+              <a:rPr lang="pt-BR" sz="1400" b="1" spc="-85" dirty="0" err="1">
+                <a:solidFill>
+                  <a:srgbClr val="000000"/>
+                </a:solidFill>
+                <a:latin typeface="Calibri" panose="020F0502020204030204" pitchFamily="34" charset="0"/>
+                <a:cs typeface="Calibri" panose="020F0502020204030204" pitchFamily="34" charset="0"/>
+              </a:rPr>
+              <a:t>Amazon</a:t>
+            </a:r>
+            <a:r>
+              <a:rPr lang="pt-BR" sz="1400" b="1" spc="-85" dirty="0">
+                <a:solidFill>
+                  <a:srgbClr val="000000"/>
+                </a:solidFill>
+                <a:latin typeface="Calibri" panose="020F0502020204030204" pitchFamily="34" charset="0"/>
+                <a:cs typeface="Calibri" panose="020F0502020204030204" pitchFamily="34" charset="0"/>
+              </a:rPr>
+              <a:t> EC2</a:t>
+            </a:r>
+            <a:endParaRPr lang="pt-BR" sz="1400" dirty="0">
+              <a:solidFill>
+                <a:srgbClr val="000000"/>
+              </a:solidFill>
+              <a:latin typeface="Calibri" panose="020F0502020204030204" pitchFamily="34" charset="0"/>
+              <a:cs typeface="Calibri" panose="020F0502020204030204" pitchFamily="34" charset="0"/>
+            </a:endParaRPr>
+          </a:p>
+        </p:txBody>
+      </p:sp>
+      <p:grpSp>
+        <p:nvGrpSpPr>
+          <p:cNvPr id="37" name="Agrupar 36">
+            <a:extLst>
+              <a:ext uri="{FF2B5EF4-FFF2-40B4-BE49-F238E27FC236}">
+                <a16:creationId xmlns:a16="http://schemas.microsoft.com/office/drawing/2014/main" id="{F9227D26-50F2-9C0D-628A-B8C68A46944D}"/>
+              </a:ext>
+            </a:extLst>
+          </p:cNvPr>
+          <p:cNvGrpSpPr/>
+          <p:nvPr/>
+        </p:nvGrpSpPr>
+        <p:grpSpPr>
+          <a:xfrm>
+            <a:off x="1361912" y="3177667"/>
+            <a:ext cx="1632750" cy="1474733"/>
+            <a:chOff x="1796460" y="3482685"/>
+            <a:chExt cx="1856842" cy="1684715"/>
+          </a:xfrm>
+        </p:grpSpPr>
+        <p:grpSp>
+          <p:nvGrpSpPr>
+            <p:cNvPr id="38" name="Agrupar 37">
+              <a:extLst>
+                <a:ext uri="{FF2B5EF4-FFF2-40B4-BE49-F238E27FC236}">
+                  <a16:creationId xmlns:a16="http://schemas.microsoft.com/office/drawing/2014/main" id="{B91404A4-9308-CBA0-E849-E5520BB00CB5}"/>
+                </a:ext>
+              </a:extLst>
+            </p:cNvPr>
+            <p:cNvGrpSpPr/>
+            <p:nvPr/>
+          </p:nvGrpSpPr>
+          <p:grpSpPr>
+            <a:xfrm>
+              <a:off x="1796460" y="3482685"/>
+              <a:ext cx="1856842" cy="1684715"/>
+              <a:chOff x="3484275" y="5617705"/>
+              <a:chExt cx="1870669" cy="1736450"/>
+            </a:xfrm>
+          </p:grpSpPr>
+          <p:grpSp>
+            <p:nvGrpSpPr>
+              <p:cNvPr id="40" name="Agrupar 39">
+                <a:extLst>
+                  <a:ext uri="{FF2B5EF4-FFF2-40B4-BE49-F238E27FC236}">
+                    <a16:creationId xmlns:a16="http://schemas.microsoft.com/office/drawing/2014/main" id="{ADAF7ECE-D73A-1F5D-DD5F-9C7B29037630}"/>
+                  </a:ext>
+                </a:extLst>
+              </p:cNvPr>
+              <p:cNvGrpSpPr/>
+              <p:nvPr/>
+            </p:nvGrpSpPr>
+            <p:grpSpPr>
+              <a:xfrm>
+                <a:off x="3484275" y="5617705"/>
+                <a:ext cx="1870669" cy="1736450"/>
+                <a:chOff x="3484276" y="5617704"/>
+                <a:chExt cx="2112677" cy="1894839"/>
+              </a:xfrm>
+            </p:grpSpPr>
+            <p:grpSp>
+              <p:nvGrpSpPr>
+                <p:cNvPr id="42" name="object 29">
+                  <a:extLst>
+                    <a:ext uri="{FF2B5EF4-FFF2-40B4-BE49-F238E27FC236}">
+                      <a16:creationId xmlns:a16="http://schemas.microsoft.com/office/drawing/2014/main" id="{43CB8E73-8C42-156F-4280-CBAC1CA41934}"/>
+                    </a:ext>
+                  </a:extLst>
+                </p:cNvPr>
+                <p:cNvGrpSpPr/>
+                <p:nvPr/>
+              </p:nvGrpSpPr>
+              <p:grpSpPr>
+                <a:xfrm>
+                  <a:off x="3484276" y="5617704"/>
+                  <a:ext cx="2092960" cy="1894839"/>
+                  <a:chOff x="6301740" y="4175759"/>
+                  <a:chExt cx="2092960" cy="1894839"/>
+                </a:xfrm>
+              </p:grpSpPr>
+              <p:sp>
+                <p:nvSpPr>
+                  <p:cNvPr id="44" name="object 31">
+                    <a:extLst>
+                      <a:ext uri="{FF2B5EF4-FFF2-40B4-BE49-F238E27FC236}">
+                        <a16:creationId xmlns:a16="http://schemas.microsoft.com/office/drawing/2014/main" id="{0E9EF162-F17E-111A-B736-BC12F10E40D2}"/>
+                      </a:ext>
+                    </a:extLst>
+                  </p:cNvPr>
+                  <p:cNvSpPr/>
+                  <p:nvPr/>
+                </p:nvSpPr>
+                <p:spPr>
+                  <a:xfrm>
+                    <a:off x="6301740" y="4175759"/>
+                    <a:ext cx="2092960" cy="1894839"/>
+                  </a:xfrm>
+                  <a:custGeom>
+                    <a:avLst/>
+                    <a:gdLst/>
+                    <a:ahLst/>
+                    <a:cxnLst/>
+                    <a:rect l="l" t="t" r="r" b="b"/>
+                    <a:pathLst>
+                      <a:path w="2092959" h="1894839">
+                        <a:moveTo>
+                          <a:pt x="1776730" y="0"/>
+                        </a:moveTo>
+                        <a:lnTo>
+                          <a:pt x="315721" y="0"/>
+                        </a:lnTo>
+                        <a:lnTo>
+                          <a:pt x="269066" y="3423"/>
+                        </a:lnTo>
+                        <a:lnTo>
+                          <a:pt x="224536" y="13367"/>
+                        </a:lnTo>
+                        <a:lnTo>
+                          <a:pt x="182620" y="29343"/>
+                        </a:lnTo>
+                        <a:lnTo>
+                          <a:pt x="143806" y="50864"/>
+                        </a:lnTo>
+                        <a:lnTo>
+                          <a:pt x="108584" y="77440"/>
+                        </a:lnTo>
+                        <a:lnTo>
+                          <a:pt x="77440" y="108584"/>
+                        </a:lnTo>
+                        <a:lnTo>
+                          <a:pt x="50864" y="143806"/>
+                        </a:lnTo>
+                        <a:lnTo>
+                          <a:pt x="29343" y="182620"/>
+                        </a:lnTo>
+                        <a:lnTo>
+                          <a:pt x="13367" y="224536"/>
+                        </a:lnTo>
+                        <a:lnTo>
+                          <a:pt x="3423" y="269066"/>
+                        </a:lnTo>
+                        <a:lnTo>
+                          <a:pt x="0" y="315721"/>
+                        </a:lnTo>
+                        <a:lnTo>
+                          <a:pt x="0" y="1578597"/>
+                        </a:lnTo>
+                        <a:lnTo>
+                          <a:pt x="3423" y="1625256"/>
+                        </a:lnTo>
+                        <a:lnTo>
+                          <a:pt x="13367" y="1669788"/>
+                        </a:lnTo>
+                        <a:lnTo>
+                          <a:pt x="29343" y="1711706"/>
+                        </a:lnTo>
+                        <a:lnTo>
+                          <a:pt x="50864" y="1750521"/>
+                        </a:lnTo>
+                        <a:lnTo>
+                          <a:pt x="77440" y="1785745"/>
+                        </a:lnTo>
+                        <a:lnTo>
+                          <a:pt x="108584" y="1816890"/>
+                        </a:lnTo>
+                        <a:lnTo>
+                          <a:pt x="143806" y="1843467"/>
+                        </a:lnTo>
+                        <a:lnTo>
+                          <a:pt x="182620" y="1864988"/>
+                        </a:lnTo>
+                        <a:lnTo>
+                          <a:pt x="224536" y="1880964"/>
+                        </a:lnTo>
+                        <a:lnTo>
+                          <a:pt x="269066" y="1890908"/>
+                        </a:lnTo>
+                        <a:lnTo>
+                          <a:pt x="315721" y="1894332"/>
+                        </a:lnTo>
+                        <a:lnTo>
+                          <a:pt x="1776730" y="1894332"/>
+                        </a:lnTo>
+                        <a:lnTo>
+                          <a:pt x="1823385" y="1890908"/>
+                        </a:lnTo>
+                        <a:lnTo>
+                          <a:pt x="1867915" y="1880964"/>
+                        </a:lnTo>
+                        <a:lnTo>
+                          <a:pt x="1909831" y="1864988"/>
+                        </a:lnTo>
+                        <a:lnTo>
+                          <a:pt x="1948645" y="1843467"/>
+                        </a:lnTo>
+                        <a:lnTo>
+                          <a:pt x="1983867" y="1816890"/>
+                        </a:lnTo>
+                        <a:lnTo>
+                          <a:pt x="2015011" y="1785745"/>
+                        </a:lnTo>
+                        <a:lnTo>
+                          <a:pt x="2041587" y="1750521"/>
+                        </a:lnTo>
+                        <a:lnTo>
+                          <a:pt x="2063108" y="1711706"/>
+                        </a:lnTo>
+                        <a:lnTo>
+                          <a:pt x="2079084" y="1669788"/>
+                        </a:lnTo>
+                        <a:lnTo>
+                          <a:pt x="2089028" y="1625256"/>
+                        </a:lnTo>
+                        <a:lnTo>
+                          <a:pt x="2092452" y="1578597"/>
+                        </a:lnTo>
+                        <a:lnTo>
+                          <a:pt x="2092452" y="315721"/>
+                        </a:lnTo>
+                        <a:lnTo>
+                          <a:pt x="2089028" y="269066"/>
+                        </a:lnTo>
+                        <a:lnTo>
+                          <a:pt x="2079084" y="224536"/>
+                        </a:lnTo>
+                        <a:lnTo>
+                          <a:pt x="2063108" y="182620"/>
+                        </a:lnTo>
+                        <a:lnTo>
+                          <a:pt x="2041587" y="143806"/>
+                        </a:lnTo>
+                        <a:lnTo>
+                          <a:pt x="2015011" y="108584"/>
+                        </a:lnTo>
+                        <a:lnTo>
+                          <a:pt x="1983867" y="77440"/>
+                        </a:lnTo>
+                        <a:lnTo>
+                          <a:pt x="1948645" y="50864"/>
+                        </a:lnTo>
+                        <a:lnTo>
+                          <a:pt x="1909831" y="29343"/>
+                        </a:lnTo>
+                        <a:lnTo>
+                          <a:pt x="1867915" y="13367"/>
+                        </a:lnTo>
+                        <a:lnTo>
+                          <a:pt x="1823385" y="3423"/>
+                        </a:lnTo>
+                        <a:lnTo>
+                          <a:pt x="1776730" y="0"/>
+                        </a:lnTo>
+                        <a:close/>
+                      </a:path>
+                    </a:pathLst>
+                  </a:custGeom>
+                  <a:solidFill>
+                    <a:srgbClr val="31B8CD"/>
+                  </a:solidFill>
+                </p:spPr>
+                <p:txBody>
+                  <a:bodyPr wrap="square" lIns="0" tIns="0" rIns="0" bIns="0" rtlCol="0"/>
+                  <a:lstStyle/>
+                  <a:p>
+                    <a:endParaRPr/>
+                  </a:p>
+                </p:txBody>
+              </p:sp>
+              <p:sp>
+                <p:nvSpPr>
+                  <p:cNvPr id="45" name="object 32">
+                    <a:extLst>
+                      <a:ext uri="{FF2B5EF4-FFF2-40B4-BE49-F238E27FC236}">
+                        <a16:creationId xmlns:a16="http://schemas.microsoft.com/office/drawing/2014/main" id="{6F4ABF32-017E-C6EA-1F17-13DA8D6677FE}"/>
+                      </a:ext>
+                    </a:extLst>
+                  </p:cNvPr>
+                  <p:cNvSpPr/>
+                  <p:nvPr/>
+                </p:nvSpPr>
+                <p:spPr>
+                  <a:xfrm>
+                    <a:off x="6301740" y="4175759"/>
+                    <a:ext cx="2092960" cy="1894839"/>
+                  </a:xfrm>
+                  <a:custGeom>
+                    <a:avLst/>
+                    <a:gdLst/>
+                    <a:ahLst/>
+                    <a:cxnLst/>
+                    <a:rect l="l" t="t" r="r" b="b"/>
+                    <a:pathLst>
+                      <a:path w="2092959" h="1894839">
+                        <a:moveTo>
+                          <a:pt x="0" y="315721"/>
+                        </a:moveTo>
+                        <a:lnTo>
+                          <a:pt x="3423" y="269066"/>
+                        </a:lnTo>
+                        <a:lnTo>
+                          <a:pt x="13367" y="224536"/>
+                        </a:lnTo>
+                        <a:lnTo>
+                          <a:pt x="29343" y="182620"/>
+                        </a:lnTo>
+                        <a:lnTo>
+                          <a:pt x="50864" y="143806"/>
+                        </a:lnTo>
+                        <a:lnTo>
+                          <a:pt x="77440" y="108584"/>
+                        </a:lnTo>
+                        <a:lnTo>
+                          <a:pt x="108584" y="77440"/>
+                        </a:lnTo>
+                        <a:lnTo>
+                          <a:pt x="143806" y="50864"/>
+                        </a:lnTo>
+                        <a:lnTo>
+                          <a:pt x="182620" y="29343"/>
+                        </a:lnTo>
+                        <a:lnTo>
+                          <a:pt x="224536" y="13367"/>
+                        </a:lnTo>
+                        <a:lnTo>
+                          <a:pt x="269066" y="3423"/>
+                        </a:lnTo>
+                        <a:lnTo>
+                          <a:pt x="315721" y="0"/>
+                        </a:lnTo>
+                        <a:lnTo>
+                          <a:pt x="1776730" y="0"/>
+                        </a:lnTo>
+                        <a:lnTo>
+                          <a:pt x="1823385" y="3423"/>
+                        </a:lnTo>
+                        <a:lnTo>
+                          <a:pt x="1867915" y="13367"/>
+                        </a:lnTo>
+                        <a:lnTo>
+                          <a:pt x="1909831" y="29343"/>
+                        </a:lnTo>
+                        <a:lnTo>
+                          <a:pt x="1948645" y="50864"/>
+                        </a:lnTo>
+                        <a:lnTo>
+                          <a:pt x="1983867" y="77440"/>
+                        </a:lnTo>
+                        <a:lnTo>
+                          <a:pt x="2015011" y="108584"/>
+                        </a:lnTo>
+                        <a:lnTo>
+                          <a:pt x="2041587" y="143806"/>
+                        </a:lnTo>
+                        <a:lnTo>
+                          <a:pt x="2063108" y="182620"/>
+                        </a:lnTo>
+                        <a:lnTo>
+                          <a:pt x="2079084" y="224536"/>
+                        </a:lnTo>
+                        <a:lnTo>
+                          <a:pt x="2089028" y="269066"/>
+                        </a:lnTo>
+                        <a:lnTo>
+                          <a:pt x="2092452" y="315721"/>
+                        </a:lnTo>
+                        <a:lnTo>
+                          <a:pt x="2092452" y="1578597"/>
+                        </a:lnTo>
+                        <a:lnTo>
+                          <a:pt x="2089028" y="1625256"/>
+                        </a:lnTo>
+                        <a:lnTo>
+                          <a:pt x="2079084" y="1669788"/>
+                        </a:lnTo>
+                        <a:lnTo>
+                          <a:pt x="2063108" y="1711706"/>
+                        </a:lnTo>
+                        <a:lnTo>
+                          <a:pt x="2041587" y="1750521"/>
+                        </a:lnTo>
+                        <a:lnTo>
+                          <a:pt x="2015011" y="1785745"/>
+                        </a:lnTo>
+                        <a:lnTo>
+                          <a:pt x="1983867" y="1816890"/>
+                        </a:lnTo>
+                        <a:lnTo>
+                          <a:pt x="1948645" y="1843467"/>
+                        </a:lnTo>
+                        <a:lnTo>
+                          <a:pt x="1909831" y="1864988"/>
+                        </a:lnTo>
+                        <a:lnTo>
+                          <a:pt x="1867915" y="1880964"/>
+                        </a:lnTo>
+                        <a:lnTo>
+                          <a:pt x="1823385" y="1890908"/>
+                        </a:lnTo>
+                        <a:lnTo>
+                          <a:pt x="1776730" y="1894332"/>
+                        </a:lnTo>
+                        <a:lnTo>
+                          <a:pt x="315721" y="1894332"/>
+                        </a:lnTo>
+                        <a:lnTo>
+                          <a:pt x="269066" y="1890908"/>
+                        </a:lnTo>
+                        <a:lnTo>
+                          <a:pt x="224536" y="1880964"/>
+                        </a:lnTo>
+                        <a:lnTo>
+                          <a:pt x="182620" y="1864988"/>
+                        </a:lnTo>
+                        <a:lnTo>
+                          <a:pt x="143806" y="1843467"/>
+                        </a:lnTo>
+                        <a:lnTo>
+                          <a:pt x="108584" y="1816890"/>
+                        </a:lnTo>
+                        <a:lnTo>
+                          <a:pt x="77440" y="1785745"/>
+                        </a:lnTo>
+                        <a:lnTo>
+                          <a:pt x="50864" y="1750521"/>
+                        </a:lnTo>
+                        <a:lnTo>
+                          <a:pt x="29343" y="1711706"/>
+                        </a:lnTo>
+                        <a:lnTo>
+                          <a:pt x="13367" y="1669788"/>
+                        </a:lnTo>
+                        <a:lnTo>
+                          <a:pt x="3423" y="1625256"/>
+                        </a:lnTo>
+                        <a:lnTo>
+                          <a:pt x="0" y="1578597"/>
+                        </a:lnTo>
+                        <a:lnTo>
+                          <a:pt x="0" y="315721"/>
+                        </a:lnTo>
+                        <a:close/>
+                      </a:path>
+                      <a:path w="2092959" h="1894839">
+                        <a:moveTo>
+                          <a:pt x="1624584" y="118871"/>
+                        </a:moveTo>
+                        <a:lnTo>
+                          <a:pt x="1867027" y="118871"/>
+                        </a:lnTo>
+                      </a:path>
+                      <a:path w="2092959" h="1894839">
+                        <a:moveTo>
+                          <a:pt x="1624584" y="192023"/>
+                        </a:moveTo>
+                        <a:lnTo>
+                          <a:pt x="1867027" y="192023"/>
+                        </a:lnTo>
+                      </a:path>
+                      <a:path w="2092959" h="1894839">
+                        <a:moveTo>
+                          <a:pt x="1624584" y="266700"/>
+                        </a:moveTo>
+                        <a:lnTo>
+                          <a:pt x="1867027" y="266700"/>
+                        </a:lnTo>
+                      </a:path>
+                    </a:pathLst>
+                  </a:custGeom>
+                  <a:ln w="12700">
+                    <a:solidFill>
+                      <a:srgbClr val="E49217"/>
+                    </a:solidFill>
+                  </a:ln>
+                </p:spPr>
+                <p:txBody>
+                  <a:bodyPr wrap="square" lIns="0" tIns="0" rIns="0" bIns="0" rtlCol="0"/>
+                  <a:lstStyle/>
+                  <a:p>
+                    <a:endParaRPr/>
+                  </a:p>
+                </p:txBody>
+              </p:sp>
+            </p:grpSp>
+            <p:sp>
+              <p:nvSpPr>
+                <p:cNvPr id="43" name="object 33">
+                  <a:extLst>
+                    <a:ext uri="{FF2B5EF4-FFF2-40B4-BE49-F238E27FC236}">
+                      <a16:creationId xmlns:a16="http://schemas.microsoft.com/office/drawing/2014/main" id="{E02F795E-D07F-80A6-52F9-22F775F87DE5}"/>
+                    </a:ext>
+                  </a:extLst>
+                </p:cNvPr>
+                <p:cNvSpPr txBox="1"/>
+                <p:nvPr/>
+              </p:nvSpPr>
+              <p:spPr>
+                <a:xfrm>
+                  <a:off x="3503993" y="5953975"/>
+                  <a:ext cx="2092960" cy="305422"/>
+                </a:xfrm>
+                <a:prstGeom prst="rect">
+                  <a:avLst/>
+                </a:prstGeom>
+              </p:spPr>
+              <p:txBody>
+                <a:bodyPr vert="horz" wrap="square" lIns="0" tIns="13970" rIns="0" bIns="0" rtlCol="0">
+                  <a:spAutoFit/>
+                </a:bodyPr>
+                <a:lstStyle/>
+                <a:p>
+                  <a:pPr algn="ctr">
+                    <a:spcBef>
+                      <a:spcPts val="110"/>
+                    </a:spcBef>
+                  </a:pPr>
+                  <a:r>
+                    <a:rPr sz="1400" b="1" spc="-114" dirty="0" err="1">
+                      <a:solidFill>
+                        <a:srgbClr val="FFFFFF"/>
+                      </a:solidFill>
+                      <a:latin typeface="Tahoma"/>
+                      <a:cs typeface="Tahoma"/>
+                    </a:rPr>
+                    <a:t>MobileApp</a:t>
+                  </a:r>
+                  <a:endParaRPr sz="1400" dirty="0">
+                    <a:latin typeface="Tahoma"/>
+                    <a:cs typeface="Tahoma"/>
+                  </a:endParaRPr>
+                </a:p>
+              </p:txBody>
+            </p:sp>
+          </p:grpSp>
+          <p:sp>
+            <p:nvSpPr>
+              <p:cNvPr id="41" name="object 34">
+                <a:extLst>
+                  <a:ext uri="{FF2B5EF4-FFF2-40B4-BE49-F238E27FC236}">
+                    <a16:creationId xmlns:a16="http://schemas.microsoft.com/office/drawing/2014/main" id="{DA50C5CD-5A23-B214-3D2E-E57AAD2B5554}"/>
+                  </a:ext>
+                </a:extLst>
+              </p:cNvPr>
+              <p:cNvSpPr txBox="1"/>
+              <p:nvPr/>
+            </p:nvSpPr>
+            <p:spPr>
+              <a:xfrm>
+                <a:off x="3735968" y="6892461"/>
+                <a:ext cx="1484810" cy="222037"/>
+              </a:xfrm>
+              <a:prstGeom prst="rect">
+                <a:avLst/>
+              </a:prstGeom>
+            </p:spPr>
+            <p:txBody>
+              <a:bodyPr vert="horz" wrap="square" lIns="0" tIns="12700" rIns="0" bIns="0" rtlCol="0">
+                <a:spAutoFit/>
+              </a:bodyPr>
+              <a:lstStyle/>
+              <a:p>
+                <a:pPr marL="407040" marR="5080" indent="-394975">
+                  <a:spcBef>
+                    <a:spcPts val="100"/>
+                  </a:spcBef>
+                </a:pPr>
+                <a:r>
+                  <a:rPr lang="pt-BR" sz="1100" dirty="0">
+                    <a:solidFill>
+                      <a:srgbClr val="FFFFFF"/>
+                    </a:solidFill>
+                    <a:latin typeface="Tahoma"/>
+                    <a:cs typeface="Tahoma"/>
+                  </a:rPr>
+                  <a:t>Aplicativo Android</a:t>
+                </a:r>
+                <a:endParaRPr sz="1100" dirty="0">
+                  <a:latin typeface="Tahoma"/>
+                  <a:cs typeface="Tahoma"/>
+                </a:endParaRPr>
+              </a:p>
+            </p:txBody>
+          </p:sp>
+        </p:grpSp>
+        <p:sp>
+          <p:nvSpPr>
+            <p:cNvPr id="39" name="object 34">
+              <a:extLst>
+                <a:ext uri="{FF2B5EF4-FFF2-40B4-BE49-F238E27FC236}">
+                  <a16:creationId xmlns:a16="http://schemas.microsoft.com/office/drawing/2014/main" id="{4FB28EDE-62BD-59F5-A280-B66F151ECCAA}"/>
+                </a:ext>
+              </a:extLst>
+            </p:cNvPr>
+            <p:cNvSpPr txBox="1"/>
+            <p:nvPr/>
+          </p:nvSpPr>
+          <p:spPr>
+            <a:xfrm>
+              <a:off x="2073362" y="4226297"/>
+              <a:ext cx="1331518" cy="215422"/>
+            </a:xfrm>
+            <a:prstGeom prst="rect">
+              <a:avLst/>
+            </a:prstGeom>
+          </p:spPr>
+          <p:txBody>
+            <a:bodyPr vert="horz" wrap="square" lIns="0" tIns="12700" rIns="0" bIns="0" rtlCol="0">
+              <a:spAutoFit/>
+            </a:bodyPr>
+            <a:lstStyle/>
+            <a:p>
+              <a:pPr algn="ctr">
+                <a:lnSpc>
+                  <a:spcPct val="100000"/>
+                </a:lnSpc>
+              </a:pPr>
+              <a:r>
+                <a:rPr lang="pt-BR" sz="1100" dirty="0">
+                  <a:solidFill>
+                    <a:srgbClr val="FFFFFF"/>
+                  </a:solidFill>
+                  <a:latin typeface="Tahoma"/>
+                  <a:cs typeface="Tahoma"/>
+                </a:rPr>
+                <a:t>[</a:t>
+              </a:r>
+              <a:r>
+                <a:rPr lang="pt-BR" sz="1100" spc="-10" dirty="0">
+                  <a:solidFill>
+                    <a:srgbClr val="FFFFFF"/>
+                  </a:solidFill>
+                  <a:latin typeface="Tahoma"/>
+                  <a:cs typeface="Tahoma"/>
+                </a:rPr>
+                <a:t>C</a:t>
+              </a:r>
+              <a:r>
+                <a:rPr lang="pt-BR" sz="1100" dirty="0">
+                  <a:solidFill>
+                    <a:srgbClr val="FFFFFF"/>
+                  </a:solidFill>
+                  <a:latin typeface="Tahoma"/>
+                  <a:cs typeface="Tahoma"/>
+                </a:rPr>
+                <a:t>ontaine</a:t>
+              </a:r>
+              <a:r>
+                <a:rPr lang="pt-BR" sz="1100" spc="-10" dirty="0">
+                  <a:solidFill>
+                    <a:srgbClr val="FFFFFF"/>
+                  </a:solidFill>
+                  <a:latin typeface="Tahoma"/>
+                  <a:cs typeface="Tahoma"/>
+                </a:rPr>
+                <a:t>r:</a:t>
+              </a:r>
+              <a:r>
+                <a:rPr lang="pt-BR" sz="1100" spc="-180" dirty="0">
+                  <a:solidFill>
+                    <a:srgbClr val="FFFFFF"/>
+                  </a:solidFill>
+                  <a:latin typeface="Tahoma"/>
+                  <a:cs typeface="Tahoma"/>
+                </a:rPr>
+                <a:t> </a:t>
+              </a:r>
+              <a:r>
+                <a:rPr lang="pt-BR" sz="1100" spc="60" dirty="0" err="1">
+                  <a:solidFill>
+                    <a:srgbClr val="FFFFFF"/>
+                  </a:solidFill>
+                  <a:latin typeface="Tahoma"/>
+                  <a:cs typeface="Tahoma"/>
+                </a:rPr>
+                <a:t>Kotlin</a:t>
+              </a:r>
+              <a:r>
+                <a:rPr lang="pt-BR" sz="1100" spc="-5" dirty="0">
+                  <a:solidFill>
+                    <a:srgbClr val="FFFFFF"/>
+                  </a:solidFill>
+                  <a:latin typeface="Tahoma"/>
+                  <a:cs typeface="Tahoma"/>
+                </a:rPr>
+                <a:t>]</a:t>
+              </a:r>
+              <a:endParaRPr lang="pt-BR" sz="1100" dirty="0">
+                <a:latin typeface="Tahoma"/>
+                <a:cs typeface="Tahoma"/>
+              </a:endParaRPr>
+            </a:p>
+          </p:txBody>
+        </p:sp>
+      </p:grpSp>
+      <p:grpSp>
+        <p:nvGrpSpPr>
+          <p:cNvPr id="46" name="Agrupar 45">
+            <a:extLst>
+              <a:ext uri="{FF2B5EF4-FFF2-40B4-BE49-F238E27FC236}">
+                <a16:creationId xmlns:a16="http://schemas.microsoft.com/office/drawing/2014/main" id="{58709E68-F0FE-97CF-3F92-7EB4ED9F0504}"/>
+              </a:ext>
+            </a:extLst>
+          </p:cNvPr>
+          <p:cNvGrpSpPr/>
+          <p:nvPr/>
+        </p:nvGrpSpPr>
+        <p:grpSpPr>
+          <a:xfrm>
+            <a:off x="3234766" y="3192480"/>
+            <a:ext cx="1829859" cy="1474733"/>
+            <a:chOff x="1598936" y="5661386"/>
+            <a:chExt cx="2234565" cy="1827530"/>
+          </a:xfrm>
+        </p:grpSpPr>
+        <p:grpSp>
+          <p:nvGrpSpPr>
+            <p:cNvPr id="52" name="Agrupar 51">
+              <a:extLst>
+                <a:ext uri="{FF2B5EF4-FFF2-40B4-BE49-F238E27FC236}">
+                  <a16:creationId xmlns:a16="http://schemas.microsoft.com/office/drawing/2014/main" id="{02E1E596-E0F1-9BDC-7E99-C6D59A9AF03F}"/>
+                </a:ext>
+              </a:extLst>
+            </p:cNvPr>
+            <p:cNvGrpSpPr/>
+            <p:nvPr/>
+          </p:nvGrpSpPr>
+          <p:grpSpPr>
+            <a:xfrm>
+              <a:off x="1598936" y="5661386"/>
+              <a:ext cx="2234565" cy="1827530"/>
+              <a:chOff x="9819439" y="4690875"/>
+              <a:chExt cx="2234565" cy="1827530"/>
+            </a:xfrm>
+          </p:grpSpPr>
+          <p:grpSp>
+            <p:nvGrpSpPr>
+              <p:cNvPr id="62" name="object 21">
+                <a:extLst>
+                  <a:ext uri="{FF2B5EF4-FFF2-40B4-BE49-F238E27FC236}">
+                    <a16:creationId xmlns:a16="http://schemas.microsoft.com/office/drawing/2014/main" id="{BBB9CA08-50B6-98E8-8FAA-D3DE6126A60F}"/>
+                  </a:ext>
+                </a:extLst>
+              </p:cNvPr>
+              <p:cNvGrpSpPr/>
+              <p:nvPr/>
+            </p:nvGrpSpPr>
+            <p:grpSpPr>
+              <a:xfrm>
+                <a:off x="9819439" y="4690875"/>
+                <a:ext cx="2234565" cy="1827530"/>
+                <a:chOff x="8965692" y="4175759"/>
+                <a:chExt cx="2234565" cy="1827530"/>
+              </a:xfrm>
+            </p:grpSpPr>
+            <p:sp>
+              <p:nvSpPr>
+                <p:cNvPr id="64" name="object 22">
+                  <a:extLst>
+                    <a:ext uri="{FF2B5EF4-FFF2-40B4-BE49-F238E27FC236}">
+                      <a16:creationId xmlns:a16="http://schemas.microsoft.com/office/drawing/2014/main" id="{250893AA-63A3-D4ED-2558-F3AE329D11AB}"/>
+                    </a:ext>
+                  </a:extLst>
+                </p:cNvPr>
+                <p:cNvSpPr/>
+                <p:nvPr/>
+              </p:nvSpPr>
+              <p:spPr>
+                <a:xfrm>
+                  <a:off x="8965692" y="4175759"/>
+                  <a:ext cx="2234565" cy="1827530"/>
+                </a:xfrm>
+                <a:custGeom>
+                  <a:avLst/>
+                  <a:gdLst/>
+                  <a:ahLst/>
+                  <a:cxnLst/>
+                  <a:rect l="l" t="t" r="r" b="b"/>
+                  <a:pathLst>
+                    <a:path w="2234565" h="1827529">
+                      <a:moveTo>
+                        <a:pt x="2234183" y="0"/>
+                      </a:moveTo>
+                      <a:lnTo>
+                        <a:pt x="0" y="0"/>
+                      </a:lnTo>
+                      <a:lnTo>
+                        <a:pt x="0" y="1827276"/>
+                      </a:lnTo>
+                      <a:lnTo>
+                        <a:pt x="2234183" y="1827276"/>
+                      </a:lnTo>
+                      <a:lnTo>
+                        <a:pt x="2234183" y="0"/>
+                      </a:lnTo>
+                      <a:close/>
+                    </a:path>
+                  </a:pathLst>
+                </a:custGeom>
+                <a:solidFill>
+                  <a:srgbClr val="31B8CD"/>
+                </a:solidFill>
+              </p:spPr>
+              <p:txBody>
+                <a:bodyPr wrap="square" lIns="0" tIns="0" rIns="0" bIns="0" rtlCol="0"/>
+                <a:lstStyle/>
+                <a:p>
+                  <a:endParaRPr dirty="0"/>
+                </a:p>
+              </p:txBody>
+            </p:sp>
+            <p:sp>
+              <p:nvSpPr>
+                <p:cNvPr id="65" name="object 23">
+                  <a:extLst>
+                    <a:ext uri="{FF2B5EF4-FFF2-40B4-BE49-F238E27FC236}">
+                      <a16:creationId xmlns:a16="http://schemas.microsoft.com/office/drawing/2014/main" id="{0E16CB2E-073F-D940-C66D-E21F2D527B26}"/>
+                    </a:ext>
+                  </a:extLst>
+                </p:cNvPr>
+                <p:cNvSpPr/>
+                <p:nvPr/>
+              </p:nvSpPr>
+              <p:spPr>
+                <a:xfrm>
+                  <a:off x="9014460" y="4230623"/>
+                  <a:ext cx="1757680" cy="187960"/>
+                </a:xfrm>
+                <a:custGeom>
+                  <a:avLst/>
+                  <a:gdLst/>
+                  <a:ahLst/>
+                  <a:cxnLst/>
+                  <a:rect l="l" t="t" r="r" b="b"/>
+                  <a:pathLst>
+                    <a:path w="1757679" h="187960">
+                      <a:moveTo>
+                        <a:pt x="0" y="187451"/>
+                      </a:moveTo>
+                      <a:lnTo>
+                        <a:pt x="1757172" y="187451"/>
+                      </a:lnTo>
+                      <a:lnTo>
+                        <a:pt x="1757172" y="0"/>
+                      </a:lnTo>
+                      <a:lnTo>
+                        <a:pt x="0" y="0"/>
+                      </a:lnTo>
+                      <a:lnTo>
+                        <a:pt x="0" y="187451"/>
+                      </a:lnTo>
+                      <a:close/>
+                    </a:path>
+                  </a:pathLst>
+                </a:custGeom>
+                <a:ln w="12700">
+                  <a:solidFill>
+                    <a:srgbClr val="E49217"/>
+                  </a:solidFill>
+                </a:ln>
+              </p:spPr>
+              <p:txBody>
+                <a:bodyPr wrap="square" lIns="0" tIns="0" rIns="0" bIns="0" rtlCol="0"/>
+                <a:lstStyle/>
+                <a:p>
+                  <a:endParaRPr/>
+                </a:p>
+              </p:txBody>
+            </p:sp>
+            <p:pic>
+              <p:nvPicPr>
+                <p:cNvPr id="68" name="object 24">
+                  <a:extLst>
+                    <a:ext uri="{FF2B5EF4-FFF2-40B4-BE49-F238E27FC236}">
+                      <a16:creationId xmlns:a16="http://schemas.microsoft.com/office/drawing/2014/main" id="{B4910705-3C34-C35A-8EE0-1905149C5D22}"/>
+                    </a:ext>
+                  </a:extLst>
+                </p:cNvPr>
+                <p:cNvPicPr/>
+                <p:nvPr/>
+              </p:nvPicPr>
+              <p:blipFill>
+                <a:blip r:embed="rId2" cstate="print"/>
+                <a:stretch>
+                  <a:fillRect/>
+                </a:stretch>
+              </p:blipFill>
+              <p:spPr>
+                <a:xfrm>
+                  <a:off x="10975848" y="4240910"/>
+                  <a:ext cx="150875" cy="168401"/>
+                </a:xfrm>
+                <a:prstGeom prst="rect">
+                  <a:avLst/>
+                </a:prstGeom>
+              </p:spPr>
+            </p:pic>
+            <p:pic>
+              <p:nvPicPr>
+                <p:cNvPr id="69" name="object 25">
+                  <a:extLst>
+                    <a:ext uri="{FF2B5EF4-FFF2-40B4-BE49-F238E27FC236}">
+                      <a16:creationId xmlns:a16="http://schemas.microsoft.com/office/drawing/2014/main" id="{A94BA479-FC3D-5765-055E-BD038C0BE20A}"/>
+                    </a:ext>
+                  </a:extLst>
+                </p:cNvPr>
+                <p:cNvPicPr/>
+                <p:nvPr/>
+              </p:nvPicPr>
+              <p:blipFill>
+                <a:blip r:embed="rId3" cstate="print"/>
+                <a:stretch>
+                  <a:fillRect/>
+                </a:stretch>
+              </p:blipFill>
+              <p:spPr>
+                <a:xfrm>
+                  <a:off x="10831703" y="4230242"/>
+                  <a:ext cx="105282" cy="178434"/>
+                </a:xfrm>
+                <a:prstGeom prst="rect">
+                  <a:avLst/>
+                </a:prstGeom>
+              </p:spPr>
+            </p:pic>
+          </p:grpSp>
+          <p:sp>
+            <p:nvSpPr>
+              <p:cNvPr id="63" name="CaixaDeTexto 62">
+                <a:extLst>
+                  <a:ext uri="{FF2B5EF4-FFF2-40B4-BE49-F238E27FC236}">
+                    <a16:creationId xmlns:a16="http://schemas.microsoft.com/office/drawing/2014/main" id="{477A1E4D-9C96-1A3F-5100-FAA60319DE09}"/>
+                  </a:ext>
+                </a:extLst>
+              </p:cNvPr>
+              <p:cNvSpPr txBox="1"/>
+              <p:nvPr/>
+            </p:nvSpPr>
+            <p:spPr>
+              <a:xfrm>
+                <a:off x="9917075" y="4957102"/>
+                <a:ext cx="2039287" cy="345889"/>
+              </a:xfrm>
+              <a:prstGeom prst="rect">
+                <a:avLst/>
+              </a:prstGeom>
+              <a:noFill/>
+            </p:spPr>
+            <p:txBody>
+              <a:bodyPr wrap="square">
+                <a:spAutoFit/>
+              </a:bodyPr>
+              <a:lstStyle/>
+              <a:p>
+                <a:pPr algn="ctr"/>
+                <a:r>
+                  <a:rPr lang="pt-BR" sz="1300" b="1" spc="-85" dirty="0" err="1">
+                    <a:solidFill>
+                      <a:srgbClr val="FFFFFF"/>
+                    </a:solidFill>
+                    <a:latin typeface="Tahoma"/>
+                    <a:cs typeface="Tahoma"/>
+                  </a:rPr>
+                  <a:t>ClientSide</a:t>
+                </a:r>
+                <a:r>
+                  <a:rPr lang="pt-BR" sz="1300" b="1" spc="-85" dirty="0">
+                    <a:solidFill>
+                      <a:srgbClr val="FFFFFF"/>
+                    </a:solidFill>
+                    <a:latin typeface="Tahoma"/>
+                    <a:cs typeface="Tahoma"/>
+                  </a:rPr>
+                  <a:t> WEB</a:t>
+                </a:r>
+              </a:p>
+            </p:txBody>
+          </p:sp>
+        </p:grpSp>
+        <p:sp>
+          <p:nvSpPr>
+            <p:cNvPr id="54" name="object 34">
+              <a:extLst>
+                <a:ext uri="{FF2B5EF4-FFF2-40B4-BE49-F238E27FC236}">
+                  <a16:creationId xmlns:a16="http://schemas.microsoft.com/office/drawing/2014/main" id="{734CFE51-5E12-D336-BD32-0E7775F2F666}"/>
+                </a:ext>
+              </a:extLst>
+            </p:cNvPr>
+            <p:cNvSpPr txBox="1"/>
+            <p:nvPr/>
+          </p:nvSpPr>
+          <p:spPr>
+            <a:xfrm>
+              <a:off x="1758568" y="6339894"/>
+              <a:ext cx="1915293" cy="215422"/>
+            </a:xfrm>
+            <a:prstGeom prst="rect">
+              <a:avLst/>
+            </a:prstGeom>
+          </p:spPr>
+          <p:txBody>
+            <a:bodyPr vert="horz" wrap="square" lIns="0" tIns="12700" rIns="0" bIns="0" rtlCol="0">
+              <a:spAutoFit/>
+            </a:bodyPr>
+            <a:lstStyle/>
+            <a:p>
+              <a:pPr algn="ctr"/>
+              <a:r>
+                <a:rPr lang="pt-BR" sz="1100" dirty="0">
+                  <a:solidFill>
+                    <a:prstClr val="white"/>
+                  </a:solidFill>
+                  <a:latin typeface="Calibri"/>
+                </a:rPr>
+                <a:t>[Container: </a:t>
+              </a:r>
+              <a:r>
+                <a:rPr lang="pt-BR" sz="1100" dirty="0" err="1">
+                  <a:solidFill>
+                    <a:prstClr val="white"/>
+                  </a:solidFill>
+                  <a:latin typeface="Calibri"/>
+                </a:rPr>
+                <a:t>ReactJS</a:t>
+              </a:r>
+              <a:r>
+                <a:rPr lang="pt-BR" sz="1100" dirty="0">
+                  <a:solidFill>
+                    <a:prstClr val="white"/>
+                  </a:solidFill>
+                  <a:latin typeface="Calibri"/>
+                </a:rPr>
+                <a:t>]</a:t>
+              </a:r>
+            </a:p>
+          </p:txBody>
+        </p:sp>
+        <p:sp>
+          <p:nvSpPr>
+            <p:cNvPr id="55" name="object 34">
+              <a:extLst>
+                <a:ext uri="{FF2B5EF4-FFF2-40B4-BE49-F238E27FC236}">
+                  <a16:creationId xmlns:a16="http://schemas.microsoft.com/office/drawing/2014/main" id="{C7D7F515-5549-A1D0-F417-0E2EAD2EAC8B}"/>
+                </a:ext>
+              </a:extLst>
+            </p:cNvPr>
+            <p:cNvSpPr txBox="1"/>
+            <p:nvPr/>
+          </p:nvSpPr>
+          <p:spPr>
+            <a:xfrm>
+              <a:off x="1749643" y="6977935"/>
+              <a:ext cx="1915293" cy="415673"/>
+            </a:xfrm>
+            <a:prstGeom prst="rect">
+              <a:avLst/>
+            </a:prstGeom>
+          </p:spPr>
+          <p:txBody>
+            <a:bodyPr vert="horz" wrap="square" lIns="0" tIns="12700" rIns="0" bIns="0" rtlCol="0">
+              <a:spAutoFit/>
+            </a:bodyPr>
+            <a:lstStyle/>
+            <a:p>
+              <a:pPr algn="ctr"/>
+              <a:r>
+                <a:rPr lang="pt-BR" sz="1100" dirty="0">
+                  <a:solidFill>
+                    <a:prstClr val="white"/>
+                  </a:solidFill>
+                  <a:latin typeface="Calibri"/>
+                </a:rPr>
+                <a:t>Site institucional e aplicação com Dashboard</a:t>
+              </a:r>
+            </a:p>
+          </p:txBody>
+        </p:sp>
+      </p:grpSp>
+      <p:sp>
+        <p:nvSpPr>
+          <p:cNvPr id="71" name="CaixaDeTexto 70">
+            <a:extLst>
+              <a:ext uri="{FF2B5EF4-FFF2-40B4-BE49-F238E27FC236}">
+                <a16:creationId xmlns:a16="http://schemas.microsoft.com/office/drawing/2014/main" id="{C7900629-8FDF-6A92-C7CC-09C8C3802930}"/>
+              </a:ext>
+            </a:extLst>
+          </p:cNvPr>
+          <p:cNvSpPr txBox="1"/>
+          <p:nvPr/>
+        </p:nvSpPr>
+        <p:spPr>
+          <a:xfrm>
+            <a:off x="-215080" y="1826256"/>
+            <a:ext cx="2616845" cy="338554"/>
+          </a:xfrm>
+          <a:prstGeom prst="rect">
+            <a:avLst/>
+          </a:prstGeom>
+          <a:noFill/>
+        </p:spPr>
+        <p:txBody>
+          <a:bodyPr wrap="square">
+            <a:spAutoFit/>
+          </a:bodyPr>
+          <a:lstStyle/>
+          <a:p>
+            <a:pPr algn="ctr"/>
+            <a:r>
+              <a:rPr lang="pt-BR" sz="1600" b="1" spc="-85" dirty="0" err="1">
+                <a:solidFill>
+                  <a:srgbClr val="000000"/>
+                </a:solidFill>
+                <a:latin typeface="Calibri" panose="020F0502020204030204" pitchFamily="34" charset="0"/>
+                <a:cs typeface="Calibri" panose="020F0502020204030204" pitchFamily="34" charset="0"/>
+              </a:rPr>
+              <a:t>Loadbalance</a:t>
+            </a:r>
+            <a:endParaRPr lang="pt-BR" sz="1500" dirty="0">
+              <a:solidFill>
+                <a:srgbClr val="000000"/>
+              </a:solidFill>
+              <a:latin typeface="Calibri" panose="020F0502020204030204" pitchFamily="34" charset="0"/>
+              <a:cs typeface="Calibri" panose="020F0502020204030204" pitchFamily="34" charset="0"/>
+            </a:endParaRPr>
+          </a:p>
+        </p:txBody>
+      </p:sp>
+      <p:grpSp>
+        <p:nvGrpSpPr>
+          <p:cNvPr id="117" name="Agrupar 116">
+            <a:extLst>
+              <a:ext uri="{FF2B5EF4-FFF2-40B4-BE49-F238E27FC236}">
+                <a16:creationId xmlns:a16="http://schemas.microsoft.com/office/drawing/2014/main" id="{525F1752-664B-8E30-44C4-72E36A3DBD6E}"/>
+              </a:ext>
+            </a:extLst>
+          </p:cNvPr>
+          <p:cNvGrpSpPr/>
+          <p:nvPr/>
+        </p:nvGrpSpPr>
+        <p:grpSpPr>
+          <a:xfrm>
+            <a:off x="1355954" y="5587348"/>
+            <a:ext cx="1632750" cy="1474733"/>
+            <a:chOff x="1796460" y="3482685"/>
+            <a:chExt cx="1856842" cy="1684715"/>
+          </a:xfrm>
+        </p:grpSpPr>
+        <p:grpSp>
+          <p:nvGrpSpPr>
+            <p:cNvPr id="118" name="Agrupar 117">
+              <a:extLst>
+                <a:ext uri="{FF2B5EF4-FFF2-40B4-BE49-F238E27FC236}">
+                  <a16:creationId xmlns:a16="http://schemas.microsoft.com/office/drawing/2014/main" id="{45234C26-B859-B31D-CEB1-60571E01D5CC}"/>
+                </a:ext>
+              </a:extLst>
+            </p:cNvPr>
+            <p:cNvGrpSpPr/>
+            <p:nvPr/>
+          </p:nvGrpSpPr>
+          <p:grpSpPr>
+            <a:xfrm>
+              <a:off x="1796460" y="3482685"/>
+              <a:ext cx="1856842" cy="1684715"/>
+              <a:chOff x="3484275" y="5617705"/>
+              <a:chExt cx="1870669" cy="1736450"/>
+            </a:xfrm>
+          </p:grpSpPr>
+          <p:grpSp>
+            <p:nvGrpSpPr>
+              <p:cNvPr id="120" name="Agrupar 119">
+                <a:extLst>
+                  <a:ext uri="{FF2B5EF4-FFF2-40B4-BE49-F238E27FC236}">
+                    <a16:creationId xmlns:a16="http://schemas.microsoft.com/office/drawing/2014/main" id="{BF4CA6C3-51E1-EFD2-E2E8-FF0C9C0D3B68}"/>
+                  </a:ext>
+                </a:extLst>
+              </p:cNvPr>
+              <p:cNvGrpSpPr/>
+              <p:nvPr/>
+            </p:nvGrpSpPr>
+            <p:grpSpPr>
+              <a:xfrm>
+                <a:off x="3484275" y="5617705"/>
+                <a:ext cx="1870669" cy="1736450"/>
+                <a:chOff x="3484276" y="5617704"/>
+                <a:chExt cx="2112677" cy="1894839"/>
+              </a:xfrm>
+            </p:grpSpPr>
+            <p:grpSp>
+              <p:nvGrpSpPr>
+                <p:cNvPr id="125" name="object 29">
+                  <a:extLst>
+                    <a:ext uri="{FF2B5EF4-FFF2-40B4-BE49-F238E27FC236}">
+                      <a16:creationId xmlns:a16="http://schemas.microsoft.com/office/drawing/2014/main" id="{3DC3780C-411D-B42A-393D-81A4D9DFB5E3}"/>
+                    </a:ext>
+                  </a:extLst>
+                </p:cNvPr>
+                <p:cNvGrpSpPr/>
+                <p:nvPr/>
+              </p:nvGrpSpPr>
+              <p:grpSpPr>
+                <a:xfrm>
+                  <a:off x="3484276" y="5617704"/>
+                  <a:ext cx="2092960" cy="1894839"/>
+                  <a:chOff x="6301740" y="4175759"/>
+                  <a:chExt cx="2092960" cy="1894839"/>
+                </a:xfrm>
+              </p:grpSpPr>
+              <p:sp>
+                <p:nvSpPr>
+                  <p:cNvPr id="127" name="object 31">
+                    <a:extLst>
+                      <a:ext uri="{FF2B5EF4-FFF2-40B4-BE49-F238E27FC236}">
+                        <a16:creationId xmlns:a16="http://schemas.microsoft.com/office/drawing/2014/main" id="{4B641D0E-04F3-302F-8747-9514C2F06DD3}"/>
+                      </a:ext>
+                    </a:extLst>
+                  </p:cNvPr>
+                  <p:cNvSpPr/>
+                  <p:nvPr/>
+                </p:nvSpPr>
+                <p:spPr>
+                  <a:xfrm>
+                    <a:off x="6301740" y="4175759"/>
+                    <a:ext cx="2092960" cy="1894839"/>
+                  </a:xfrm>
+                  <a:custGeom>
+                    <a:avLst/>
+                    <a:gdLst/>
+                    <a:ahLst/>
+                    <a:cxnLst/>
+                    <a:rect l="l" t="t" r="r" b="b"/>
+                    <a:pathLst>
+                      <a:path w="2092959" h="1894839">
+                        <a:moveTo>
+                          <a:pt x="1776730" y="0"/>
+                        </a:moveTo>
+                        <a:lnTo>
+                          <a:pt x="315721" y="0"/>
+                        </a:lnTo>
+                        <a:lnTo>
+                          <a:pt x="269066" y="3423"/>
+                        </a:lnTo>
+                        <a:lnTo>
+                          <a:pt x="224536" y="13367"/>
+                        </a:lnTo>
+                        <a:lnTo>
+                          <a:pt x="182620" y="29343"/>
+                        </a:lnTo>
+                        <a:lnTo>
+                          <a:pt x="143806" y="50864"/>
+                        </a:lnTo>
+                        <a:lnTo>
+                          <a:pt x="108584" y="77440"/>
+                        </a:lnTo>
+                        <a:lnTo>
+                          <a:pt x="77440" y="108584"/>
+                        </a:lnTo>
+                        <a:lnTo>
+                          <a:pt x="50864" y="143806"/>
+                        </a:lnTo>
+                        <a:lnTo>
+                          <a:pt x="29343" y="182620"/>
+                        </a:lnTo>
+                        <a:lnTo>
+                          <a:pt x="13367" y="224536"/>
+                        </a:lnTo>
+                        <a:lnTo>
+                          <a:pt x="3423" y="269066"/>
+                        </a:lnTo>
+                        <a:lnTo>
+                          <a:pt x="0" y="315721"/>
+                        </a:lnTo>
+                        <a:lnTo>
+                          <a:pt x="0" y="1578597"/>
+                        </a:lnTo>
+                        <a:lnTo>
+                          <a:pt x="3423" y="1625256"/>
+                        </a:lnTo>
+                        <a:lnTo>
+                          <a:pt x="13367" y="1669788"/>
+                        </a:lnTo>
+                        <a:lnTo>
+                          <a:pt x="29343" y="1711706"/>
+                        </a:lnTo>
+                        <a:lnTo>
+                          <a:pt x="50864" y="1750521"/>
+                        </a:lnTo>
+                        <a:lnTo>
+                          <a:pt x="77440" y="1785745"/>
+                        </a:lnTo>
+                        <a:lnTo>
+                          <a:pt x="108584" y="1816890"/>
+                        </a:lnTo>
+                        <a:lnTo>
+                          <a:pt x="143806" y="1843467"/>
+                        </a:lnTo>
+                        <a:lnTo>
+                          <a:pt x="182620" y="1864988"/>
+                        </a:lnTo>
+                        <a:lnTo>
+                          <a:pt x="224536" y="1880964"/>
+                        </a:lnTo>
+                        <a:lnTo>
+                          <a:pt x="269066" y="1890908"/>
+                        </a:lnTo>
+                        <a:lnTo>
+                          <a:pt x="315721" y="1894332"/>
+                        </a:lnTo>
+                        <a:lnTo>
+                          <a:pt x="1776730" y="1894332"/>
+                        </a:lnTo>
+                        <a:lnTo>
+                          <a:pt x="1823385" y="1890908"/>
+                        </a:lnTo>
+                        <a:lnTo>
+                          <a:pt x="1867915" y="1880964"/>
+                        </a:lnTo>
+                        <a:lnTo>
+                          <a:pt x="1909831" y="1864988"/>
+                        </a:lnTo>
+                        <a:lnTo>
+                          <a:pt x="1948645" y="1843467"/>
+                        </a:lnTo>
+                        <a:lnTo>
+                          <a:pt x="1983867" y="1816890"/>
+                        </a:lnTo>
+                        <a:lnTo>
+                          <a:pt x="2015011" y="1785745"/>
+                        </a:lnTo>
+                        <a:lnTo>
+                          <a:pt x="2041587" y="1750521"/>
+                        </a:lnTo>
+                        <a:lnTo>
+                          <a:pt x="2063108" y="1711706"/>
+                        </a:lnTo>
+                        <a:lnTo>
+                          <a:pt x="2079084" y="1669788"/>
+                        </a:lnTo>
+                        <a:lnTo>
+                          <a:pt x="2089028" y="1625256"/>
+                        </a:lnTo>
+                        <a:lnTo>
+                          <a:pt x="2092452" y="1578597"/>
+                        </a:lnTo>
+                        <a:lnTo>
+                          <a:pt x="2092452" y="315721"/>
+                        </a:lnTo>
+                        <a:lnTo>
+                          <a:pt x="2089028" y="269066"/>
+                        </a:lnTo>
+                        <a:lnTo>
+                          <a:pt x="2079084" y="224536"/>
+                        </a:lnTo>
+                        <a:lnTo>
+                          <a:pt x="2063108" y="182620"/>
+                        </a:lnTo>
+                        <a:lnTo>
+                          <a:pt x="2041587" y="143806"/>
+                        </a:lnTo>
+                        <a:lnTo>
+                          <a:pt x="2015011" y="108584"/>
+                        </a:lnTo>
+                        <a:lnTo>
+                          <a:pt x="1983867" y="77440"/>
+                        </a:lnTo>
+                        <a:lnTo>
+                          <a:pt x="1948645" y="50864"/>
+                        </a:lnTo>
+                        <a:lnTo>
+                          <a:pt x="1909831" y="29343"/>
+                        </a:lnTo>
+                        <a:lnTo>
+                          <a:pt x="1867915" y="13367"/>
+                        </a:lnTo>
+                        <a:lnTo>
+                          <a:pt x="1823385" y="3423"/>
+                        </a:lnTo>
+                        <a:lnTo>
+                          <a:pt x="1776730" y="0"/>
+                        </a:lnTo>
+                        <a:close/>
+                      </a:path>
+                    </a:pathLst>
+                  </a:custGeom>
+                  <a:solidFill>
+                    <a:srgbClr val="31B8CD"/>
+                  </a:solidFill>
+                </p:spPr>
+                <p:txBody>
+                  <a:bodyPr wrap="square" lIns="0" tIns="0" rIns="0" bIns="0" rtlCol="0"/>
+                  <a:lstStyle/>
+                  <a:p>
+                    <a:endParaRPr/>
+                  </a:p>
+                </p:txBody>
+              </p:sp>
+              <p:sp>
+                <p:nvSpPr>
+                  <p:cNvPr id="128" name="object 32">
+                    <a:extLst>
+                      <a:ext uri="{FF2B5EF4-FFF2-40B4-BE49-F238E27FC236}">
+                        <a16:creationId xmlns:a16="http://schemas.microsoft.com/office/drawing/2014/main" id="{A97F9528-A307-BBF9-0293-BF19CED02E01}"/>
+                      </a:ext>
+                    </a:extLst>
+                  </p:cNvPr>
+                  <p:cNvSpPr/>
+                  <p:nvPr/>
+                </p:nvSpPr>
+                <p:spPr>
+                  <a:xfrm>
+                    <a:off x="6301740" y="4175759"/>
+                    <a:ext cx="2092960" cy="1894839"/>
+                  </a:xfrm>
+                  <a:custGeom>
+                    <a:avLst/>
+                    <a:gdLst/>
+                    <a:ahLst/>
+                    <a:cxnLst/>
+                    <a:rect l="l" t="t" r="r" b="b"/>
+                    <a:pathLst>
+                      <a:path w="2092959" h="1894839">
+                        <a:moveTo>
+                          <a:pt x="0" y="315721"/>
+                        </a:moveTo>
+                        <a:lnTo>
+                          <a:pt x="3423" y="269066"/>
+                        </a:lnTo>
+                        <a:lnTo>
+                          <a:pt x="13367" y="224536"/>
+                        </a:lnTo>
+                        <a:lnTo>
+                          <a:pt x="29343" y="182620"/>
+                        </a:lnTo>
+                        <a:lnTo>
+                          <a:pt x="50864" y="143806"/>
+                        </a:lnTo>
+                        <a:lnTo>
+                          <a:pt x="77440" y="108584"/>
+                        </a:lnTo>
+                        <a:lnTo>
+                          <a:pt x="108584" y="77440"/>
+                        </a:lnTo>
+                        <a:lnTo>
+                          <a:pt x="143806" y="50864"/>
+                        </a:lnTo>
+                        <a:lnTo>
+                          <a:pt x="182620" y="29343"/>
+                        </a:lnTo>
+                        <a:lnTo>
+                          <a:pt x="224536" y="13367"/>
+                        </a:lnTo>
+                        <a:lnTo>
+                          <a:pt x="269066" y="3423"/>
+                        </a:lnTo>
+                        <a:lnTo>
+                          <a:pt x="315721" y="0"/>
+                        </a:lnTo>
+                        <a:lnTo>
+                          <a:pt x="1776730" y="0"/>
+                        </a:lnTo>
+                        <a:lnTo>
+                          <a:pt x="1823385" y="3423"/>
+                        </a:lnTo>
+                        <a:lnTo>
+                          <a:pt x="1867915" y="13367"/>
+                        </a:lnTo>
+                        <a:lnTo>
+                          <a:pt x="1909831" y="29343"/>
+                        </a:lnTo>
+                        <a:lnTo>
+                          <a:pt x="1948645" y="50864"/>
+                        </a:lnTo>
+                        <a:lnTo>
+                          <a:pt x="1983867" y="77440"/>
+                        </a:lnTo>
+                        <a:lnTo>
+                          <a:pt x="2015011" y="108584"/>
+                        </a:lnTo>
+                        <a:lnTo>
+                          <a:pt x="2041587" y="143806"/>
+                        </a:lnTo>
+                        <a:lnTo>
+                          <a:pt x="2063108" y="182620"/>
+                        </a:lnTo>
+                        <a:lnTo>
+                          <a:pt x="2079084" y="224536"/>
+                        </a:lnTo>
+                        <a:lnTo>
+                          <a:pt x="2089028" y="269066"/>
+                        </a:lnTo>
+                        <a:lnTo>
+                          <a:pt x="2092452" y="315721"/>
+                        </a:lnTo>
+                        <a:lnTo>
+                          <a:pt x="2092452" y="1578597"/>
+                        </a:lnTo>
+                        <a:lnTo>
+                          <a:pt x="2089028" y="1625256"/>
+                        </a:lnTo>
+                        <a:lnTo>
+                          <a:pt x="2079084" y="1669788"/>
+                        </a:lnTo>
+                        <a:lnTo>
+                          <a:pt x="2063108" y="1711706"/>
+                        </a:lnTo>
+                        <a:lnTo>
+                          <a:pt x="2041587" y="1750521"/>
+                        </a:lnTo>
+                        <a:lnTo>
+                          <a:pt x="2015011" y="1785745"/>
+                        </a:lnTo>
+                        <a:lnTo>
+                          <a:pt x="1983867" y="1816890"/>
+                        </a:lnTo>
+                        <a:lnTo>
+                          <a:pt x="1948645" y="1843467"/>
+                        </a:lnTo>
+                        <a:lnTo>
+                          <a:pt x="1909831" y="1864988"/>
+                        </a:lnTo>
+                        <a:lnTo>
+                          <a:pt x="1867915" y="1880964"/>
+                        </a:lnTo>
+                        <a:lnTo>
+                          <a:pt x="1823385" y="1890908"/>
+                        </a:lnTo>
+                        <a:lnTo>
+                          <a:pt x="1776730" y="1894332"/>
+                        </a:lnTo>
+                        <a:lnTo>
+                          <a:pt x="315721" y="1894332"/>
+                        </a:lnTo>
+                        <a:lnTo>
+                          <a:pt x="269066" y="1890908"/>
+                        </a:lnTo>
+                        <a:lnTo>
+                          <a:pt x="224536" y="1880964"/>
+                        </a:lnTo>
+                        <a:lnTo>
+                          <a:pt x="182620" y="1864988"/>
+                        </a:lnTo>
+                        <a:lnTo>
+                          <a:pt x="143806" y="1843467"/>
+                        </a:lnTo>
+                        <a:lnTo>
+                          <a:pt x="108584" y="1816890"/>
+                        </a:lnTo>
+                        <a:lnTo>
+                          <a:pt x="77440" y="1785745"/>
+                        </a:lnTo>
+                        <a:lnTo>
+                          <a:pt x="50864" y="1750521"/>
+                        </a:lnTo>
+                        <a:lnTo>
+                          <a:pt x="29343" y="1711706"/>
+                        </a:lnTo>
+                        <a:lnTo>
+                          <a:pt x="13367" y="1669788"/>
+                        </a:lnTo>
+                        <a:lnTo>
+                          <a:pt x="3423" y="1625256"/>
+                        </a:lnTo>
+                        <a:lnTo>
+                          <a:pt x="0" y="1578597"/>
+                        </a:lnTo>
+                        <a:lnTo>
+                          <a:pt x="0" y="315721"/>
+                        </a:lnTo>
+                        <a:close/>
+                      </a:path>
+                      <a:path w="2092959" h="1894839">
+                        <a:moveTo>
+                          <a:pt x="1624584" y="118871"/>
+                        </a:moveTo>
+                        <a:lnTo>
+                          <a:pt x="1867027" y="118871"/>
+                        </a:lnTo>
+                      </a:path>
+                      <a:path w="2092959" h="1894839">
+                        <a:moveTo>
+                          <a:pt x="1624584" y="192023"/>
+                        </a:moveTo>
+                        <a:lnTo>
+                          <a:pt x="1867027" y="192023"/>
+                        </a:lnTo>
+                      </a:path>
+                      <a:path w="2092959" h="1894839">
+                        <a:moveTo>
+                          <a:pt x="1624584" y="266700"/>
+                        </a:moveTo>
+                        <a:lnTo>
+                          <a:pt x="1867027" y="266700"/>
+                        </a:lnTo>
+                      </a:path>
+                    </a:pathLst>
+                  </a:custGeom>
+                  <a:ln w="12700">
+                    <a:solidFill>
+                      <a:srgbClr val="E49217"/>
+                    </a:solidFill>
+                  </a:ln>
+                </p:spPr>
+                <p:txBody>
+                  <a:bodyPr wrap="square" lIns="0" tIns="0" rIns="0" bIns="0" rtlCol="0"/>
+                  <a:lstStyle/>
+                  <a:p>
+                    <a:endParaRPr/>
+                  </a:p>
+                </p:txBody>
+              </p:sp>
+            </p:grpSp>
+            <p:sp>
+              <p:nvSpPr>
+                <p:cNvPr id="126" name="object 33">
+                  <a:extLst>
+                    <a:ext uri="{FF2B5EF4-FFF2-40B4-BE49-F238E27FC236}">
+                      <a16:creationId xmlns:a16="http://schemas.microsoft.com/office/drawing/2014/main" id="{4537C7D4-EFA5-2860-1611-6D07DB90EC26}"/>
+                    </a:ext>
+                  </a:extLst>
+                </p:cNvPr>
+                <p:cNvSpPr txBox="1"/>
+                <p:nvPr/>
+              </p:nvSpPr>
+              <p:spPr>
+                <a:xfrm>
+                  <a:off x="3503993" y="5953975"/>
+                  <a:ext cx="2092960" cy="305422"/>
+                </a:xfrm>
+                <a:prstGeom prst="rect">
+                  <a:avLst/>
+                </a:prstGeom>
+              </p:spPr>
+              <p:txBody>
+                <a:bodyPr vert="horz" wrap="square" lIns="0" tIns="13970" rIns="0" bIns="0" rtlCol="0">
+                  <a:spAutoFit/>
+                </a:bodyPr>
+                <a:lstStyle/>
+                <a:p>
+                  <a:pPr algn="ctr">
+                    <a:spcBef>
+                      <a:spcPts val="110"/>
+                    </a:spcBef>
+                  </a:pPr>
+                  <a:r>
+                    <a:rPr sz="1400" b="1" spc="-114" dirty="0" err="1">
+                      <a:solidFill>
+                        <a:srgbClr val="FFFFFF"/>
+                      </a:solidFill>
+                      <a:latin typeface="Tahoma"/>
+                      <a:cs typeface="Tahoma"/>
+                    </a:rPr>
+                    <a:t>MobileApp</a:t>
+                  </a:r>
+                  <a:endParaRPr sz="1400" dirty="0">
+                    <a:latin typeface="Tahoma"/>
+                    <a:cs typeface="Tahoma"/>
+                  </a:endParaRPr>
+                </a:p>
+              </p:txBody>
+            </p:sp>
+          </p:grpSp>
+          <p:sp>
+            <p:nvSpPr>
+              <p:cNvPr id="121" name="object 34">
+                <a:extLst>
+                  <a:ext uri="{FF2B5EF4-FFF2-40B4-BE49-F238E27FC236}">
+                    <a16:creationId xmlns:a16="http://schemas.microsoft.com/office/drawing/2014/main" id="{E6784CBB-BAC7-1D19-BB12-1AE274FB9FE9}"/>
+                  </a:ext>
+                </a:extLst>
+              </p:cNvPr>
+              <p:cNvSpPr txBox="1"/>
+              <p:nvPr/>
+            </p:nvSpPr>
+            <p:spPr>
+              <a:xfrm>
+                <a:off x="3735968" y="6892461"/>
+                <a:ext cx="1484810" cy="222037"/>
+              </a:xfrm>
+              <a:prstGeom prst="rect">
+                <a:avLst/>
+              </a:prstGeom>
+            </p:spPr>
+            <p:txBody>
+              <a:bodyPr vert="horz" wrap="square" lIns="0" tIns="12700" rIns="0" bIns="0" rtlCol="0">
+                <a:spAutoFit/>
+              </a:bodyPr>
+              <a:lstStyle/>
+              <a:p>
+                <a:pPr marL="407040" marR="5080" indent="-394975">
+                  <a:spcBef>
+                    <a:spcPts val="100"/>
+                  </a:spcBef>
+                </a:pPr>
+                <a:r>
+                  <a:rPr lang="pt-BR" sz="1100" dirty="0">
+                    <a:solidFill>
+                      <a:srgbClr val="FFFFFF"/>
+                    </a:solidFill>
+                    <a:latin typeface="Tahoma"/>
+                    <a:cs typeface="Tahoma"/>
+                  </a:rPr>
+                  <a:t>Aplicativo Android</a:t>
+                </a:r>
+                <a:endParaRPr sz="1100" dirty="0">
+                  <a:latin typeface="Tahoma"/>
+                  <a:cs typeface="Tahoma"/>
+                </a:endParaRPr>
+              </a:p>
+            </p:txBody>
+          </p:sp>
+        </p:grpSp>
+        <p:sp>
+          <p:nvSpPr>
+            <p:cNvPr id="119" name="object 34">
+              <a:extLst>
+                <a:ext uri="{FF2B5EF4-FFF2-40B4-BE49-F238E27FC236}">
+                  <a16:creationId xmlns:a16="http://schemas.microsoft.com/office/drawing/2014/main" id="{F9A86F89-7EEF-D8FF-6C8E-73329A73D0F6}"/>
+                </a:ext>
+              </a:extLst>
+            </p:cNvPr>
+            <p:cNvSpPr txBox="1"/>
+            <p:nvPr/>
+          </p:nvSpPr>
+          <p:spPr>
+            <a:xfrm>
+              <a:off x="2073362" y="4226297"/>
+              <a:ext cx="1331518" cy="215422"/>
+            </a:xfrm>
+            <a:prstGeom prst="rect">
+              <a:avLst/>
+            </a:prstGeom>
+          </p:spPr>
+          <p:txBody>
+            <a:bodyPr vert="horz" wrap="square" lIns="0" tIns="12700" rIns="0" bIns="0" rtlCol="0">
+              <a:spAutoFit/>
+            </a:bodyPr>
+            <a:lstStyle/>
+            <a:p>
+              <a:pPr algn="ctr">
+                <a:lnSpc>
+                  <a:spcPct val="100000"/>
+                </a:lnSpc>
+              </a:pPr>
+              <a:r>
+                <a:rPr lang="pt-BR" sz="1100" dirty="0">
+                  <a:solidFill>
+                    <a:srgbClr val="FFFFFF"/>
+                  </a:solidFill>
+                  <a:latin typeface="Tahoma"/>
+                  <a:cs typeface="Tahoma"/>
+                </a:rPr>
+                <a:t>[</a:t>
+              </a:r>
+              <a:r>
+                <a:rPr lang="pt-BR" sz="1100" spc="-10" dirty="0">
+                  <a:solidFill>
+                    <a:srgbClr val="FFFFFF"/>
+                  </a:solidFill>
+                  <a:latin typeface="Tahoma"/>
+                  <a:cs typeface="Tahoma"/>
+                </a:rPr>
+                <a:t>C</a:t>
+              </a:r>
+              <a:r>
+                <a:rPr lang="pt-BR" sz="1100" dirty="0">
+                  <a:solidFill>
+                    <a:srgbClr val="FFFFFF"/>
+                  </a:solidFill>
+                  <a:latin typeface="Tahoma"/>
+                  <a:cs typeface="Tahoma"/>
+                </a:rPr>
+                <a:t>ontaine</a:t>
+              </a:r>
+              <a:r>
+                <a:rPr lang="pt-BR" sz="1100" spc="-10" dirty="0">
+                  <a:solidFill>
+                    <a:srgbClr val="FFFFFF"/>
+                  </a:solidFill>
+                  <a:latin typeface="Tahoma"/>
+                  <a:cs typeface="Tahoma"/>
+                </a:rPr>
+                <a:t>r:</a:t>
+              </a:r>
+              <a:r>
+                <a:rPr lang="pt-BR" sz="1100" spc="-180" dirty="0">
+                  <a:solidFill>
+                    <a:srgbClr val="FFFFFF"/>
+                  </a:solidFill>
+                  <a:latin typeface="Tahoma"/>
+                  <a:cs typeface="Tahoma"/>
+                </a:rPr>
+                <a:t> </a:t>
+              </a:r>
+              <a:r>
+                <a:rPr lang="pt-BR" sz="1100" spc="60" dirty="0" err="1">
+                  <a:solidFill>
+                    <a:srgbClr val="FFFFFF"/>
+                  </a:solidFill>
+                  <a:latin typeface="Tahoma"/>
+                  <a:cs typeface="Tahoma"/>
+                </a:rPr>
+                <a:t>Kotlin</a:t>
+              </a:r>
+              <a:r>
+                <a:rPr lang="pt-BR" sz="1100" spc="-5" dirty="0">
+                  <a:solidFill>
+                    <a:srgbClr val="FFFFFF"/>
+                  </a:solidFill>
+                  <a:latin typeface="Tahoma"/>
+                  <a:cs typeface="Tahoma"/>
+                </a:rPr>
+                <a:t>]</a:t>
+              </a:r>
+              <a:endParaRPr lang="pt-BR" sz="1100" dirty="0">
+                <a:latin typeface="Tahoma"/>
+                <a:cs typeface="Tahoma"/>
+              </a:endParaRPr>
+            </a:p>
+          </p:txBody>
+        </p:sp>
+      </p:grpSp>
+      <p:grpSp>
+        <p:nvGrpSpPr>
+          <p:cNvPr id="129" name="Agrupar 128">
+            <a:extLst>
+              <a:ext uri="{FF2B5EF4-FFF2-40B4-BE49-F238E27FC236}">
+                <a16:creationId xmlns:a16="http://schemas.microsoft.com/office/drawing/2014/main" id="{2C8D2D4E-65F4-A3FA-F8F5-FFDFC4DBB27A}"/>
+              </a:ext>
+            </a:extLst>
+          </p:cNvPr>
+          <p:cNvGrpSpPr/>
+          <p:nvPr/>
+        </p:nvGrpSpPr>
+        <p:grpSpPr>
+          <a:xfrm>
+            <a:off x="3235029" y="5606343"/>
+            <a:ext cx="1829859" cy="1474733"/>
+            <a:chOff x="1598936" y="5661386"/>
+            <a:chExt cx="2234565" cy="1827530"/>
+          </a:xfrm>
+        </p:grpSpPr>
+        <p:grpSp>
+          <p:nvGrpSpPr>
+            <p:cNvPr id="130" name="Agrupar 129">
+              <a:extLst>
+                <a:ext uri="{FF2B5EF4-FFF2-40B4-BE49-F238E27FC236}">
+                  <a16:creationId xmlns:a16="http://schemas.microsoft.com/office/drawing/2014/main" id="{37320AFC-5D3F-6D98-D666-780AED7C75DB}"/>
+                </a:ext>
+              </a:extLst>
+            </p:cNvPr>
+            <p:cNvGrpSpPr/>
+            <p:nvPr/>
+          </p:nvGrpSpPr>
+          <p:grpSpPr>
+            <a:xfrm>
+              <a:off x="1598936" y="5661386"/>
+              <a:ext cx="2234565" cy="1827530"/>
+              <a:chOff x="9819439" y="4690875"/>
+              <a:chExt cx="2234565" cy="1827530"/>
+            </a:xfrm>
+          </p:grpSpPr>
+          <p:grpSp>
+            <p:nvGrpSpPr>
+              <p:cNvPr id="133" name="object 21">
+                <a:extLst>
+                  <a:ext uri="{FF2B5EF4-FFF2-40B4-BE49-F238E27FC236}">
+                    <a16:creationId xmlns:a16="http://schemas.microsoft.com/office/drawing/2014/main" id="{9E81E602-37B1-A560-AD4D-E0F6433A0382}"/>
+                  </a:ext>
+                </a:extLst>
+              </p:cNvPr>
+              <p:cNvGrpSpPr/>
+              <p:nvPr/>
+            </p:nvGrpSpPr>
+            <p:grpSpPr>
+              <a:xfrm>
+                <a:off x="9819439" y="4690875"/>
+                <a:ext cx="2234565" cy="1827530"/>
+                <a:chOff x="8965692" y="4175759"/>
+                <a:chExt cx="2234565" cy="1827530"/>
+              </a:xfrm>
+            </p:grpSpPr>
+            <p:sp>
+              <p:nvSpPr>
+                <p:cNvPr id="136" name="object 22">
+                  <a:extLst>
+                    <a:ext uri="{FF2B5EF4-FFF2-40B4-BE49-F238E27FC236}">
+                      <a16:creationId xmlns:a16="http://schemas.microsoft.com/office/drawing/2014/main" id="{99AB94CA-5605-539D-FE1D-BE5E63D2D0A8}"/>
+                    </a:ext>
+                  </a:extLst>
+                </p:cNvPr>
+                <p:cNvSpPr/>
+                <p:nvPr/>
+              </p:nvSpPr>
+              <p:spPr>
+                <a:xfrm>
+                  <a:off x="8965692" y="4175759"/>
+                  <a:ext cx="2234565" cy="1827530"/>
+                </a:xfrm>
+                <a:custGeom>
+                  <a:avLst/>
+                  <a:gdLst/>
+                  <a:ahLst/>
+                  <a:cxnLst/>
+                  <a:rect l="l" t="t" r="r" b="b"/>
+                  <a:pathLst>
+                    <a:path w="2234565" h="1827529">
+                      <a:moveTo>
+                        <a:pt x="2234183" y="0"/>
+                      </a:moveTo>
+                      <a:lnTo>
+                        <a:pt x="0" y="0"/>
+                      </a:lnTo>
+                      <a:lnTo>
+                        <a:pt x="0" y="1827276"/>
+                      </a:lnTo>
+                      <a:lnTo>
+                        <a:pt x="2234183" y="1827276"/>
+                      </a:lnTo>
+                      <a:lnTo>
+                        <a:pt x="2234183" y="0"/>
+                      </a:lnTo>
+                      <a:close/>
+                    </a:path>
+                  </a:pathLst>
+                </a:custGeom>
+                <a:solidFill>
+                  <a:srgbClr val="31B8CD"/>
+                </a:solidFill>
+              </p:spPr>
+              <p:txBody>
+                <a:bodyPr wrap="square" lIns="0" tIns="0" rIns="0" bIns="0" rtlCol="0"/>
+                <a:lstStyle/>
+                <a:p>
+                  <a:endParaRPr dirty="0"/>
+                </a:p>
+              </p:txBody>
+            </p:sp>
+            <p:sp>
+              <p:nvSpPr>
+                <p:cNvPr id="137" name="object 23">
+                  <a:extLst>
+                    <a:ext uri="{FF2B5EF4-FFF2-40B4-BE49-F238E27FC236}">
+                      <a16:creationId xmlns:a16="http://schemas.microsoft.com/office/drawing/2014/main" id="{1D2AFB33-A852-9482-7430-1A1161B0E9F7}"/>
+                    </a:ext>
+                  </a:extLst>
+                </p:cNvPr>
+                <p:cNvSpPr/>
+                <p:nvPr/>
+              </p:nvSpPr>
+              <p:spPr>
+                <a:xfrm>
+                  <a:off x="9014460" y="4230623"/>
+                  <a:ext cx="1757680" cy="187960"/>
+                </a:xfrm>
+                <a:custGeom>
+                  <a:avLst/>
+                  <a:gdLst/>
+                  <a:ahLst/>
+                  <a:cxnLst/>
+                  <a:rect l="l" t="t" r="r" b="b"/>
+                  <a:pathLst>
+                    <a:path w="1757679" h="187960">
+                      <a:moveTo>
+                        <a:pt x="0" y="187451"/>
+                      </a:moveTo>
+                      <a:lnTo>
+                        <a:pt x="1757172" y="187451"/>
+                      </a:lnTo>
+                      <a:lnTo>
+                        <a:pt x="1757172" y="0"/>
+                      </a:lnTo>
+                      <a:lnTo>
+                        <a:pt x="0" y="0"/>
+                      </a:lnTo>
+                      <a:lnTo>
+                        <a:pt x="0" y="187451"/>
+                      </a:lnTo>
+                      <a:close/>
+                    </a:path>
+                  </a:pathLst>
+                </a:custGeom>
+                <a:ln w="12700">
+                  <a:solidFill>
+                    <a:srgbClr val="E49217"/>
+                  </a:solidFill>
+                </a:ln>
+              </p:spPr>
+              <p:txBody>
+                <a:bodyPr wrap="square" lIns="0" tIns="0" rIns="0" bIns="0" rtlCol="0"/>
+                <a:lstStyle/>
+                <a:p>
+                  <a:endParaRPr/>
+                </a:p>
+              </p:txBody>
+            </p:sp>
+            <p:pic>
+              <p:nvPicPr>
+                <p:cNvPr id="138" name="object 24">
+                  <a:extLst>
+                    <a:ext uri="{FF2B5EF4-FFF2-40B4-BE49-F238E27FC236}">
+                      <a16:creationId xmlns:a16="http://schemas.microsoft.com/office/drawing/2014/main" id="{9BFBA736-8155-1037-20BB-F09BED1FC9D7}"/>
+                    </a:ext>
+                  </a:extLst>
+                </p:cNvPr>
+                <p:cNvPicPr/>
+                <p:nvPr/>
+              </p:nvPicPr>
+              <p:blipFill>
+                <a:blip r:embed="rId2" cstate="print"/>
+                <a:stretch>
+                  <a:fillRect/>
+                </a:stretch>
+              </p:blipFill>
+              <p:spPr>
+                <a:xfrm>
+                  <a:off x="10975848" y="4240910"/>
+                  <a:ext cx="150875" cy="168401"/>
+                </a:xfrm>
+                <a:prstGeom prst="rect">
+                  <a:avLst/>
+                </a:prstGeom>
+              </p:spPr>
+            </p:pic>
+            <p:pic>
+              <p:nvPicPr>
+                <p:cNvPr id="140" name="object 25">
+                  <a:extLst>
+                    <a:ext uri="{FF2B5EF4-FFF2-40B4-BE49-F238E27FC236}">
+                      <a16:creationId xmlns:a16="http://schemas.microsoft.com/office/drawing/2014/main" id="{3B3FD3A1-18A0-0250-59FE-A7B28BE01276}"/>
+                    </a:ext>
+                  </a:extLst>
+                </p:cNvPr>
+                <p:cNvPicPr/>
+                <p:nvPr/>
+              </p:nvPicPr>
+              <p:blipFill>
+                <a:blip r:embed="rId3" cstate="print"/>
+                <a:stretch>
+                  <a:fillRect/>
+                </a:stretch>
+              </p:blipFill>
+              <p:spPr>
+                <a:xfrm>
+                  <a:off x="10831703" y="4230242"/>
+                  <a:ext cx="105282" cy="178434"/>
+                </a:xfrm>
+                <a:prstGeom prst="rect">
+                  <a:avLst/>
+                </a:prstGeom>
+              </p:spPr>
+            </p:pic>
+          </p:grpSp>
+          <p:sp>
+            <p:nvSpPr>
+              <p:cNvPr id="134" name="CaixaDeTexto 133">
+                <a:extLst>
+                  <a:ext uri="{FF2B5EF4-FFF2-40B4-BE49-F238E27FC236}">
+                    <a16:creationId xmlns:a16="http://schemas.microsoft.com/office/drawing/2014/main" id="{01A90FF7-6CF2-2010-261D-109EB01253ED}"/>
+                  </a:ext>
+                </a:extLst>
+              </p:cNvPr>
+              <p:cNvSpPr txBox="1"/>
+              <p:nvPr/>
+            </p:nvSpPr>
+            <p:spPr>
+              <a:xfrm>
+                <a:off x="9917075" y="4957102"/>
+                <a:ext cx="2039287" cy="345889"/>
+              </a:xfrm>
+              <a:prstGeom prst="rect">
+                <a:avLst/>
+              </a:prstGeom>
+              <a:noFill/>
+            </p:spPr>
+            <p:txBody>
+              <a:bodyPr wrap="square">
+                <a:spAutoFit/>
+              </a:bodyPr>
+              <a:lstStyle/>
+              <a:p>
+                <a:pPr algn="ctr"/>
+                <a:r>
+                  <a:rPr lang="pt-BR" sz="1300" b="1" spc="-85" dirty="0" err="1">
+                    <a:solidFill>
+                      <a:srgbClr val="FFFFFF"/>
+                    </a:solidFill>
+                    <a:latin typeface="Tahoma"/>
+                    <a:cs typeface="Tahoma"/>
+                  </a:rPr>
+                  <a:t>ClientSide</a:t>
+                </a:r>
+                <a:r>
+                  <a:rPr lang="pt-BR" sz="1300" b="1" spc="-85" dirty="0">
+                    <a:solidFill>
+                      <a:srgbClr val="FFFFFF"/>
+                    </a:solidFill>
+                    <a:latin typeface="Tahoma"/>
+                    <a:cs typeface="Tahoma"/>
+                  </a:rPr>
+                  <a:t> WEB</a:t>
+                </a:r>
+              </a:p>
+            </p:txBody>
+          </p:sp>
+        </p:grpSp>
+        <p:sp>
+          <p:nvSpPr>
+            <p:cNvPr id="131" name="object 34">
+              <a:extLst>
+                <a:ext uri="{FF2B5EF4-FFF2-40B4-BE49-F238E27FC236}">
+                  <a16:creationId xmlns:a16="http://schemas.microsoft.com/office/drawing/2014/main" id="{304C2155-65FE-E80C-105C-98B2445C32AA}"/>
+                </a:ext>
+              </a:extLst>
+            </p:cNvPr>
+            <p:cNvSpPr txBox="1"/>
+            <p:nvPr/>
+          </p:nvSpPr>
+          <p:spPr>
+            <a:xfrm>
+              <a:off x="1758568" y="6339894"/>
+              <a:ext cx="1915293" cy="215422"/>
+            </a:xfrm>
+            <a:prstGeom prst="rect">
+              <a:avLst/>
+            </a:prstGeom>
+          </p:spPr>
+          <p:txBody>
+            <a:bodyPr vert="horz" wrap="square" lIns="0" tIns="12700" rIns="0" bIns="0" rtlCol="0">
+              <a:spAutoFit/>
+            </a:bodyPr>
+            <a:lstStyle/>
+            <a:p>
+              <a:pPr algn="ctr"/>
+              <a:r>
+                <a:rPr lang="pt-BR" sz="1100" dirty="0">
+                  <a:solidFill>
+                    <a:prstClr val="white"/>
+                  </a:solidFill>
+                  <a:latin typeface="Calibri"/>
+                </a:rPr>
+                <a:t>[Container: </a:t>
+              </a:r>
+              <a:r>
+                <a:rPr lang="pt-BR" sz="1100" dirty="0" err="1">
+                  <a:solidFill>
+                    <a:prstClr val="white"/>
+                  </a:solidFill>
+                  <a:latin typeface="Calibri"/>
+                </a:rPr>
+                <a:t>ReactJS</a:t>
+              </a:r>
+              <a:r>
+                <a:rPr lang="pt-BR" sz="1100" dirty="0">
+                  <a:solidFill>
+                    <a:prstClr val="white"/>
+                  </a:solidFill>
+                  <a:latin typeface="Calibri"/>
+                </a:rPr>
+                <a:t>]</a:t>
+              </a:r>
+            </a:p>
+          </p:txBody>
+        </p:sp>
+        <p:sp>
+          <p:nvSpPr>
+            <p:cNvPr id="132" name="object 34">
+              <a:extLst>
+                <a:ext uri="{FF2B5EF4-FFF2-40B4-BE49-F238E27FC236}">
+                  <a16:creationId xmlns:a16="http://schemas.microsoft.com/office/drawing/2014/main" id="{317D2246-58BA-B0AC-F47E-CF190501678B}"/>
+                </a:ext>
+              </a:extLst>
+            </p:cNvPr>
+            <p:cNvSpPr txBox="1"/>
+            <p:nvPr/>
+          </p:nvSpPr>
+          <p:spPr>
+            <a:xfrm>
+              <a:off x="1749643" y="6977935"/>
+              <a:ext cx="1915293" cy="415673"/>
+            </a:xfrm>
+            <a:prstGeom prst="rect">
+              <a:avLst/>
+            </a:prstGeom>
+          </p:spPr>
+          <p:txBody>
+            <a:bodyPr vert="horz" wrap="square" lIns="0" tIns="12700" rIns="0" bIns="0" rtlCol="0">
+              <a:spAutoFit/>
+            </a:bodyPr>
+            <a:lstStyle/>
+            <a:p>
+              <a:pPr algn="ctr"/>
+              <a:r>
+                <a:rPr lang="pt-BR" sz="1100" dirty="0">
+                  <a:solidFill>
+                    <a:prstClr val="white"/>
+                  </a:solidFill>
+                  <a:latin typeface="Calibri"/>
+                </a:rPr>
+                <a:t>Site institucional e aplicação com Dashboard</a:t>
+              </a:r>
+            </a:p>
+          </p:txBody>
+        </p:sp>
+      </p:grpSp>
+      <p:grpSp>
+        <p:nvGrpSpPr>
+          <p:cNvPr id="141" name="Agrupar 140">
+            <a:extLst>
+              <a:ext uri="{FF2B5EF4-FFF2-40B4-BE49-F238E27FC236}">
+                <a16:creationId xmlns:a16="http://schemas.microsoft.com/office/drawing/2014/main" id="{F53E684D-2CF0-1C94-FDCF-C236E494A4CA}"/>
+              </a:ext>
+            </a:extLst>
+          </p:cNvPr>
+          <p:cNvGrpSpPr/>
+          <p:nvPr/>
+        </p:nvGrpSpPr>
+        <p:grpSpPr>
+          <a:xfrm>
+            <a:off x="7082008" y="6021866"/>
+            <a:ext cx="1948106" cy="1488336"/>
+            <a:chOff x="5866940" y="3624505"/>
+            <a:chExt cx="1997403" cy="1736449"/>
+          </a:xfrm>
+        </p:grpSpPr>
+        <p:sp>
+          <p:nvSpPr>
+            <p:cNvPr id="142" name="Retângulo 141">
+              <a:extLst>
+                <a:ext uri="{FF2B5EF4-FFF2-40B4-BE49-F238E27FC236}">
+                  <a16:creationId xmlns:a16="http://schemas.microsoft.com/office/drawing/2014/main" id="{F89CAAA2-CB51-C2FF-A2B6-AFDB6E614DD9}"/>
+                </a:ext>
+              </a:extLst>
+            </p:cNvPr>
+            <p:cNvSpPr/>
+            <p:nvPr/>
+          </p:nvSpPr>
+          <p:spPr>
+            <a:xfrm>
+              <a:off x="5866940" y="3624505"/>
+              <a:ext cx="1997403" cy="1736449"/>
+            </a:xfrm>
+            <a:prstGeom prst="rect">
+              <a:avLst/>
+            </a:prstGeom>
+            <a:solidFill>
+              <a:srgbClr val="32B9CD"/>
+            </a:solidFill>
+            <a:ln/>
+          </p:spPr>
+          <p:style>
+            <a:lnRef idx="2">
+              <a:schemeClr val="accent5">
+                <a:shade val="50000"/>
+              </a:schemeClr>
+            </a:lnRef>
+            <a:fillRef idx="1">
+              <a:schemeClr val="accent5"/>
+            </a:fillRef>
+            <a:effectRef idx="0">
+              <a:schemeClr val="accent5"/>
+            </a:effectRef>
+            <a:fontRef idx="minor">
+              <a:schemeClr val="lt1"/>
+            </a:fontRef>
+          </p:style>
+          <p:txBody>
+            <a:bodyPr rtlCol="0" anchor="ctr"/>
+            <a:lstStyle/>
+            <a:p>
+              <a:pPr algn="ctr"/>
+              <a:endParaRPr lang="pt-BR" sz="1700" b="1" spc="-85" dirty="0">
+                <a:solidFill>
+                  <a:srgbClr val="FFFFFF"/>
+                </a:solidFill>
+                <a:latin typeface="Tahoma"/>
+                <a:cs typeface="Tahoma"/>
+              </a:endParaRPr>
+            </a:p>
+            <a:p>
+              <a:pPr algn="ctr"/>
+              <a:endParaRPr lang="pt-BR" sz="1400" dirty="0">
+                <a:solidFill>
+                  <a:prstClr val="white"/>
+                </a:solidFill>
+                <a:latin typeface="Calibri"/>
+              </a:endParaRPr>
+            </a:p>
+          </p:txBody>
+        </p:sp>
+        <p:sp>
+          <p:nvSpPr>
+            <p:cNvPr id="143" name="object 34">
+              <a:extLst>
+                <a:ext uri="{FF2B5EF4-FFF2-40B4-BE49-F238E27FC236}">
+                  <a16:creationId xmlns:a16="http://schemas.microsoft.com/office/drawing/2014/main" id="{EC356AF6-C1FC-8616-C1FB-FA60A0BCF737}"/>
+                </a:ext>
+              </a:extLst>
+            </p:cNvPr>
+            <p:cNvSpPr txBox="1"/>
+            <p:nvPr/>
+          </p:nvSpPr>
+          <p:spPr>
+            <a:xfrm>
+              <a:off x="5969827" y="4167187"/>
+              <a:ext cx="1754448" cy="240021"/>
+            </a:xfrm>
+            <a:prstGeom prst="rect">
+              <a:avLst/>
+            </a:prstGeom>
+          </p:spPr>
+          <p:txBody>
+            <a:bodyPr vert="horz" wrap="square" lIns="0" tIns="12700" rIns="0" bIns="0" rtlCol="0">
+              <a:spAutoFit/>
+            </a:bodyPr>
+            <a:lstStyle/>
+            <a:p>
+              <a:pPr algn="ctr"/>
+              <a:r>
+                <a:rPr lang="pt-BR" sz="1200" dirty="0">
+                  <a:solidFill>
+                    <a:srgbClr val="FFFFFF"/>
+                  </a:solidFill>
+                  <a:latin typeface="Tahoma"/>
+                  <a:cs typeface="Tahoma"/>
+                </a:rPr>
+                <a:t>[</a:t>
+              </a:r>
+              <a:r>
+                <a:rPr lang="pt-BR" sz="1200" dirty="0">
+                  <a:solidFill>
+                    <a:prstClr val="white"/>
+                  </a:solidFill>
+                  <a:latin typeface="Calibri"/>
+                </a:rPr>
+                <a:t>Container – API BFF]</a:t>
+              </a:r>
+            </a:p>
+          </p:txBody>
+        </p:sp>
+        <p:sp>
+          <p:nvSpPr>
+            <p:cNvPr id="144" name="object 34">
+              <a:extLst>
+                <a:ext uri="{FF2B5EF4-FFF2-40B4-BE49-F238E27FC236}">
+                  <a16:creationId xmlns:a16="http://schemas.microsoft.com/office/drawing/2014/main" id="{A94725B6-7B98-0A63-5B64-58CC52AA19A2}"/>
+                </a:ext>
+              </a:extLst>
+            </p:cNvPr>
+            <p:cNvSpPr txBox="1"/>
+            <p:nvPr/>
+          </p:nvSpPr>
+          <p:spPr>
+            <a:xfrm>
+              <a:off x="6199882" y="4811177"/>
+              <a:ext cx="1331518" cy="464455"/>
+            </a:xfrm>
+            <a:prstGeom prst="rect">
+              <a:avLst/>
+            </a:prstGeom>
+          </p:spPr>
+          <p:txBody>
+            <a:bodyPr vert="horz" wrap="square" lIns="0" tIns="12700" rIns="0" bIns="0" rtlCol="0">
+              <a:spAutoFit/>
+            </a:bodyPr>
+            <a:lstStyle/>
+            <a:p>
+              <a:pPr algn="ctr"/>
+              <a:r>
+                <a:rPr lang="pt-BR" sz="1200" dirty="0">
+                  <a:solidFill>
+                    <a:prstClr val="white"/>
+                  </a:solidFill>
+                  <a:latin typeface="Calibri"/>
+                </a:rPr>
+                <a:t>API para iteração </a:t>
+              </a:r>
+              <a:r>
+                <a:rPr lang="pt-BR" sz="1200">
+                  <a:solidFill>
+                    <a:prstClr val="white"/>
+                  </a:solidFill>
+                  <a:latin typeface="Calibri"/>
+                </a:rPr>
+                <a:t>de recursos</a:t>
+              </a:r>
+              <a:endParaRPr lang="pt-BR" sz="1200" dirty="0">
+                <a:solidFill>
+                  <a:prstClr val="white"/>
+                </a:solidFill>
+                <a:latin typeface="Calibri"/>
+              </a:endParaRPr>
+            </a:p>
+          </p:txBody>
+        </p:sp>
+        <p:sp>
+          <p:nvSpPr>
+            <p:cNvPr id="146" name="object 34">
+              <a:extLst>
+                <a:ext uri="{FF2B5EF4-FFF2-40B4-BE49-F238E27FC236}">
+                  <a16:creationId xmlns:a16="http://schemas.microsoft.com/office/drawing/2014/main" id="{51640F9E-0129-3312-CE82-C0097AE0B3C5}"/>
+                </a:ext>
+              </a:extLst>
+            </p:cNvPr>
+            <p:cNvSpPr txBox="1"/>
+            <p:nvPr/>
+          </p:nvSpPr>
+          <p:spPr>
+            <a:xfrm>
+              <a:off x="6199882" y="3697983"/>
+              <a:ext cx="1331518" cy="259045"/>
+            </a:xfrm>
+            <a:prstGeom prst="rect">
+              <a:avLst/>
+            </a:prstGeom>
+          </p:spPr>
+          <p:txBody>
+            <a:bodyPr vert="horz" wrap="square" lIns="0" tIns="12700" rIns="0" bIns="0" rtlCol="0">
+              <a:spAutoFit/>
+            </a:bodyPr>
+            <a:lstStyle/>
+            <a:p>
+              <a:pPr algn="ctr">
+                <a:spcBef>
+                  <a:spcPts val="110"/>
+                </a:spcBef>
+              </a:pPr>
+              <a:r>
+                <a:rPr lang="pt-BR" sz="1600" b="1" spc="-114" dirty="0" err="1">
+                  <a:solidFill>
+                    <a:srgbClr val="FFFFFF"/>
+                  </a:solidFill>
+                  <a:latin typeface="Tahoma"/>
+                  <a:cs typeface="Tahoma"/>
+                </a:rPr>
+                <a:t>Microservice</a:t>
+              </a:r>
+              <a:endParaRPr lang="pt-BR" sz="1600" b="1" spc="-114" dirty="0">
+                <a:solidFill>
+                  <a:srgbClr val="FFFFFF"/>
+                </a:solidFill>
+                <a:latin typeface="Tahoma"/>
+                <a:cs typeface="Tahoma"/>
+              </a:endParaRPr>
+            </a:p>
+          </p:txBody>
+        </p:sp>
+      </p:grpSp>
+      <p:grpSp>
+        <p:nvGrpSpPr>
+          <p:cNvPr id="147" name="Agrupar 146">
+            <a:extLst>
+              <a:ext uri="{FF2B5EF4-FFF2-40B4-BE49-F238E27FC236}">
+                <a16:creationId xmlns:a16="http://schemas.microsoft.com/office/drawing/2014/main" id="{DB9756B3-C19E-3124-1A3A-9200E93C005E}"/>
+              </a:ext>
+            </a:extLst>
+          </p:cNvPr>
+          <p:cNvGrpSpPr/>
+          <p:nvPr/>
+        </p:nvGrpSpPr>
+        <p:grpSpPr>
+          <a:xfrm>
+            <a:off x="7536739" y="2501677"/>
+            <a:ext cx="1947600" cy="1486800"/>
+            <a:chOff x="5866940" y="3624505"/>
+            <a:chExt cx="1997403" cy="1736449"/>
+          </a:xfrm>
+        </p:grpSpPr>
+        <p:sp>
+          <p:nvSpPr>
+            <p:cNvPr id="148" name="Retângulo 147">
+              <a:extLst>
+                <a:ext uri="{FF2B5EF4-FFF2-40B4-BE49-F238E27FC236}">
+                  <a16:creationId xmlns:a16="http://schemas.microsoft.com/office/drawing/2014/main" id="{E5124614-EE9E-E5BA-E80A-BAF81F324E62}"/>
+                </a:ext>
+              </a:extLst>
+            </p:cNvPr>
+            <p:cNvSpPr/>
+            <p:nvPr/>
+          </p:nvSpPr>
+          <p:spPr>
+            <a:xfrm>
+              <a:off x="5866940" y="3624505"/>
+              <a:ext cx="1997403" cy="1736449"/>
+            </a:xfrm>
+            <a:prstGeom prst="rect">
+              <a:avLst/>
+            </a:prstGeom>
+            <a:solidFill>
+              <a:srgbClr val="32B9CD"/>
+            </a:solidFill>
+            <a:ln/>
+          </p:spPr>
+          <p:style>
+            <a:lnRef idx="2">
+              <a:schemeClr val="accent5">
+                <a:shade val="50000"/>
+              </a:schemeClr>
+            </a:lnRef>
+            <a:fillRef idx="1">
+              <a:schemeClr val="accent5"/>
+            </a:fillRef>
+            <a:effectRef idx="0">
+              <a:schemeClr val="accent5"/>
+            </a:effectRef>
+            <a:fontRef idx="minor">
+              <a:schemeClr val="lt1"/>
+            </a:fontRef>
+          </p:style>
+          <p:txBody>
+            <a:bodyPr rtlCol="0" anchor="ctr"/>
+            <a:lstStyle/>
+            <a:p>
+              <a:pPr algn="ctr"/>
+              <a:endParaRPr lang="pt-BR" sz="1700" b="1" spc="-85" dirty="0">
+                <a:solidFill>
+                  <a:srgbClr val="FFFFFF"/>
+                </a:solidFill>
+                <a:latin typeface="Tahoma"/>
+                <a:cs typeface="Tahoma"/>
+              </a:endParaRPr>
+            </a:p>
+            <a:p>
+              <a:pPr algn="ctr"/>
+              <a:endParaRPr lang="pt-BR" sz="1400" dirty="0">
+                <a:solidFill>
+                  <a:prstClr val="white"/>
+                </a:solidFill>
+                <a:latin typeface="Calibri"/>
+              </a:endParaRPr>
+            </a:p>
+          </p:txBody>
+        </p:sp>
+        <p:sp>
+          <p:nvSpPr>
+            <p:cNvPr id="149" name="object 34">
+              <a:extLst>
+                <a:ext uri="{FF2B5EF4-FFF2-40B4-BE49-F238E27FC236}">
+                  <a16:creationId xmlns:a16="http://schemas.microsoft.com/office/drawing/2014/main" id="{7C526B18-B382-F45F-E870-6A9F3B08A020}"/>
+                </a:ext>
+              </a:extLst>
+            </p:cNvPr>
+            <p:cNvSpPr txBox="1"/>
+            <p:nvPr/>
+          </p:nvSpPr>
+          <p:spPr>
+            <a:xfrm>
+              <a:off x="5969827" y="4167187"/>
+              <a:ext cx="1754447" cy="382156"/>
+            </a:xfrm>
+            <a:prstGeom prst="rect">
+              <a:avLst/>
+            </a:prstGeom>
+          </p:spPr>
+          <p:txBody>
+            <a:bodyPr vert="horz" wrap="square" lIns="0" tIns="12700" rIns="0" bIns="0" rtlCol="0">
+              <a:spAutoFit/>
+            </a:bodyPr>
+            <a:lstStyle/>
+            <a:p>
+              <a:pPr algn="ctr"/>
+              <a:r>
+                <a:rPr lang="pt-BR" sz="1200" dirty="0">
+                  <a:solidFill>
+                    <a:srgbClr val="FFFFFF"/>
+                  </a:solidFill>
+                  <a:latin typeface="Tahoma"/>
+                  <a:cs typeface="Tahoma"/>
+                </a:rPr>
+                <a:t>[</a:t>
+              </a:r>
+              <a:r>
+                <a:rPr lang="pt-BR" sz="1200" dirty="0">
+                  <a:solidFill>
+                    <a:prstClr val="white"/>
+                  </a:solidFill>
+                  <a:latin typeface="Calibri"/>
+                </a:rPr>
+                <a:t>Container – Java </a:t>
+              </a:r>
+              <a:r>
+                <a:rPr lang="pt-BR" sz="1200" dirty="0" err="1">
+                  <a:solidFill>
+                    <a:prstClr val="white"/>
+                  </a:solidFill>
+                  <a:latin typeface="Calibri"/>
+                </a:rPr>
+                <a:t>SpringBoot</a:t>
+              </a:r>
+              <a:r>
+                <a:rPr lang="pt-BR" sz="1200" dirty="0">
+                  <a:solidFill>
+                    <a:prstClr val="white"/>
+                  </a:solidFill>
+                  <a:latin typeface="Calibri"/>
+                </a:rPr>
+                <a:t>]</a:t>
+              </a:r>
+            </a:p>
+          </p:txBody>
+        </p:sp>
+        <p:sp>
+          <p:nvSpPr>
+            <p:cNvPr id="151" name="object 34">
+              <a:extLst>
+                <a:ext uri="{FF2B5EF4-FFF2-40B4-BE49-F238E27FC236}">
+                  <a16:creationId xmlns:a16="http://schemas.microsoft.com/office/drawing/2014/main" id="{ED8A96DA-E96E-1C63-5F7D-54E5FE37917C}"/>
+                </a:ext>
+              </a:extLst>
+            </p:cNvPr>
+            <p:cNvSpPr txBox="1"/>
+            <p:nvPr/>
+          </p:nvSpPr>
+          <p:spPr>
+            <a:xfrm>
+              <a:off x="6199882" y="4873861"/>
+              <a:ext cx="1331518" cy="382156"/>
+            </a:xfrm>
+            <a:prstGeom prst="rect">
+              <a:avLst/>
+            </a:prstGeom>
+          </p:spPr>
+          <p:txBody>
+            <a:bodyPr vert="horz" wrap="square" lIns="0" tIns="12700" rIns="0" bIns="0" rtlCol="0">
+              <a:spAutoFit/>
+            </a:bodyPr>
+            <a:lstStyle/>
+            <a:p>
+              <a:pPr algn="ctr"/>
+              <a:r>
+                <a:rPr lang="pt-BR" sz="1200" dirty="0">
+                  <a:solidFill>
+                    <a:prstClr val="white"/>
+                  </a:solidFill>
+                  <a:latin typeface="Calibri"/>
+                </a:rPr>
+                <a:t>API de cadastros e integrações</a:t>
+              </a:r>
+            </a:p>
+          </p:txBody>
+        </p:sp>
+        <p:sp>
+          <p:nvSpPr>
+            <p:cNvPr id="152" name="object 34">
+              <a:extLst>
+                <a:ext uri="{FF2B5EF4-FFF2-40B4-BE49-F238E27FC236}">
+                  <a16:creationId xmlns:a16="http://schemas.microsoft.com/office/drawing/2014/main" id="{563017F5-FA99-983B-ADCE-69E4EF044D32}"/>
+                </a:ext>
+              </a:extLst>
+            </p:cNvPr>
+            <p:cNvSpPr txBox="1"/>
+            <p:nvPr/>
+          </p:nvSpPr>
+          <p:spPr>
+            <a:xfrm>
+              <a:off x="6199882" y="3697983"/>
+              <a:ext cx="1331518" cy="259045"/>
+            </a:xfrm>
+            <a:prstGeom prst="rect">
+              <a:avLst/>
+            </a:prstGeom>
+          </p:spPr>
+          <p:txBody>
+            <a:bodyPr vert="horz" wrap="square" lIns="0" tIns="12700" rIns="0" bIns="0" rtlCol="0">
+              <a:spAutoFit/>
+            </a:bodyPr>
+            <a:lstStyle/>
+            <a:p>
+              <a:pPr algn="ctr">
+                <a:spcBef>
+                  <a:spcPts val="110"/>
+                </a:spcBef>
+              </a:pPr>
+              <a:r>
+                <a:rPr lang="pt-BR" sz="1600" b="1" spc="-114" dirty="0" err="1">
+                  <a:solidFill>
+                    <a:srgbClr val="FFFFFF"/>
+                  </a:solidFill>
+                  <a:latin typeface="Tahoma"/>
+                  <a:cs typeface="Tahoma"/>
+                </a:rPr>
+                <a:t>Microservice</a:t>
+              </a:r>
+              <a:endParaRPr lang="pt-BR" sz="1600" b="1" spc="-114" dirty="0">
+                <a:solidFill>
+                  <a:srgbClr val="FFFFFF"/>
+                </a:solidFill>
+                <a:latin typeface="Tahoma"/>
+                <a:cs typeface="Tahoma"/>
+              </a:endParaRPr>
+            </a:p>
+          </p:txBody>
+        </p:sp>
+      </p:grpSp>
+      <p:cxnSp>
+        <p:nvCxnSpPr>
+          <p:cNvPr id="153" name="Conector de Seta Reta 152">
+            <a:extLst>
+              <a:ext uri="{FF2B5EF4-FFF2-40B4-BE49-F238E27FC236}">
+                <a16:creationId xmlns:a16="http://schemas.microsoft.com/office/drawing/2014/main" id="{969863B2-B082-4DE8-36DC-91763D1194E6}"/>
+              </a:ext>
+            </a:extLst>
+          </p:cNvPr>
+          <p:cNvCxnSpPr>
+            <a:cxnSpLocks/>
+            <a:stCxn id="148" idx="0"/>
+          </p:cNvCxnSpPr>
+          <p:nvPr/>
+        </p:nvCxnSpPr>
+        <p:spPr>
+          <a:xfrm flipH="1" flipV="1">
+            <a:off x="8492412" y="1325196"/>
+            <a:ext cx="18127" cy="1176481"/>
+          </a:xfrm>
+          <a:prstGeom prst="straightConnector1">
+            <a:avLst/>
+          </a:prstGeom>
+          <a:ln>
+            <a:solidFill>
+              <a:schemeClr val="tx1"/>
+            </a:solidFill>
+            <a:tailEnd type="triangle"/>
+          </a:ln>
+        </p:spPr>
+        <p:style>
+          <a:lnRef idx="1">
+            <a:schemeClr val="accent1"/>
+          </a:lnRef>
+          <a:fillRef idx="0">
+            <a:schemeClr val="accent1"/>
+          </a:fillRef>
+          <a:effectRef idx="0">
+            <a:schemeClr val="accent1"/>
+          </a:effectRef>
+          <a:fontRef idx="minor">
+            <a:schemeClr val="tx1"/>
+          </a:fontRef>
+        </p:style>
+      </p:cxnSp>
+      <p:cxnSp>
+        <p:nvCxnSpPr>
+          <p:cNvPr id="156" name="Conector reto 155">
+            <a:extLst>
+              <a:ext uri="{FF2B5EF4-FFF2-40B4-BE49-F238E27FC236}">
+                <a16:creationId xmlns:a16="http://schemas.microsoft.com/office/drawing/2014/main" id="{DB32F54E-F103-F239-09D3-CB670E574E31}"/>
+              </a:ext>
+            </a:extLst>
+          </p:cNvPr>
+          <p:cNvCxnSpPr>
+            <a:cxnSpLocks/>
+          </p:cNvCxnSpPr>
+          <p:nvPr/>
+        </p:nvCxnSpPr>
+        <p:spPr>
+          <a:xfrm flipH="1" flipV="1">
+            <a:off x="7889403" y="1602517"/>
+            <a:ext cx="15185" cy="897366"/>
+          </a:xfrm>
+          <a:prstGeom prst="line">
+            <a:avLst/>
+          </a:prstGeom>
+          <a:ln>
+            <a:solidFill>
+              <a:schemeClr val="tx1"/>
+            </a:solidFill>
+          </a:ln>
+        </p:spPr>
+        <p:style>
+          <a:lnRef idx="1">
+            <a:schemeClr val="accent1"/>
+          </a:lnRef>
+          <a:fillRef idx="0">
+            <a:schemeClr val="accent1"/>
+          </a:fillRef>
+          <a:effectRef idx="0">
+            <a:schemeClr val="accent1"/>
+          </a:effectRef>
+          <a:fontRef idx="minor">
+            <a:schemeClr val="tx1"/>
+          </a:fontRef>
+        </p:style>
+      </p:cxnSp>
+      <p:cxnSp>
+        <p:nvCxnSpPr>
+          <p:cNvPr id="158" name="Conector reto 157">
+            <a:extLst>
+              <a:ext uri="{FF2B5EF4-FFF2-40B4-BE49-F238E27FC236}">
+                <a16:creationId xmlns:a16="http://schemas.microsoft.com/office/drawing/2014/main" id="{93AD1638-A8AD-9698-BFB5-F8A8CB0F0E5B}"/>
+              </a:ext>
+            </a:extLst>
+          </p:cNvPr>
+          <p:cNvCxnSpPr>
+            <a:cxnSpLocks/>
+          </p:cNvCxnSpPr>
+          <p:nvPr/>
+        </p:nvCxnSpPr>
+        <p:spPr>
+          <a:xfrm flipH="1" flipV="1">
+            <a:off x="2039264" y="1572097"/>
+            <a:ext cx="5854857" cy="22316"/>
+          </a:xfrm>
+          <a:prstGeom prst="line">
+            <a:avLst/>
+          </a:prstGeom>
+          <a:ln>
+            <a:solidFill>
+              <a:schemeClr val="tx1"/>
+            </a:solidFill>
+          </a:ln>
+        </p:spPr>
+        <p:style>
+          <a:lnRef idx="1">
+            <a:schemeClr val="accent1"/>
+          </a:lnRef>
+          <a:fillRef idx="0">
+            <a:schemeClr val="accent1"/>
+          </a:fillRef>
+          <a:effectRef idx="0">
+            <a:schemeClr val="accent1"/>
+          </a:effectRef>
+          <a:fontRef idx="minor">
+            <a:schemeClr val="tx1"/>
+          </a:fontRef>
+        </p:style>
+      </p:cxnSp>
+      <p:cxnSp>
+        <p:nvCxnSpPr>
+          <p:cNvPr id="159" name="Conector de Seta Reta 158">
+            <a:extLst>
+              <a:ext uri="{FF2B5EF4-FFF2-40B4-BE49-F238E27FC236}">
+                <a16:creationId xmlns:a16="http://schemas.microsoft.com/office/drawing/2014/main" id="{1E4D2CBC-8101-6CD3-6A20-EBAB82A547CD}"/>
+              </a:ext>
+            </a:extLst>
+          </p:cNvPr>
+          <p:cNvCxnSpPr>
+            <a:cxnSpLocks/>
+            <a:endCxn id="60" idx="2"/>
+          </p:cNvCxnSpPr>
+          <p:nvPr/>
+        </p:nvCxnSpPr>
+        <p:spPr>
+          <a:xfrm flipV="1">
+            <a:off x="2039264" y="1325196"/>
+            <a:ext cx="0" cy="236476"/>
+          </a:xfrm>
+          <a:prstGeom prst="straightConnector1">
+            <a:avLst/>
+          </a:prstGeom>
+          <a:ln>
+            <a:solidFill>
+              <a:schemeClr val="tx1"/>
+            </a:solidFill>
+            <a:tailEnd type="triangle"/>
+          </a:ln>
+        </p:spPr>
+        <p:style>
+          <a:lnRef idx="1">
+            <a:schemeClr val="accent1"/>
+          </a:lnRef>
+          <a:fillRef idx="0">
+            <a:schemeClr val="accent1"/>
+          </a:fillRef>
+          <a:effectRef idx="0">
+            <a:schemeClr val="accent1"/>
+          </a:effectRef>
+          <a:fontRef idx="minor">
+            <a:schemeClr val="tx1"/>
+          </a:fontRef>
+        </p:style>
+      </p:cxnSp>
+      <p:cxnSp>
+        <p:nvCxnSpPr>
+          <p:cNvPr id="166" name="Conector de Seta Reta 165">
+            <a:extLst>
+              <a:ext uri="{FF2B5EF4-FFF2-40B4-BE49-F238E27FC236}">
+                <a16:creationId xmlns:a16="http://schemas.microsoft.com/office/drawing/2014/main" id="{81D40959-316A-EF82-FE62-3EA8B36A7B0E}"/>
+              </a:ext>
+            </a:extLst>
+          </p:cNvPr>
+          <p:cNvCxnSpPr>
+            <a:cxnSpLocks/>
+            <a:stCxn id="148" idx="3"/>
+            <a:endCxn id="66" idx="2"/>
+          </p:cNvCxnSpPr>
+          <p:nvPr/>
+        </p:nvCxnSpPr>
+        <p:spPr>
+          <a:xfrm flipV="1">
+            <a:off x="9484339" y="3236797"/>
+            <a:ext cx="1552579" cy="8280"/>
+          </a:xfrm>
+          <a:prstGeom prst="straightConnector1">
+            <a:avLst/>
+          </a:prstGeom>
+          <a:ln>
+            <a:solidFill>
+              <a:schemeClr val="tx1"/>
+            </a:solidFill>
+            <a:tailEnd type="triangle"/>
+          </a:ln>
+        </p:spPr>
+        <p:style>
+          <a:lnRef idx="1">
+            <a:schemeClr val="accent1"/>
+          </a:lnRef>
+          <a:fillRef idx="0">
+            <a:schemeClr val="accent1"/>
+          </a:fillRef>
+          <a:effectRef idx="0">
+            <a:schemeClr val="accent1"/>
+          </a:effectRef>
+          <a:fontRef idx="minor">
+            <a:schemeClr val="tx1"/>
+          </a:fontRef>
+        </p:style>
+      </p:cxnSp>
+      <p:cxnSp>
+        <p:nvCxnSpPr>
+          <p:cNvPr id="170" name="Conector de Seta Reta 169">
+            <a:extLst>
+              <a:ext uri="{FF2B5EF4-FFF2-40B4-BE49-F238E27FC236}">
+                <a16:creationId xmlns:a16="http://schemas.microsoft.com/office/drawing/2014/main" id="{B6AC61A8-DB06-4CDC-72A2-1863B7BF23EE}"/>
+              </a:ext>
+            </a:extLst>
+          </p:cNvPr>
+          <p:cNvCxnSpPr>
+            <a:cxnSpLocks/>
+            <a:endCxn id="148" idx="2"/>
+          </p:cNvCxnSpPr>
+          <p:nvPr/>
+        </p:nvCxnSpPr>
+        <p:spPr>
+          <a:xfrm flipV="1">
+            <a:off x="8510539" y="3988477"/>
+            <a:ext cx="0" cy="2033389"/>
+          </a:xfrm>
+          <a:prstGeom prst="straightConnector1">
+            <a:avLst/>
+          </a:prstGeom>
+          <a:ln>
+            <a:solidFill>
+              <a:schemeClr val="tx1"/>
+            </a:solidFill>
+            <a:tailEnd type="triangle"/>
+          </a:ln>
+        </p:spPr>
+        <p:style>
+          <a:lnRef idx="1">
+            <a:schemeClr val="accent1"/>
+          </a:lnRef>
+          <a:fillRef idx="0">
+            <a:schemeClr val="accent1"/>
+          </a:fillRef>
+          <a:effectRef idx="0">
+            <a:schemeClr val="accent1"/>
+          </a:effectRef>
+          <a:fontRef idx="minor">
+            <a:schemeClr val="tx1"/>
+          </a:fontRef>
+        </p:style>
+      </p:cxnSp>
+      <p:cxnSp>
+        <p:nvCxnSpPr>
+          <p:cNvPr id="179" name="Conector reto 178">
+            <a:extLst>
+              <a:ext uri="{FF2B5EF4-FFF2-40B4-BE49-F238E27FC236}">
+                <a16:creationId xmlns:a16="http://schemas.microsoft.com/office/drawing/2014/main" id="{70614E3D-6478-5651-C952-B7E66CCEB04B}"/>
+              </a:ext>
+            </a:extLst>
+          </p:cNvPr>
+          <p:cNvCxnSpPr>
+            <a:cxnSpLocks/>
+          </p:cNvCxnSpPr>
+          <p:nvPr/>
+        </p:nvCxnSpPr>
+        <p:spPr>
+          <a:xfrm flipH="1" flipV="1">
+            <a:off x="5986793" y="3257350"/>
+            <a:ext cx="18719" cy="3086204"/>
+          </a:xfrm>
+          <a:prstGeom prst="line">
+            <a:avLst/>
+          </a:prstGeom>
+          <a:ln>
+            <a:solidFill>
+              <a:schemeClr val="tx1"/>
+            </a:solidFill>
+          </a:ln>
+        </p:spPr>
+        <p:style>
+          <a:lnRef idx="1">
+            <a:schemeClr val="accent1"/>
+          </a:lnRef>
+          <a:fillRef idx="0">
+            <a:schemeClr val="accent1"/>
+          </a:fillRef>
+          <a:effectRef idx="0">
+            <a:schemeClr val="accent1"/>
+          </a:effectRef>
+          <a:fontRef idx="minor">
+            <a:schemeClr val="tx1"/>
+          </a:fontRef>
+        </p:style>
+      </p:cxnSp>
+      <p:cxnSp>
+        <p:nvCxnSpPr>
+          <p:cNvPr id="183" name="Conector reto 182">
+            <a:extLst>
+              <a:ext uri="{FF2B5EF4-FFF2-40B4-BE49-F238E27FC236}">
+                <a16:creationId xmlns:a16="http://schemas.microsoft.com/office/drawing/2014/main" id="{83C72927-FBB2-BEE5-AA14-23B0F51784B5}"/>
+              </a:ext>
+            </a:extLst>
+          </p:cNvPr>
+          <p:cNvCxnSpPr>
+            <a:cxnSpLocks/>
+            <a:stCxn id="34" idx="3"/>
+          </p:cNvCxnSpPr>
+          <p:nvPr/>
+        </p:nvCxnSpPr>
+        <p:spPr>
+          <a:xfrm>
+            <a:off x="5187143" y="6343554"/>
+            <a:ext cx="818369" cy="0"/>
+          </a:xfrm>
+          <a:prstGeom prst="line">
+            <a:avLst/>
+          </a:prstGeom>
+          <a:ln>
+            <a:solidFill>
+              <a:schemeClr val="tx1"/>
+            </a:solidFill>
+          </a:ln>
+        </p:spPr>
+        <p:style>
+          <a:lnRef idx="1">
+            <a:schemeClr val="accent1"/>
+          </a:lnRef>
+          <a:fillRef idx="0">
+            <a:schemeClr val="accent1"/>
+          </a:fillRef>
+          <a:effectRef idx="0">
+            <a:schemeClr val="accent1"/>
+          </a:effectRef>
+          <a:fontRef idx="minor">
+            <a:schemeClr val="tx1"/>
+          </a:fontRef>
+        </p:style>
+      </p:cxnSp>
+      <p:cxnSp>
+        <p:nvCxnSpPr>
+          <p:cNvPr id="186" name="Conector de Seta Reta 185">
+            <a:extLst>
+              <a:ext uri="{FF2B5EF4-FFF2-40B4-BE49-F238E27FC236}">
+                <a16:creationId xmlns:a16="http://schemas.microsoft.com/office/drawing/2014/main" id="{CAAD2B99-1E7F-52CA-5854-C5EE2BAA40F7}"/>
+              </a:ext>
+            </a:extLst>
+          </p:cNvPr>
+          <p:cNvCxnSpPr>
+            <a:cxnSpLocks/>
+            <a:endCxn id="148" idx="1"/>
+          </p:cNvCxnSpPr>
+          <p:nvPr/>
+        </p:nvCxnSpPr>
+        <p:spPr>
+          <a:xfrm flipV="1">
+            <a:off x="5176869" y="3245077"/>
+            <a:ext cx="2359870" cy="12273"/>
+          </a:xfrm>
+          <a:prstGeom prst="straightConnector1">
+            <a:avLst/>
+          </a:prstGeom>
+          <a:ln>
+            <a:solidFill>
+              <a:schemeClr val="tx1"/>
+            </a:solidFill>
+            <a:tailEnd type="triangle"/>
+          </a:ln>
+        </p:spPr>
+        <p:style>
+          <a:lnRef idx="1">
+            <a:schemeClr val="accent1"/>
+          </a:lnRef>
+          <a:fillRef idx="0">
+            <a:schemeClr val="accent1"/>
+          </a:fillRef>
+          <a:effectRef idx="0">
+            <a:schemeClr val="accent1"/>
+          </a:effectRef>
+          <a:fontRef idx="minor">
+            <a:schemeClr val="tx1"/>
+          </a:fontRef>
+        </p:style>
+      </p:cxnSp>
+      <p:sp>
+        <p:nvSpPr>
+          <p:cNvPr id="4" name="Retângulo 29">
+            <a:extLst>
+              <a:ext uri="{FF2B5EF4-FFF2-40B4-BE49-F238E27FC236}">
+                <a16:creationId xmlns:a16="http://schemas.microsoft.com/office/drawing/2014/main" id="{33B3FC83-CB75-D3E3-3D3E-16CFBEC07A53}"/>
+              </a:ext>
+            </a:extLst>
+          </p:cNvPr>
+          <p:cNvSpPr/>
+          <p:nvPr/>
+        </p:nvSpPr>
+        <p:spPr>
+          <a:xfrm>
+            <a:off x="626725" y="2165926"/>
+            <a:ext cx="5025777" cy="5488005"/>
+          </a:xfrm>
+          <a:custGeom>
+            <a:avLst/>
+            <a:gdLst>
+              <a:gd name="connsiteX0" fmla="*/ 0 w 4911977"/>
+              <a:gd name="connsiteY0" fmla="*/ 0 h 5111415"/>
+              <a:gd name="connsiteX1" fmla="*/ 4911977 w 4911977"/>
+              <a:gd name="connsiteY1" fmla="*/ 0 h 5111415"/>
+              <a:gd name="connsiteX2" fmla="*/ 4911977 w 4911977"/>
+              <a:gd name="connsiteY2" fmla="*/ 5111415 h 5111415"/>
+              <a:gd name="connsiteX3" fmla="*/ 0 w 4911977"/>
+              <a:gd name="connsiteY3" fmla="*/ 5111415 h 5111415"/>
+              <a:gd name="connsiteX4" fmla="*/ 0 w 4911977"/>
+              <a:gd name="connsiteY4" fmla="*/ 0 h 5111415"/>
+              <a:gd name="connsiteX0" fmla="*/ 0 w 4911977"/>
+              <a:gd name="connsiteY0" fmla="*/ 0 h 5111415"/>
+              <a:gd name="connsiteX1" fmla="*/ 4911977 w 4911977"/>
+              <a:gd name="connsiteY1" fmla="*/ 0 h 5111415"/>
+              <a:gd name="connsiteX2" fmla="*/ 4908884 w 4911977"/>
+              <a:gd name="connsiteY2" fmla="*/ 1034716 h 5111415"/>
+              <a:gd name="connsiteX3" fmla="*/ 4911977 w 4911977"/>
+              <a:gd name="connsiteY3" fmla="*/ 5111415 h 5111415"/>
+              <a:gd name="connsiteX4" fmla="*/ 0 w 4911977"/>
+              <a:gd name="connsiteY4" fmla="*/ 5111415 h 5111415"/>
+              <a:gd name="connsiteX5" fmla="*/ 0 w 4911977"/>
+              <a:gd name="connsiteY5" fmla="*/ 0 h 5111415"/>
+            </a:gdLst>
+            <a:ahLst/>
+            <a:cxnLst>
+              <a:cxn ang="0">
+                <a:pos x="connsiteX0" y="connsiteY0"/>
+              </a:cxn>
+              <a:cxn ang="0">
+                <a:pos x="connsiteX1" y="connsiteY1"/>
+              </a:cxn>
+              <a:cxn ang="0">
+                <a:pos x="connsiteX2" y="connsiteY2"/>
+              </a:cxn>
+              <a:cxn ang="0">
+                <a:pos x="connsiteX3" y="connsiteY3"/>
+              </a:cxn>
+              <a:cxn ang="0">
+                <a:pos x="connsiteX4" y="connsiteY4"/>
+              </a:cxn>
+              <a:cxn ang="0">
+                <a:pos x="connsiteX5" y="connsiteY5"/>
+              </a:cxn>
+            </a:cxnLst>
+            <a:rect l="l" t="t" r="r" b="b"/>
+            <a:pathLst>
+              <a:path w="4911977" h="5111415">
+                <a:moveTo>
+                  <a:pt x="0" y="0"/>
+                </a:moveTo>
+                <a:lnTo>
+                  <a:pt x="4911977" y="0"/>
+                </a:lnTo>
+                <a:lnTo>
+                  <a:pt x="4908884" y="1034716"/>
+                </a:lnTo>
+                <a:lnTo>
+                  <a:pt x="4911977" y="5111415"/>
+                </a:lnTo>
+                <a:lnTo>
+                  <a:pt x="0" y="5111415"/>
+                </a:lnTo>
+                <a:lnTo>
+                  <a:pt x="0" y="0"/>
+                </a:lnTo>
+                <a:close/>
+              </a:path>
+            </a:pathLst>
+          </a:custGeom>
+          <a:noFill/>
+          <a:ln>
+            <a:solidFill>
+              <a:srgbClr val="253746"/>
+            </a:solidFill>
+            <a:prstDash val="dash"/>
+          </a:ln>
+        </p:spPr>
+        <p:style>
+          <a:lnRef idx="2">
+            <a:schemeClr val="accent1">
+              <a:shade val="50000"/>
+            </a:schemeClr>
+          </a:lnRef>
+          <a:fillRef idx="1">
+            <a:schemeClr val="accent1"/>
+          </a:fillRef>
+          <a:effectRef idx="0">
+            <a:schemeClr val="accent1"/>
+          </a:effectRef>
+          <a:fontRef idx="minor">
+            <a:schemeClr val="lt1"/>
+          </a:fontRef>
+        </p:style>
+        <p:txBody>
+          <a:bodyPr rtlCol="0" anchor="ctr"/>
+          <a:lstStyle/>
+          <a:p>
+            <a:pPr algn="ctr"/>
+            <a:endParaRPr lang="pt-BR" sz="1632">
+              <a:solidFill>
+                <a:prstClr val="white"/>
+              </a:solidFill>
+              <a:latin typeface="Calibri"/>
+            </a:endParaRPr>
+          </a:p>
+        </p:txBody>
+      </p:sp>
+      <p:sp>
+        <p:nvSpPr>
+          <p:cNvPr id="20" name="CaixaDeTexto 19">
+            <a:extLst>
+              <a:ext uri="{FF2B5EF4-FFF2-40B4-BE49-F238E27FC236}">
+                <a16:creationId xmlns:a16="http://schemas.microsoft.com/office/drawing/2014/main" id="{ADB988B4-5F0F-8C57-6998-77806471B540}"/>
+              </a:ext>
+            </a:extLst>
+          </p:cNvPr>
+          <p:cNvSpPr txBox="1"/>
+          <p:nvPr/>
+        </p:nvSpPr>
+        <p:spPr>
+          <a:xfrm>
+            <a:off x="112189" y="2236454"/>
+            <a:ext cx="2616845" cy="307777"/>
+          </a:xfrm>
+          <a:prstGeom prst="rect">
+            <a:avLst/>
+          </a:prstGeom>
+          <a:noFill/>
+        </p:spPr>
+        <p:txBody>
+          <a:bodyPr wrap="square">
+            <a:spAutoFit/>
+          </a:bodyPr>
+          <a:lstStyle/>
+          <a:p>
+            <a:pPr algn="ctr"/>
+            <a:r>
+              <a:rPr lang="pt-BR" sz="1400" b="1" spc="-85" dirty="0">
+                <a:solidFill>
+                  <a:srgbClr val="000000"/>
+                </a:solidFill>
+                <a:latin typeface="Calibri" panose="020F0502020204030204" pitchFamily="34" charset="0"/>
+                <a:cs typeface="Calibri" panose="020F0502020204030204" pitchFamily="34" charset="0"/>
+              </a:rPr>
+              <a:t>Protocolo HTTPS</a:t>
+            </a:r>
+            <a:endParaRPr lang="pt-BR" sz="1400" dirty="0">
+              <a:solidFill>
+                <a:srgbClr val="000000"/>
+              </a:solidFill>
+              <a:latin typeface="Calibri" panose="020F0502020204030204" pitchFamily="34" charset="0"/>
+              <a:cs typeface="Calibri" panose="020F0502020204030204" pitchFamily="34" charset="0"/>
+            </a:endParaRPr>
+          </a:p>
+        </p:txBody>
+      </p:sp>
+      <p:sp>
+        <p:nvSpPr>
+          <p:cNvPr id="24" name="CaixaDeTexto 23">
+            <a:extLst>
+              <a:ext uri="{FF2B5EF4-FFF2-40B4-BE49-F238E27FC236}">
+                <a16:creationId xmlns:a16="http://schemas.microsoft.com/office/drawing/2014/main" id="{F999939F-6680-E91A-69DE-99C183D817F6}"/>
+              </a:ext>
+            </a:extLst>
+          </p:cNvPr>
+          <p:cNvSpPr txBox="1"/>
+          <p:nvPr/>
+        </p:nvSpPr>
+        <p:spPr>
+          <a:xfrm>
+            <a:off x="8001910" y="5383748"/>
+            <a:ext cx="2616845" cy="338554"/>
+          </a:xfrm>
+          <a:prstGeom prst="rect">
+            <a:avLst/>
+          </a:prstGeom>
+          <a:noFill/>
+        </p:spPr>
+        <p:txBody>
+          <a:bodyPr wrap="square">
+            <a:spAutoFit/>
+          </a:bodyPr>
+          <a:lstStyle/>
+          <a:p>
+            <a:pPr algn="ctr"/>
+            <a:r>
+              <a:rPr lang="pt-BR" sz="1600" b="1" spc="-85" dirty="0" err="1">
+                <a:solidFill>
+                  <a:srgbClr val="000000"/>
+                </a:solidFill>
+                <a:latin typeface="Calibri" panose="020F0502020204030204" pitchFamily="34" charset="0"/>
+                <a:cs typeface="Calibri" panose="020F0502020204030204" pitchFamily="34" charset="0"/>
+              </a:rPr>
+              <a:t>Amazon</a:t>
+            </a:r>
+            <a:r>
+              <a:rPr lang="pt-BR" sz="1600" b="1" spc="-85" dirty="0">
+                <a:solidFill>
+                  <a:srgbClr val="000000"/>
+                </a:solidFill>
+                <a:latin typeface="Calibri" panose="020F0502020204030204" pitchFamily="34" charset="0"/>
+                <a:cs typeface="Calibri" panose="020F0502020204030204" pitchFamily="34" charset="0"/>
+              </a:rPr>
+              <a:t> EC2</a:t>
+            </a:r>
+            <a:endParaRPr lang="pt-BR" sz="1500" dirty="0">
+              <a:solidFill>
+                <a:srgbClr val="000000"/>
+              </a:solidFill>
+              <a:latin typeface="Calibri" panose="020F0502020204030204" pitchFamily="34" charset="0"/>
+              <a:cs typeface="Calibri" panose="020F0502020204030204" pitchFamily="34" charset="0"/>
+            </a:endParaRPr>
+          </a:p>
+        </p:txBody>
+      </p:sp>
+      <p:grpSp>
+        <p:nvGrpSpPr>
+          <p:cNvPr id="27" name="Agrupar 26">
+            <a:extLst>
+              <a:ext uri="{FF2B5EF4-FFF2-40B4-BE49-F238E27FC236}">
+                <a16:creationId xmlns:a16="http://schemas.microsoft.com/office/drawing/2014/main" id="{E0D5AEE9-7F68-503E-4B6E-DAA978A89797}"/>
+              </a:ext>
+            </a:extLst>
+          </p:cNvPr>
+          <p:cNvGrpSpPr/>
+          <p:nvPr/>
+        </p:nvGrpSpPr>
+        <p:grpSpPr>
+          <a:xfrm>
+            <a:off x="6523175" y="4221562"/>
+            <a:ext cx="1101599" cy="907123"/>
+            <a:chOff x="5866940" y="3624505"/>
+            <a:chExt cx="1997403" cy="1736449"/>
+          </a:xfrm>
+        </p:grpSpPr>
+        <p:sp>
+          <p:nvSpPr>
+            <p:cNvPr id="28" name="Retângulo 27">
+              <a:extLst>
+                <a:ext uri="{FF2B5EF4-FFF2-40B4-BE49-F238E27FC236}">
+                  <a16:creationId xmlns:a16="http://schemas.microsoft.com/office/drawing/2014/main" id="{9E7B05F1-8030-D101-366D-B30F87F30D25}"/>
+                </a:ext>
+              </a:extLst>
+            </p:cNvPr>
+            <p:cNvSpPr/>
+            <p:nvPr/>
+          </p:nvSpPr>
+          <p:spPr>
+            <a:xfrm>
+              <a:off x="5866940" y="3624505"/>
+              <a:ext cx="1997403" cy="1736449"/>
+            </a:xfrm>
+            <a:prstGeom prst="rect">
+              <a:avLst/>
+            </a:prstGeom>
+            <a:solidFill>
+              <a:srgbClr val="32B9CD"/>
+            </a:solidFill>
+            <a:ln/>
+          </p:spPr>
+          <p:style>
+            <a:lnRef idx="2">
+              <a:schemeClr val="accent5">
+                <a:shade val="50000"/>
+              </a:schemeClr>
+            </a:lnRef>
+            <a:fillRef idx="1">
+              <a:schemeClr val="accent5"/>
+            </a:fillRef>
+            <a:effectRef idx="0">
+              <a:schemeClr val="accent5"/>
+            </a:effectRef>
+            <a:fontRef idx="minor">
+              <a:schemeClr val="lt1"/>
+            </a:fontRef>
+          </p:style>
+          <p:txBody>
+            <a:bodyPr rtlCol="0" anchor="ctr"/>
+            <a:lstStyle/>
+            <a:p>
+              <a:pPr algn="ctr"/>
+              <a:endParaRPr lang="pt-BR" sz="1700" b="1" spc="-85" dirty="0">
+                <a:solidFill>
+                  <a:srgbClr val="FFFFFF"/>
+                </a:solidFill>
+                <a:latin typeface="Tahoma"/>
+                <a:cs typeface="Tahoma"/>
+              </a:endParaRPr>
+            </a:p>
+            <a:p>
+              <a:pPr algn="ctr"/>
+              <a:endParaRPr lang="pt-BR" sz="1400" dirty="0">
+                <a:solidFill>
+                  <a:prstClr val="white"/>
+                </a:solidFill>
+                <a:latin typeface="Calibri"/>
+              </a:endParaRPr>
+            </a:p>
+          </p:txBody>
+        </p:sp>
+        <p:sp>
+          <p:nvSpPr>
+            <p:cNvPr id="31" name="object 34">
+              <a:extLst>
+                <a:ext uri="{FF2B5EF4-FFF2-40B4-BE49-F238E27FC236}">
+                  <a16:creationId xmlns:a16="http://schemas.microsoft.com/office/drawing/2014/main" id="{02D774C2-F15F-3373-59CA-0C435E3D7080}"/>
+                </a:ext>
+              </a:extLst>
+            </p:cNvPr>
+            <p:cNvSpPr txBox="1"/>
+            <p:nvPr/>
+          </p:nvSpPr>
+          <p:spPr>
+            <a:xfrm>
+              <a:off x="6199881" y="3727903"/>
+              <a:ext cx="1331518" cy="436959"/>
+            </a:xfrm>
+            <a:prstGeom prst="rect">
+              <a:avLst/>
+            </a:prstGeom>
+          </p:spPr>
+          <p:txBody>
+            <a:bodyPr vert="horz" wrap="square" lIns="0" tIns="12700" rIns="0" bIns="0" rtlCol="0">
+              <a:spAutoFit/>
+            </a:bodyPr>
+            <a:lstStyle/>
+            <a:p>
+              <a:pPr algn="ctr">
+                <a:spcBef>
+                  <a:spcPts val="110"/>
+                </a:spcBef>
+              </a:pPr>
+              <a:r>
+                <a:rPr lang="pt-BR" sz="1400" b="1" spc="-114" dirty="0">
+                  <a:solidFill>
+                    <a:srgbClr val="FFFFFF"/>
+                  </a:solidFill>
+                  <a:latin typeface="Tahoma"/>
+                  <a:cs typeface="Tahoma"/>
+                </a:rPr>
+                <a:t>Jenkins</a:t>
+              </a:r>
+              <a:endParaRPr lang="pt-BR" sz="1600" b="1" spc="-114" dirty="0">
+                <a:solidFill>
+                  <a:srgbClr val="FFFFFF"/>
+                </a:solidFill>
+                <a:latin typeface="Tahoma"/>
+                <a:cs typeface="Tahoma"/>
+              </a:endParaRPr>
+            </a:p>
+          </p:txBody>
+        </p:sp>
+      </p:grpSp>
+      <p:sp>
+        <p:nvSpPr>
+          <p:cNvPr id="32" name="object 34">
+            <a:extLst>
+              <a:ext uri="{FF2B5EF4-FFF2-40B4-BE49-F238E27FC236}">
+                <a16:creationId xmlns:a16="http://schemas.microsoft.com/office/drawing/2014/main" id="{8ED19FCE-6F07-0201-83AE-AD02D10FD0FC}"/>
+              </a:ext>
+            </a:extLst>
+          </p:cNvPr>
+          <p:cNvSpPr txBox="1"/>
+          <p:nvPr/>
+        </p:nvSpPr>
+        <p:spPr>
+          <a:xfrm>
+            <a:off x="6433893" y="4777035"/>
+            <a:ext cx="1298318" cy="197490"/>
+          </a:xfrm>
+          <a:prstGeom prst="rect">
+            <a:avLst/>
+          </a:prstGeom>
+        </p:spPr>
+        <p:txBody>
+          <a:bodyPr vert="horz" wrap="square" lIns="0" tIns="12700" rIns="0" bIns="0" rtlCol="0">
+            <a:spAutoFit/>
+          </a:bodyPr>
+          <a:lstStyle/>
+          <a:p>
+            <a:pPr algn="ctr"/>
+            <a:r>
+              <a:rPr lang="pt-BR" sz="1200" dirty="0">
+                <a:solidFill>
+                  <a:prstClr val="white"/>
+                </a:solidFill>
+                <a:latin typeface="Calibri"/>
+              </a:rPr>
+              <a:t>Teste de Carga</a:t>
+            </a:r>
+          </a:p>
+        </p:txBody>
+      </p:sp>
+      <p:cxnSp>
+        <p:nvCxnSpPr>
+          <p:cNvPr id="49" name="Conector reto 48">
+            <a:extLst>
+              <a:ext uri="{FF2B5EF4-FFF2-40B4-BE49-F238E27FC236}">
+                <a16:creationId xmlns:a16="http://schemas.microsoft.com/office/drawing/2014/main" id="{8D390D23-4CD8-67A0-7842-B9A72E38183A}"/>
+              </a:ext>
+            </a:extLst>
+          </p:cNvPr>
+          <p:cNvCxnSpPr>
+            <a:cxnSpLocks/>
+          </p:cNvCxnSpPr>
+          <p:nvPr/>
+        </p:nvCxnSpPr>
+        <p:spPr>
+          <a:xfrm>
+            <a:off x="7637061" y="4675123"/>
+            <a:ext cx="873477" cy="0"/>
+          </a:xfrm>
+          <a:prstGeom prst="line">
+            <a:avLst/>
+          </a:prstGeom>
+          <a:ln>
+            <a:solidFill>
+              <a:schemeClr val="tx1"/>
+            </a:solidFill>
+          </a:ln>
+        </p:spPr>
+        <p:style>
+          <a:lnRef idx="1">
+            <a:schemeClr val="accent1"/>
+          </a:lnRef>
+          <a:fillRef idx="0">
+            <a:schemeClr val="accent1"/>
+          </a:fillRef>
+          <a:effectRef idx="0">
+            <a:schemeClr val="accent1"/>
+          </a:effectRef>
+          <a:fontRef idx="minor">
+            <a:schemeClr val="tx1"/>
+          </a:fontRef>
+        </p:style>
+      </p:cxnSp>
+    </p:spTree>
+    <p:extLst>
+      <p:ext uri="{BB962C8B-B14F-4D97-AF65-F5344CB8AC3E}">
+        <p14:creationId xmlns:p14="http://schemas.microsoft.com/office/powerpoint/2010/main" val="964672477"/>
+      </p:ext>
+    </p:extLst>
+  </p:cSld>
+  <p:clrMapOvr>
+    <a:masterClrMapping/>
+  </p:clrMapOvr>
+</p:sld>
+</file>
+
 <file path=ppt/theme/theme1.xml><?xml version="1.0" encoding="utf-8"?>
 <a:theme xmlns:a="http://schemas.openxmlformats.org/drawingml/2006/main" name="Tema do Office">
   <a:themeElements>
@@ -19710,6 +26014,18 @@
 </file>
 
 <file path=customXml/item1.xml><?xml version="1.0" encoding="utf-8"?>
+<Control xmlns="http://schemas.microsoft.com/VisualStudio/2011/storyboarding/control">
+  <Id Name="System.Storyboarding.Common.Button" Revision="1" Stencil="System.Storyboarding.Common" StencilVersion="0.1"/>
+</Control>
+</file>
+
+<file path=customXml/item2.xml><?xml version="1.0" encoding="utf-8"?>
+<Control xmlns="http://schemas.microsoft.com/VisualStudio/2011/storyboarding/control">
+  <Id Name="System.Storyboarding.Common.Button" Revision="1" Stencil="System.Storyboarding.Common" StencilVersion="0.1"/>
+</Control>
+</file>
+
+<file path=customXml/item3.xml><?xml version="1.0" encoding="utf-8"?>
 <ct:contentTypeSchema xmlns:ct="http://schemas.microsoft.com/office/2006/metadata/contentType" xmlns:ma="http://schemas.microsoft.com/office/2006/metadata/properties/metaAttributes" ct:_="" ma:_="" ma:contentTypeName="Documento" ma:contentTypeID="0x0101005BCFD60EB5786A4FA7A50863B29D06BF" ma:contentTypeVersion="16" ma:contentTypeDescription="Crie um novo documento." ma:contentTypeScope="" ma:versionID="ce742301f31a707380e747eb29dd9cd7">
   <xsd:schema xmlns:xsd="http://www.w3.org/2001/XMLSchema" xmlns:xs="http://www.w3.org/2001/XMLSchema" xmlns:p="http://schemas.microsoft.com/office/2006/metadata/properties" xmlns:ns1="http://schemas.microsoft.com/sharepoint/v3" xmlns:ns3="424eaa3c-edcb-471f-9d16-88b142ae501b" xmlns:ns4="ae3465d0-501b-432c-bd69-e1f0f70c6adb" targetNamespace="http://schemas.microsoft.com/office/2006/metadata/properties" ma:root="true" ma:fieldsID="71e7e835bfb666c65930b179462b13a5" ns1:_="" ns3:_="" ns4:_="">
     <xsd:import namespace="http://schemas.microsoft.com/sharepoint/v3"/>
@@ -19953,22 +26269,13 @@
 </ct:contentTypeSchema>
 </file>
 
-<file path=customXml/item2.xml><?xml version="1.0" encoding="utf-8"?>
-<Control xmlns="http://schemas.microsoft.com/VisualStudio/2011/storyboarding/control">
-  <Id Name="System.Storyboarding.Common.Button" Revision="1" Stencil="System.Storyboarding.Common" StencilVersion="0.1"/>
-</Control>
-</file>
-
-<file path=customXml/item3.xml><?xml version="1.0" encoding="utf-8"?>
-<Control xmlns="http://schemas.microsoft.com/VisualStudio/2011/storyboarding/control">
-  <Id Name="System.Storyboarding.Common.Button" Revision="1" Stencil="System.Storyboarding.Common" StencilVersion="0.1"/>
-</Control>
-</file>
-
 <file path=customXml/item4.xml><?xml version="1.0" encoding="utf-8"?>
-<Control xmlns="http://schemas.microsoft.com/VisualStudio/2011/storyboarding/control">
-  <Id Name="System.Storyboarding.Common.MousePointer" Revision="1" Stencil="System.Storyboarding.Common" StencilVersion="0.1"/>
-</Control>
+<?mso-contentType ?>
+<FormTemplates xmlns="http://schemas.microsoft.com/sharepoint/v3/contenttype/forms">
+  <Display>DocumentLibraryForm</Display>
+  <Edit>DocumentLibraryForm</Edit>
+  <New>DocumentLibraryForm</New>
+</FormTemplates>
 </file>
 
 <file path=customXml/item5.xml><?xml version="1.0" encoding="utf-8"?>
@@ -19982,15 +26289,28 @@
 </file>
 
 <file path=customXml/item6.xml><?xml version="1.0" encoding="utf-8"?>
-<?mso-contentType ?>
-<FormTemplates xmlns="http://schemas.microsoft.com/sharepoint/v3/contenttype/forms">
-  <Display>DocumentLibraryForm</Display>
-  <Edit>DocumentLibraryForm</Edit>
-  <New>DocumentLibraryForm</New>
-</FormTemplates>
+<Control xmlns="http://schemas.microsoft.com/VisualStudio/2011/storyboarding/control">
+  <Id Name="System.Storyboarding.Common.MousePointer" Revision="1" Stencil="System.Storyboarding.Common" StencilVersion="0.1"/>
+</Control>
 </file>
 
 <file path=customXml/itemProps1.xml><?xml version="1.0" encoding="utf-8"?>
+<ds:datastoreItem xmlns:ds="http://schemas.openxmlformats.org/officeDocument/2006/customXml" ds:itemID="{2B9E37B2-BF22-4497-90EF-CDCA3440008E}">
+  <ds:schemaRefs>
+    <ds:schemaRef ds:uri="http://schemas.microsoft.com/VisualStudio/2011/storyboarding/control"/>
+  </ds:schemaRefs>
+</ds:datastoreItem>
+</file>
+
+<file path=customXml/itemProps2.xml><?xml version="1.0" encoding="utf-8"?>
+<ds:datastoreItem xmlns:ds="http://schemas.openxmlformats.org/officeDocument/2006/customXml" ds:itemID="{89972C15-A741-472E-B305-DD97487358F0}">
+  <ds:schemaRefs>
+    <ds:schemaRef ds:uri="http://schemas.microsoft.com/VisualStudio/2011/storyboarding/control"/>
+  </ds:schemaRefs>
+</ds:datastoreItem>
+</file>
+
+<file path=customXml/itemProps3.xml><?xml version="1.0" encoding="utf-8"?>
 <ds:datastoreItem xmlns:ds="http://schemas.openxmlformats.org/officeDocument/2006/customXml" ds:itemID="{F5F5C2E8-8E64-4D4C-88D0-40191D45C8A1}">
   <ds:schemaRefs>
     <ds:schemaRef ds:uri="http://schemas.microsoft.com/office/2006/metadata/contentType"/>
@@ -20010,26 +26330,10 @@
 </ds:datastoreItem>
 </file>
 
-<file path=customXml/itemProps2.xml><?xml version="1.0" encoding="utf-8"?>
-<ds:datastoreItem xmlns:ds="http://schemas.openxmlformats.org/officeDocument/2006/customXml" ds:itemID="{89972C15-A741-472E-B305-DD97487358F0}">
+<file path=customXml/itemProps4.xml><?xml version="1.0" encoding="utf-8"?>
+<ds:datastoreItem xmlns:ds="http://schemas.openxmlformats.org/officeDocument/2006/customXml" ds:itemID="{322D719F-42DD-4016-903B-69ACFB494284}">
   <ds:schemaRefs>
-    <ds:schemaRef ds:uri="http://schemas.microsoft.com/VisualStudio/2011/storyboarding/control"/>
-  </ds:schemaRefs>
-</ds:datastoreItem>
-</file>
-
-<file path=customXml/itemProps3.xml><?xml version="1.0" encoding="utf-8"?>
-<ds:datastoreItem xmlns:ds="http://schemas.openxmlformats.org/officeDocument/2006/customXml" ds:itemID="{2B9E37B2-BF22-4497-90EF-CDCA3440008E}">
-  <ds:schemaRefs>
-    <ds:schemaRef ds:uri="http://schemas.microsoft.com/VisualStudio/2011/storyboarding/control"/>
-  </ds:schemaRefs>
-</ds:datastoreItem>
-</file>
-
-<file path=customXml/itemProps4.xml><?xml version="1.0" encoding="utf-8"?>
-<ds:datastoreItem xmlns:ds="http://schemas.openxmlformats.org/officeDocument/2006/customXml" ds:itemID="{817C9E37-650B-4CCF-B951-DE51C8217DA2}">
-  <ds:schemaRefs>
-    <ds:schemaRef ds:uri="http://schemas.microsoft.com/VisualStudio/2011/storyboarding/control"/>
+    <ds:schemaRef ds:uri="http://schemas.microsoft.com/sharepoint/v3/contenttype/forms"/>
   </ds:schemaRefs>
 </ds:datastoreItem>
 </file>
@@ -20053,9 +26357,9 @@
 </file>
 
 <file path=customXml/itemProps6.xml><?xml version="1.0" encoding="utf-8"?>
-<ds:datastoreItem xmlns:ds="http://schemas.openxmlformats.org/officeDocument/2006/customXml" ds:itemID="{322D719F-42DD-4016-903B-69ACFB494284}">
+<ds:datastoreItem xmlns:ds="http://schemas.openxmlformats.org/officeDocument/2006/customXml" ds:itemID="{817C9E37-650B-4CCF-B951-DE51C8217DA2}">
   <ds:schemaRefs>
-    <ds:schemaRef ds:uri="http://schemas.microsoft.com/sharepoint/v3/contenttype/forms"/>
+    <ds:schemaRef ds:uri="http://schemas.microsoft.com/VisualStudio/2011/storyboarding/control"/>
   </ds:schemaRefs>
 </ds:datastoreItem>
 </file>